--- a/Proposal Sketches/Screen Sketchups.pptx
+++ b/Proposal Sketches/Screen Sketchups.pptx
@@ -7,8 +7,10 @@
   <p:sldIdLst>
     <p:sldId id="256" r:id="rId2"/>
     <p:sldId id="257" r:id="rId3"/>
-    <p:sldId id="258" r:id="rId4"/>
-    <p:sldId id="259" r:id="rId5"/>
+    <p:sldId id="260" r:id="rId4"/>
+    <p:sldId id="258" r:id="rId5"/>
+    <p:sldId id="259" r:id="rId6"/>
+    <p:sldId id="261" r:id="rId7"/>
   </p:sldIdLst>
   <p:sldSz cx="12192000" cy="6858000"/>
   <p:notesSz cx="6858000" cy="9144000"/>
@@ -194,7 +196,7 @@
             </c:spPr>
             <c:extLst>
               <c:ext xmlns:c16="http://schemas.microsoft.com/office/drawing/2014/chart" uri="{C3380CC4-5D6E-409C-BE32-E72D297353CC}">
-                <c16:uniqueId val="{00000003-713B-4671-BC83-6A2ADA6B9B14}"/>
+                <c16:uniqueId val="{00000001-E35D-4259-908A-609E8F08E36B}"/>
               </c:ext>
             </c:extLst>
           </c:dPt>
@@ -214,7 +216,7 @@
             </c:spPr>
             <c:extLst>
               <c:ext xmlns:c16="http://schemas.microsoft.com/office/drawing/2014/chart" uri="{C3380CC4-5D6E-409C-BE32-E72D297353CC}">
-                <c16:uniqueId val="{00000003-3439-4241-9BE1-0AD5D6F272EB}"/>
+                <c16:uniqueId val="{00000003-E35D-4259-908A-609E8F08E36B}"/>
               </c:ext>
             </c:extLst>
           </c:dPt>
@@ -234,7 +236,7 @@
             </c:spPr>
             <c:extLst>
               <c:ext xmlns:c16="http://schemas.microsoft.com/office/drawing/2014/chart" uri="{C3380CC4-5D6E-409C-BE32-E72D297353CC}">
-                <c16:uniqueId val="{00000005-3439-4241-9BE1-0AD5D6F272EB}"/>
+                <c16:uniqueId val="{00000005-E35D-4259-908A-609E8F08E36B}"/>
               </c:ext>
             </c:extLst>
           </c:dPt>
@@ -254,7 +256,7 @@
             </c:spPr>
             <c:extLst>
               <c:ext xmlns:c16="http://schemas.microsoft.com/office/drawing/2014/chart" uri="{C3380CC4-5D6E-409C-BE32-E72D297353CC}">
-                <c16:uniqueId val="{00000007-3439-4241-9BE1-0AD5D6F272EB}"/>
+                <c16:uniqueId val="{00000007-E35D-4259-908A-609E8F08E36B}"/>
               </c:ext>
             </c:extLst>
           </c:dPt>
@@ -301,7 +303,7 @@
           </c:val>
           <c:extLst>
             <c:ext xmlns:c16="http://schemas.microsoft.com/office/drawing/2014/chart" uri="{C3380CC4-5D6E-409C-BE32-E72D297353CC}">
-              <c16:uniqueId val="{00000000-713B-4671-BC83-6A2ADA6B9B14}"/>
+              <c16:uniqueId val="{00000008-E35D-4259-908A-609E8F08E36B}"/>
             </c:ext>
           </c:extLst>
         </c:ser>
@@ -4956,10 +4958,10 @@
       </p:grpSpPr>
       <p:grpSp>
         <p:nvGrpSpPr>
-          <p:cNvPr id="13" name="Group 12">
+          <p:cNvPr id="12" name="Group 11">
             <a:extLst>
               <a:ext uri="{FF2B5EF4-FFF2-40B4-BE49-F238E27FC236}">
-                <a16:creationId xmlns:a16="http://schemas.microsoft.com/office/drawing/2014/main" id="{DA515F84-3A6F-44C2-87C0-2C12EB9D4B37}"/>
+                <a16:creationId xmlns:a16="http://schemas.microsoft.com/office/drawing/2014/main" id="{5B02E7AA-D4FC-4FC5-8D38-4E474DB752C1}"/>
               </a:ext>
             </a:extLst>
           </p:cNvPr>
@@ -4968,18 +4970,316 @@
         </p:nvGrpSpPr>
         <p:grpSpPr>
           <a:xfrm>
-            <a:off x="3045041" y="1313895"/>
+            <a:off x="6096000" y="704720"/>
             <a:ext cx="2441359" cy="4571750"/>
-            <a:chOff x="3045041" y="1313895"/>
+            <a:chOff x="419228" y="547196"/>
             <a:chExt cx="2441359" cy="4571750"/>
           </a:xfrm>
         </p:grpSpPr>
+        <p:grpSp>
+          <p:nvGrpSpPr>
+            <p:cNvPr id="14" name="Group 13">
+              <a:extLst>
+                <a:ext uri="{FF2B5EF4-FFF2-40B4-BE49-F238E27FC236}">
+                  <a16:creationId xmlns:a16="http://schemas.microsoft.com/office/drawing/2014/main" id="{F8813A15-5471-4C58-BF38-2AAE8D9E3387}"/>
+                </a:ext>
+              </a:extLst>
+            </p:cNvPr>
+            <p:cNvGrpSpPr/>
+            <p:nvPr/>
+          </p:nvGrpSpPr>
+          <p:grpSpPr>
+            <a:xfrm>
+              <a:off x="419228" y="547196"/>
+              <a:ext cx="2441359" cy="4571750"/>
+              <a:chOff x="3045041" y="1313895"/>
+              <a:chExt cx="2441359" cy="4571750"/>
+            </a:xfrm>
+          </p:grpSpPr>
+          <p:sp>
+            <p:nvSpPr>
+              <p:cNvPr id="15" name="Rectangle: Rounded Corners 14">
+                <a:extLst>
+                  <a:ext uri="{FF2B5EF4-FFF2-40B4-BE49-F238E27FC236}">
+                    <a16:creationId xmlns:a16="http://schemas.microsoft.com/office/drawing/2014/main" id="{37A4E7DE-CDFC-47AF-B6B1-A8FBAAD09AE1}"/>
+                  </a:ext>
+                </a:extLst>
+              </p:cNvPr>
+              <p:cNvSpPr/>
+              <p:nvPr/>
+            </p:nvSpPr>
+            <p:spPr>
+              <a:xfrm>
+                <a:off x="3045041" y="1313895"/>
+                <a:ext cx="2441359" cy="4571750"/>
+              </a:xfrm>
+              <a:prstGeom prst="roundRect">
+                <a:avLst/>
+              </a:prstGeom>
+              <a:solidFill>
+                <a:schemeClr val="bg1"/>
+              </a:solidFill>
+              <a:ln w="57150">
+                <a:solidFill>
+                  <a:schemeClr val="tx1"/>
+                </a:solidFill>
+              </a:ln>
+            </p:spPr>
+            <p:style>
+              <a:lnRef idx="2">
+                <a:schemeClr val="accent1">
+                  <a:shade val="50000"/>
+                </a:schemeClr>
+              </a:lnRef>
+              <a:fillRef idx="1">
+                <a:schemeClr val="accent1"/>
+              </a:fillRef>
+              <a:effectRef idx="0">
+                <a:schemeClr val="accent1"/>
+              </a:effectRef>
+              <a:fontRef idx="minor">
+                <a:schemeClr val="lt1"/>
+              </a:fontRef>
+            </p:style>
+            <p:txBody>
+              <a:bodyPr rtlCol="0" anchor="ctr"/>
+              <a:lstStyle/>
+              <a:p>
+                <a:pPr algn="ctr"/>
+                <a:endParaRPr lang="en-GB" dirty="0"/>
+              </a:p>
+            </p:txBody>
+          </p:sp>
+          <p:sp>
+            <p:nvSpPr>
+              <p:cNvPr id="16" name="Rectangle: Rounded Corners 15">
+                <a:extLst>
+                  <a:ext uri="{FF2B5EF4-FFF2-40B4-BE49-F238E27FC236}">
+                    <a16:creationId xmlns:a16="http://schemas.microsoft.com/office/drawing/2014/main" id="{92E746AA-1CCA-4ADA-9214-9477FED127C6}"/>
+                  </a:ext>
+                </a:extLst>
+              </p:cNvPr>
+              <p:cNvSpPr/>
+              <p:nvPr/>
+            </p:nvSpPr>
+            <p:spPr>
+              <a:xfrm>
+                <a:off x="3290145" y="3465881"/>
+                <a:ext cx="1951149" cy="369333"/>
+              </a:xfrm>
+              <a:prstGeom prst="roundRect">
+                <a:avLst/>
+              </a:prstGeom>
+              <a:solidFill>
+                <a:schemeClr val="bg1"/>
+              </a:solidFill>
+              <a:ln w="38100">
+                <a:solidFill>
+                  <a:schemeClr val="tx1"/>
+                </a:solidFill>
+              </a:ln>
+            </p:spPr>
+            <p:style>
+              <a:lnRef idx="2">
+                <a:schemeClr val="accent1">
+                  <a:shade val="50000"/>
+                </a:schemeClr>
+              </a:lnRef>
+              <a:fillRef idx="1">
+                <a:schemeClr val="accent1"/>
+              </a:fillRef>
+              <a:effectRef idx="0">
+                <a:schemeClr val="accent1"/>
+              </a:effectRef>
+              <a:fontRef idx="minor">
+                <a:schemeClr val="lt1"/>
+              </a:fontRef>
+            </p:style>
+            <p:txBody>
+              <a:bodyPr rtlCol="0" anchor="ctr"/>
+              <a:lstStyle/>
+              <a:p>
+                <a:pPr algn="ctr"/>
+                <a:r>
+                  <a:rPr lang="en-GB" dirty="0">
+                    <a:solidFill>
+                      <a:schemeClr val="tx1"/>
+                    </a:solidFill>
+                  </a:rPr>
+                  <a:t>Create Account</a:t>
+                </a:r>
+              </a:p>
+            </p:txBody>
+          </p:sp>
+          <p:sp>
+            <p:nvSpPr>
+              <p:cNvPr id="18" name="TextBox 17">
+                <a:extLst>
+                  <a:ext uri="{FF2B5EF4-FFF2-40B4-BE49-F238E27FC236}">
+                    <a16:creationId xmlns:a16="http://schemas.microsoft.com/office/drawing/2014/main" id="{ED14AC1B-F8F2-4496-AEC3-984D80EF75D5}"/>
+                  </a:ext>
+                </a:extLst>
+              </p:cNvPr>
+              <p:cNvSpPr txBox="1"/>
+              <p:nvPr/>
+            </p:nvSpPr>
+            <p:spPr>
+              <a:xfrm>
+                <a:off x="3722800" y="1801164"/>
+                <a:ext cx="1099533" cy="369332"/>
+              </a:xfrm>
+              <a:prstGeom prst="rect">
+                <a:avLst/>
+              </a:prstGeom>
+              <a:noFill/>
+            </p:spPr>
+            <p:txBody>
+              <a:bodyPr wrap="square">
+                <a:spAutoFit/>
+              </a:bodyPr>
+              <a:lstStyle/>
+              <a:p>
+                <a:r>
+                  <a:rPr lang="en-GB" dirty="0">
+                    <a:solidFill>
+                      <a:schemeClr val="tx1"/>
+                    </a:solidFill>
+                  </a:rPr>
+                  <a:t>My Mood</a:t>
+                </a:r>
+                <a:endParaRPr lang="en-GB" dirty="0"/>
+              </a:p>
+            </p:txBody>
+          </p:sp>
+          <p:sp>
+            <p:nvSpPr>
+              <p:cNvPr id="19" name="Rectangle: Rounded Corners 18">
+                <a:extLst>
+                  <a:ext uri="{FF2B5EF4-FFF2-40B4-BE49-F238E27FC236}">
+                    <a16:creationId xmlns:a16="http://schemas.microsoft.com/office/drawing/2014/main" id="{D58426AB-FF85-48C7-B874-7EAA0770E8C4}"/>
+                  </a:ext>
+                </a:extLst>
+              </p:cNvPr>
+              <p:cNvSpPr/>
+              <p:nvPr/>
+            </p:nvSpPr>
+            <p:spPr>
+              <a:xfrm>
+                <a:off x="3296993" y="2355619"/>
+                <a:ext cx="1951149" cy="369333"/>
+              </a:xfrm>
+              <a:prstGeom prst="roundRect">
+                <a:avLst/>
+              </a:prstGeom>
+              <a:solidFill>
+                <a:schemeClr val="bg1"/>
+              </a:solidFill>
+              <a:ln w="38100">
+                <a:solidFill>
+                  <a:schemeClr val="tx1"/>
+                </a:solidFill>
+              </a:ln>
+            </p:spPr>
+            <p:style>
+              <a:lnRef idx="2">
+                <a:schemeClr val="accent1">
+                  <a:shade val="50000"/>
+                </a:schemeClr>
+              </a:lnRef>
+              <a:fillRef idx="1">
+                <a:schemeClr val="accent1"/>
+              </a:fillRef>
+              <a:effectRef idx="0">
+                <a:schemeClr val="accent1"/>
+              </a:effectRef>
+              <a:fontRef idx="minor">
+                <a:schemeClr val="lt1"/>
+              </a:fontRef>
+            </p:style>
+            <p:txBody>
+              <a:bodyPr rtlCol="0" anchor="ctr"/>
+              <a:lstStyle/>
+              <a:p>
+                <a:pPr algn="ctr"/>
+                <a:r>
+                  <a:rPr lang="en-GB" dirty="0">
+                    <a:solidFill>
+                      <a:schemeClr val="tx1"/>
+                    </a:solidFill>
+                  </a:rPr>
+                  <a:t>Username</a:t>
+                </a:r>
+              </a:p>
+            </p:txBody>
+          </p:sp>
+          <p:sp>
+            <p:nvSpPr>
+              <p:cNvPr id="20" name="Rectangle: Rounded Corners 19">
+                <a:extLst>
+                  <a:ext uri="{FF2B5EF4-FFF2-40B4-BE49-F238E27FC236}">
+                    <a16:creationId xmlns:a16="http://schemas.microsoft.com/office/drawing/2014/main" id="{74830299-CC44-4D91-8A68-D466DA56381A}"/>
+                  </a:ext>
+                </a:extLst>
+              </p:cNvPr>
+              <p:cNvSpPr/>
+              <p:nvPr/>
+            </p:nvSpPr>
+            <p:spPr>
+              <a:xfrm>
+                <a:off x="3296993" y="2910750"/>
+                <a:ext cx="1951149" cy="369333"/>
+              </a:xfrm>
+              <a:prstGeom prst="roundRect">
+                <a:avLst/>
+              </a:prstGeom>
+              <a:solidFill>
+                <a:schemeClr val="bg1"/>
+              </a:solidFill>
+              <a:ln w="38100">
+                <a:solidFill>
+                  <a:schemeClr val="tx1"/>
+                </a:solidFill>
+              </a:ln>
+            </p:spPr>
+            <p:style>
+              <a:lnRef idx="2">
+                <a:schemeClr val="accent1">
+                  <a:shade val="50000"/>
+                </a:schemeClr>
+              </a:lnRef>
+              <a:fillRef idx="1">
+                <a:schemeClr val="accent1"/>
+              </a:fillRef>
+              <a:effectRef idx="0">
+                <a:schemeClr val="accent1"/>
+              </a:effectRef>
+              <a:fontRef idx="minor">
+                <a:schemeClr val="lt1"/>
+              </a:fontRef>
+            </p:style>
+            <p:txBody>
+              <a:bodyPr rtlCol="0" anchor="ctr"/>
+              <a:lstStyle/>
+              <a:p>
+                <a:pPr algn="ctr"/>
+                <a:r>
+                  <a:rPr lang="en-GB" dirty="0">
+                    <a:solidFill>
+                      <a:schemeClr val="tx1"/>
+                    </a:solidFill>
+                  </a:rPr>
+                  <a:t>Password</a:t>
+                </a:r>
+              </a:p>
+            </p:txBody>
+          </p:sp>
+        </p:grpSp>
         <p:sp>
           <p:nvSpPr>
-            <p:cNvPr id="4" name="Rectangle: Rounded Corners 3">
+            <p:cNvPr id="17" name="Isosceles Triangle 16">
               <a:extLst>
                 <a:ext uri="{FF2B5EF4-FFF2-40B4-BE49-F238E27FC236}">
-                  <a16:creationId xmlns:a16="http://schemas.microsoft.com/office/drawing/2014/main" id="{BFA60ABF-5E53-409F-9AFA-3C3082542A84}"/>
+                  <a16:creationId xmlns:a16="http://schemas.microsoft.com/office/drawing/2014/main" id="{9973A7DF-0AE6-45F1-98F2-CD5E726E6649}"/>
                 </a:ext>
               </a:extLst>
             </p:cNvPr>
@@ -4987,17 +5287,17 @@
             <p:nvPr/>
           </p:nvSpPr>
           <p:spPr>
-            <a:xfrm>
-              <a:off x="3045041" y="1313895"/>
-              <a:ext cx="2441359" cy="4571750"/>
+            <a:xfrm rot="16200000">
+              <a:off x="581802" y="749668"/>
+              <a:ext cx="178755" cy="185336"/>
             </a:xfrm>
-            <a:prstGeom prst="roundRect">
+            <a:prstGeom prst="triangle">
               <a:avLst/>
             </a:prstGeom>
             <a:solidFill>
-              <a:schemeClr val="bg1"/>
+              <a:schemeClr val="tx1"/>
             </a:solidFill>
-            <a:ln w="57150">
+            <a:ln>
               <a:solidFill>
                 <a:schemeClr val="tx1"/>
               </a:solidFill>
@@ -5028,12 +5328,452 @@
             </a:p>
           </p:txBody>
         </p:sp>
+      </p:grpSp>
+      <p:sp>
+        <p:nvSpPr>
+          <p:cNvPr id="2" name="TextBox 1">
+            <a:extLst>
+              <a:ext uri="{FF2B5EF4-FFF2-40B4-BE49-F238E27FC236}">
+                <a16:creationId xmlns:a16="http://schemas.microsoft.com/office/drawing/2014/main" id="{AB1F465F-15F1-4C82-9BEB-EE8BE6FCFF6C}"/>
+              </a:ext>
+            </a:extLst>
+          </p:cNvPr>
+          <p:cNvSpPr txBox="1"/>
+          <p:nvPr/>
+        </p:nvSpPr>
+        <p:spPr>
+          <a:xfrm>
+            <a:off x="3020350" y="1581530"/>
+            <a:ext cx="2441359" cy="3139321"/>
+          </a:xfrm>
+          <a:prstGeom prst="rect">
+            <a:avLst/>
+          </a:prstGeom>
+          <a:noFill/>
+        </p:spPr>
+        <p:txBody>
+          <a:bodyPr wrap="square" rtlCol="0">
+            <a:spAutoFit/>
+          </a:bodyPr>
+          <a:lstStyle/>
+          <a:p>
+            <a:pPr marL="285750" indent="-285750">
+              <a:buFont typeface="Arial" panose="020B0604020202020204" pitchFamily="34" charset="0"/>
+              <a:buChar char="•"/>
+            </a:pPr>
+            <a:r>
+              <a:rPr lang="en-GB" dirty="0"/>
+              <a:t>The user is greeted with a Username and password login system</a:t>
+            </a:r>
+          </a:p>
+          <a:p>
+            <a:pPr marL="285750" indent="-285750">
+              <a:buFont typeface="Arial" panose="020B0604020202020204" pitchFamily="34" charset="0"/>
+              <a:buChar char="•"/>
+            </a:pPr>
+            <a:r>
+              <a:rPr lang="en-GB" dirty="0"/>
+              <a:t>The user has a choice to Create a account </a:t>
+            </a:r>
+          </a:p>
+          <a:p>
+            <a:pPr marL="285750" indent="-285750">
+              <a:buFont typeface="Arial" panose="020B0604020202020204" pitchFamily="34" charset="0"/>
+              <a:buChar char="•"/>
+            </a:pPr>
+            <a:r>
+              <a:rPr lang="en-GB" dirty="0"/>
+              <a:t>The user can even reset their password if they have forgotten it</a:t>
+            </a:r>
+          </a:p>
+        </p:txBody>
+      </p:sp>
+      <p:grpSp>
+        <p:nvGrpSpPr>
+          <p:cNvPr id="8" name="Group 7">
+            <a:extLst>
+              <a:ext uri="{FF2B5EF4-FFF2-40B4-BE49-F238E27FC236}">
+                <a16:creationId xmlns:a16="http://schemas.microsoft.com/office/drawing/2014/main" id="{9207CFBE-D025-4264-8546-636D6FC91DB4}"/>
+              </a:ext>
+            </a:extLst>
+          </p:cNvPr>
+          <p:cNvGrpSpPr/>
+          <p:nvPr/>
+        </p:nvGrpSpPr>
+        <p:grpSpPr>
+          <a:xfrm>
+            <a:off x="419228" y="752958"/>
+            <a:ext cx="2441359" cy="4571750"/>
+            <a:chOff x="553511" y="659554"/>
+            <a:chExt cx="2441359" cy="4571750"/>
+          </a:xfrm>
+        </p:grpSpPr>
+        <p:grpSp>
+          <p:nvGrpSpPr>
+            <p:cNvPr id="13" name="Group 12">
+              <a:extLst>
+                <a:ext uri="{FF2B5EF4-FFF2-40B4-BE49-F238E27FC236}">
+                  <a16:creationId xmlns:a16="http://schemas.microsoft.com/office/drawing/2014/main" id="{DA515F84-3A6F-44C2-87C0-2C12EB9D4B37}"/>
+                </a:ext>
+              </a:extLst>
+            </p:cNvPr>
+            <p:cNvGrpSpPr/>
+            <p:nvPr/>
+          </p:nvGrpSpPr>
+          <p:grpSpPr>
+            <a:xfrm>
+              <a:off x="553511" y="659554"/>
+              <a:ext cx="2441359" cy="4571750"/>
+              <a:chOff x="3045041" y="1313895"/>
+              <a:chExt cx="2441359" cy="4571750"/>
+            </a:xfrm>
+          </p:grpSpPr>
+          <p:sp>
+            <p:nvSpPr>
+              <p:cNvPr id="4" name="Rectangle: Rounded Corners 3">
+                <a:extLst>
+                  <a:ext uri="{FF2B5EF4-FFF2-40B4-BE49-F238E27FC236}">
+                    <a16:creationId xmlns:a16="http://schemas.microsoft.com/office/drawing/2014/main" id="{BFA60ABF-5E53-409F-9AFA-3C3082542A84}"/>
+                  </a:ext>
+                </a:extLst>
+              </p:cNvPr>
+              <p:cNvSpPr/>
+              <p:nvPr/>
+            </p:nvSpPr>
+            <p:spPr>
+              <a:xfrm>
+                <a:off x="3045041" y="1313895"/>
+                <a:ext cx="2441359" cy="4571750"/>
+              </a:xfrm>
+              <a:prstGeom prst="roundRect">
+                <a:avLst/>
+              </a:prstGeom>
+              <a:solidFill>
+                <a:schemeClr val="bg1"/>
+              </a:solidFill>
+              <a:ln w="57150">
+                <a:solidFill>
+                  <a:schemeClr val="tx1"/>
+                </a:solidFill>
+              </a:ln>
+            </p:spPr>
+            <p:style>
+              <a:lnRef idx="2">
+                <a:schemeClr val="accent1">
+                  <a:shade val="50000"/>
+                </a:schemeClr>
+              </a:lnRef>
+              <a:fillRef idx="1">
+                <a:schemeClr val="accent1"/>
+              </a:fillRef>
+              <a:effectRef idx="0">
+                <a:schemeClr val="accent1"/>
+              </a:effectRef>
+              <a:fontRef idx="minor">
+                <a:schemeClr val="lt1"/>
+              </a:fontRef>
+            </p:style>
+            <p:txBody>
+              <a:bodyPr rtlCol="0" anchor="ctr"/>
+              <a:lstStyle/>
+              <a:p>
+                <a:pPr algn="ctr"/>
+                <a:endParaRPr lang="en-GB" dirty="0"/>
+              </a:p>
+            </p:txBody>
+          </p:sp>
+          <p:sp>
+            <p:nvSpPr>
+              <p:cNvPr id="5" name="Rectangle: Rounded Corners 4">
+                <a:extLst>
+                  <a:ext uri="{FF2B5EF4-FFF2-40B4-BE49-F238E27FC236}">
+                    <a16:creationId xmlns:a16="http://schemas.microsoft.com/office/drawing/2014/main" id="{40473E5D-6198-462B-995D-7C88D0A20A3C}"/>
+                  </a:ext>
+                </a:extLst>
+              </p:cNvPr>
+              <p:cNvSpPr/>
+              <p:nvPr/>
+            </p:nvSpPr>
+            <p:spPr>
+              <a:xfrm>
+                <a:off x="3290145" y="3465881"/>
+                <a:ext cx="1951149" cy="369333"/>
+              </a:xfrm>
+              <a:prstGeom prst="roundRect">
+                <a:avLst/>
+              </a:prstGeom>
+              <a:solidFill>
+                <a:schemeClr val="bg1"/>
+              </a:solidFill>
+              <a:ln w="38100">
+                <a:solidFill>
+                  <a:schemeClr val="tx1"/>
+                </a:solidFill>
+              </a:ln>
+            </p:spPr>
+            <p:style>
+              <a:lnRef idx="2">
+                <a:schemeClr val="accent1">
+                  <a:shade val="50000"/>
+                </a:schemeClr>
+              </a:lnRef>
+              <a:fillRef idx="1">
+                <a:schemeClr val="accent1"/>
+              </a:fillRef>
+              <a:effectRef idx="0">
+                <a:schemeClr val="accent1"/>
+              </a:effectRef>
+              <a:fontRef idx="minor">
+                <a:schemeClr val="lt1"/>
+              </a:fontRef>
+            </p:style>
+            <p:txBody>
+              <a:bodyPr rtlCol="0" anchor="ctr"/>
+              <a:lstStyle/>
+              <a:p>
+                <a:pPr algn="ctr"/>
+                <a:r>
+                  <a:rPr lang="en-GB" dirty="0">
+                    <a:solidFill>
+                      <a:schemeClr val="tx1"/>
+                    </a:solidFill>
+                  </a:rPr>
+                  <a:t>Login</a:t>
+                </a:r>
+              </a:p>
+            </p:txBody>
+          </p:sp>
+          <p:sp>
+            <p:nvSpPr>
+              <p:cNvPr id="7" name="Rectangle: Rounded Corners 6">
+                <a:extLst>
+                  <a:ext uri="{FF2B5EF4-FFF2-40B4-BE49-F238E27FC236}">
+                    <a16:creationId xmlns:a16="http://schemas.microsoft.com/office/drawing/2014/main" id="{BBC5DEF9-89D4-4578-948B-984EA73B08D6}"/>
+                  </a:ext>
+                </a:extLst>
+              </p:cNvPr>
+              <p:cNvSpPr/>
+              <p:nvPr/>
+            </p:nvSpPr>
+            <p:spPr>
+              <a:xfrm>
+                <a:off x="3296993" y="5325413"/>
+                <a:ext cx="1951149" cy="325317"/>
+              </a:xfrm>
+              <a:prstGeom prst="roundRect">
+                <a:avLst/>
+              </a:prstGeom>
+              <a:solidFill>
+                <a:schemeClr val="bg1"/>
+              </a:solidFill>
+              <a:ln w="38100">
+                <a:solidFill>
+                  <a:schemeClr val="tx1"/>
+                </a:solidFill>
+              </a:ln>
+            </p:spPr>
+            <p:style>
+              <a:lnRef idx="2">
+                <a:schemeClr val="accent1">
+                  <a:shade val="50000"/>
+                </a:schemeClr>
+              </a:lnRef>
+              <a:fillRef idx="1">
+                <a:schemeClr val="accent1"/>
+              </a:fillRef>
+              <a:effectRef idx="0">
+                <a:schemeClr val="accent1"/>
+              </a:effectRef>
+              <a:fontRef idx="minor">
+                <a:schemeClr val="lt1"/>
+              </a:fontRef>
+            </p:style>
+            <p:txBody>
+              <a:bodyPr rtlCol="0" anchor="ctr"/>
+              <a:lstStyle/>
+              <a:p>
+                <a:pPr algn="ctr"/>
+                <a:r>
+                  <a:rPr lang="en-GB" dirty="0">
+                    <a:solidFill>
+                      <a:schemeClr val="tx1"/>
+                    </a:solidFill>
+                  </a:rPr>
+                  <a:t>Create Account</a:t>
+                </a:r>
+                <a:endParaRPr lang="en-GB" dirty="0"/>
+              </a:p>
+            </p:txBody>
+          </p:sp>
+          <p:sp>
+            <p:nvSpPr>
+              <p:cNvPr id="9" name="TextBox 8">
+                <a:extLst>
+                  <a:ext uri="{FF2B5EF4-FFF2-40B4-BE49-F238E27FC236}">
+                    <a16:creationId xmlns:a16="http://schemas.microsoft.com/office/drawing/2014/main" id="{771E1833-79BF-4A07-AAD2-53C71EDB11B0}"/>
+                  </a:ext>
+                </a:extLst>
+              </p:cNvPr>
+              <p:cNvSpPr txBox="1"/>
+              <p:nvPr/>
+            </p:nvSpPr>
+            <p:spPr>
+              <a:xfrm>
+                <a:off x="3722800" y="1801164"/>
+                <a:ext cx="1099533" cy="369332"/>
+              </a:xfrm>
+              <a:prstGeom prst="rect">
+                <a:avLst/>
+              </a:prstGeom>
+              <a:noFill/>
+            </p:spPr>
+            <p:txBody>
+              <a:bodyPr wrap="square">
+                <a:spAutoFit/>
+              </a:bodyPr>
+              <a:lstStyle/>
+              <a:p>
+                <a:r>
+                  <a:rPr lang="en-GB" dirty="0">
+                    <a:solidFill>
+                      <a:schemeClr val="tx1"/>
+                    </a:solidFill>
+                  </a:rPr>
+                  <a:t>My Mood</a:t>
+                </a:r>
+                <a:endParaRPr lang="en-GB" dirty="0"/>
+              </a:p>
+            </p:txBody>
+          </p:sp>
+          <p:sp>
+            <p:nvSpPr>
+              <p:cNvPr id="10" name="Rectangle: Rounded Corners 9">
+                <a:extLst>
+                  <a:ext uri="{FF2B5EF4-FFF2-40B4-BE49-F238E27FC236}">
+                    <a16:creationId xmlns:a16="http://schemas.microsoft.com/office/drawing/2014/main" id="{67D92EF7-AED6-43FE-B521-4072880E30EA}"/>
+                  </a:ext>
+                </a:extLst>
+              </p:cNvPr>
+              <p:cNvSpPr/>
+              <p:nvPr/>
+            </p:nvSpPr>
+            <p:spPr>
+              <a:xfrm>
+                <a:off x="3296993" y="2355619"/>
+                <a:ext cx="1951149" cy="369333"/>
+              </a:xfrm>
+              <a:prstGeom prst="roundRect">
+                <a:avLst/>
+              </a:prstGeom>
+              <a:solidFill>
+                <a:schemeClr val="bg1"/>
+              </a:solidFill>
+              <a:ln w="38100">
+                <a:solidFill>
+                  <a:schemeClr val="tx1"/>
+                </a:solidFill>
+              </a:ln>
+            </p:spPr>
+            <p:style>
+              <a:lnRef idx="2">
+                <a:schemeClr val="accent1">
+                  <a:shade val="50000"/>
+                </a:schemeClr>
+              </a:lnRef>
+              <a:fillRef idx="1">
+                <a:schemeClr val="accent1"/>
+              </a:fillRef>
+              <a:effectRef idx="0">
+                <a:schemeClr val="accent1"/>
+              </a:effectRef>
+              <a:fontRef idx="minor">
+                <a:schemeClr val="lt1"/>
+              </a:fontRef>
+            </p:style>
+            <p:txBody>
+              <a:bodyPr rtlCol="0" anchor="ctr"/>
+              <a:lstStyle/>
+              <a:p>
+                <a:pPr algn="ctr"/>
+                <a:r>
+                  <a:rPr lang="en-GB" dirty="0">
+                    <a:solidFill>
+                      <a:schemeClr val="tx1"/>
+                    </a:solidFill>
+                  </a:rPr>
+                  <a:t>Username</a:t>
+                </a:r>
+              </a:p>
+            </p:txBody>
+          </p:sp>
+          <p:sp>
+            <p:nvSpPr>
+              <p:cNvPr id="11" name="Rectangle: Rounded Corners 10">
+                <a:extLst>
+                  <a:ext uri="{FF2B5EF4-FFF2-40B4-BE49-F238E27FC236}">
+                    <a16:creationId xmlns:a16="http://schemas.microsoft.com/office/drawing/2014/main" id="{375F9947-A277-4A1F-B3D4-ED6C45E51905}"/>
+                  </a:ext>
+                </a:extLst>
+              </p:cNvPr>
+              <p:cNvSpPr/>
+              <p:nvPr/>
+            </p:nvSpPr>
+            <p:spPr>
+              <a:xfrm>
+                <a:off x="3296993" y="2910750"/>
+                <a:ext cx="1951149" cy="369333"/>
+              </a:xfrm>
+              <a:prstGeom prst="roundRect">
+                <a:avLst/>
+              </a:prstGeom>
+              <a:solidFill>
+                <a:schemeClr val="bg1"/>
+              </a:solidFill>
+              <a:ln w="38100">
+                <a:solidFill>
+                  <a:schemeClr val="tx1"/>
+                </a:solidFill>
+              </a:ln>
+            </p:spPr>
+            <p:style>
+              <a:lnRef idx="2">
+                <a:schemeClr val="accent1">
+                  <a:shade val="50000"/>
+                </a:schemeClr>
+              </a:lnRef>
+              <a:fillRef idx="1">
+                <a:schemeClr val="accent1"/>
+              </a:fillRef>
+              <a:effectRef idx="0">
+                <a:schemeClr val="accent1"/>
+              </a:effectRef>
+              <a:fontRef idx="minor">
+                <a:schemeClr val="lt1"/>
+              </a:fontRef>
+            </p:style>
+            <p:txBody>
+              <a:bodyPr rtlCol="0" anchor="ctr"/>
+              <a:lstStyle/>
+              <a:p>
+                <a:pPr algn="ctr"/>
+                <a:r>
+                  <a:rPr lang="en-GB" dirty="0">
+                    <a:solidFill>
+                      <a:schemeClr val="tx1"/>
+                    </a:solidFill>
+                  </a:rPr>
+                  <a:t>Password</a:t>
+                </a:r>
+              </a:p>
+            </p:txBody>
+          </p:sp>
+        </p:grpSp>
         <p:sp>
           <p:nvSpPr>
-            <p:cNvPr id="5" name="Rectangle: Rounded Corners 4">
+            <p:cNvPr id="21" name="Rectangle: Rounded Corners 20">
               <a:extLst>
                 <a:ext uri="{FF2B5EF4-FFF2-40B4-BE49-F238E27FC236}">
-                  <a16:creationId xmlns:a16="http://schemas.microsoft.com/office/drawing/2014/main" id="{40473E5D-6198-462B-995D-7C88D0A20A3C}"/>
+                  <a16:creationId xmlns:a16="http://schemas.microsoft.com/office/drawing/2014/main" id="{FCE9F300-0694-4E0F-91A6-B11E0F7DD865}"/>
                 </a:ext>
               </a:extLst>
             </p:cNvPr>
@@ -5042,7 +5782,7 @@
           </p:nvSpPr>
           <p:spPr>
             <a:xfrm>
-              <a:off x="3290145" y="3465881"/>
+              <a:off x="805463" y="3366671"/>
               <a:ext cx="1951149" cy="369333"/>
             </a:xfrm>
             <a:prstGeom prst="roundRect">
@@ -5084,529 +5824,7 @@
                     <a:schemeClr val="tx1"/>
                   </a:solidFill>
                 </a:rPr>
-                <a:t>Login</a:t>
-              </a:r>
-            </a:p>
-          </p:txBody>
-        </p:sp>
-        <p:sp>
-          <p:nvSpPr>
-            <p:cNvPr id="7" name="Rectangle: Rounded Corners 6">
-              <a:extLst>
-                <a:ext uri="{FF2B5EF4-FFF2-40B4-BE49-F238E27FC236}">
-                  <a16:creationId xmlns:a16="http://schemas.microsoft.com/office/drawing/2014/main" id="{BBC5DEF9-89D4-4578-948B-984EA73B08D6}"/>
-                </a:ext>
-              </a:extLst>
-            </p:cNvPr>
-            <p:cNvSpPr/>
-            <p:nvPr/>
-          </p:nvSpPr>
-          <p:spPr>
-            <a:xfrm>
-              <a:off x="3296993" y="5325413"/>
-              <a:ext cx="1951149" cy="325317"/>
-            </a:xfrm>
-            <a:prstGeom prst="roundRect">
-              <a:avLst/>
-            </a:prstGeom>
-            <a:solidFill>
-              <a:schemeClr val="bg1"/>
-            </a:solidFill>
-            <a:ln w="38100">
-              <a:solidFill>
-                <a:schemeClr val="tx1"/>
-              </a:solidFill>
-            </a:ln>
-          </p:spPr>
-          <p:style>
-            <a:lnRef idx="2">
-              <a:schemeClr val="accent1">
-                <a:shade val="50000"/>
-              </a:schemeClr>
-            </a:lnRef>
-            <a:fillRef idx="1">
-              <a:schemeClr val="accent1"/>
-            </a:fillRef>
-            <a:effectRef idx="0">
-              <a:schemeClr val="accent1"/>
-            </a:effectRef>
-            <a:fontRef idx="minor">
-              <a:schemeClr val="lt1"/>
-            </a:fontRef>
-          </p:style>
-          <p:txBody>
-            <a:bodyPr rtlCol="0" anchor="ctr"/>
-            <a:lstStyle/>
-            <a:p>
-              <a:pPr algn="ctr"/>
-              <a:r>
-                <a:rPr lang="en-GB" dirty="0">
-                  <a:solidFill>
-                    <a:schemeClr val="tx1"/>
-                  </a:solidFill>
-                </a:rPr>
-                <a:t>Create Account</a:t>
-              </a:r>
-              <a:endParaRPr lang="en-GB" dirty="0"/>
-            </a:p>
-          </p:txBody>
-        </p:sp>
-        <p:sp>
-          <p:nvSpPr>
-            <p:cNvPr id="9" name="TextBox 8">
-              <a:extLst>
-                <a:ext uri="{FF2B5EF4-FFF2-40B4-BE49-F238E27FC236}">
-                  <a16:creationId xmlns:a16="http://schemas.microsoft.com/office/drawing/2014/main" id="{771E1833-79BF-4A07-AAD2-53C71EDB11B0}"/>
-                </a:ext>
-              </a:extLst>
-            </p:cNvPr>
-            <p:cNvSpPr txBox="1"/>
-            <p:nvPr/>
-          </p:nvSpPr>
-          <p:spPr>
-            <a:xfrm>
-              <a:off x="3722800" y="1801164"/>
-              <a:ext cx="1099533" cy="369332"/>
-            </a:xfrm>
-            <a:prstGeom prst="rect">
-              <a:avLst/>
-            </a:prstGeom>
-            <a:noFill/>
-          </p:spPr>
-          <p:txBody>
-            <a:bodyPr wrap="square">
-              <a:spAutoFit/>
-            </a:bodyPr>
-            <a:lstStyle/>
-            <a:p>
-              <a:r>
-                <a:rPr lang="en-GB" dirty="0">
-                  <a:solidFill>
-                    <a:schemeClr val="tx1"/>
-                  </a:solidFill>
-                </a:rPr>
-                <a:t>My Mood</a:t>
-              </a:r>
-              <a:endParaRPr lang="en-GB" dirty="0"/>
-            </a:p>
-          </p:txBody>
-        </p:sp>
-        <p:sp>
-          <p:nvSpPr>
-            <p:cNvPr id="10" name="Rectangle: Rounded Corners 9">
-              <a:extLst>
-                <a:ext uri="{FF2B5EF4-FFF2-40B4-BE49-F238E27FC236}">
-                  <a16:creationId xmlns:a16="http://schemas.microsoft.com/office/drawing/2014/main" id="{67D92EF7-AED6-43FE-B521-4072880E30EA}"/>
-                </a:ext>
-              </a:extLst>
-            </p:cNvPr>
-            <p:cNvSpPr/>
-            <p:nvPr/>
-          </p:nvSpPr>
-          <p:spPr>
-            <a:xfrm>
-              <a:off x="3296993" y="2355619"/>
-              <a:ext cx="1951149" cy="369333"/>
-            </a:xfrm>
-            <a:prstGeom prst="roundRect">
-              <a:avLst/>
-            </a:prstGeom>
-            <a:solidFill>
-              <a:schemeClr val="bg1"/>
-            </a:solidFill>
-            <a:ln w="38100">
-              <a:solidFill>
-                <a:schemeClr val="tx1"/>
-              </a:solidFill>
-            </a:ln>
-          </p:spPr>
-          <p:style>
-            <a:lnRef idx="2">
-              <a:schemeClr val="accent1">
-                <a:shade val="50000"/>
-              </a:schemeClr>
-            </a:lnRef>
-            <a:fillRef idx="1">
-              <a:schemeClr val="accent1"/>
-            </a:fillRef>
-            <a:effectRef idx="0">
-              <a:schemeClr val="accent1"/>
-            </a:effectRef>
-            <a:fontRef idx="minor">
-              <a:schemeClr val="lt1"/>
-            </a:fontRef>
-          </p:style>
-          <p:txBody>
-            <a:bodyPr rtlCol="0" anchor="ctr"/>
-            <a:lstStyle/>
-            <a:p>
-              <a:pPr algn="ctr"/>
-              <a:r>
-                <a:rPr lang="en-GB" dirty="0">
-                  <a:solidFill>
-                    <a:schemeClr val="tx1"/>
-                  </a:solidFill>
-                </a:rPr>
-                <a:t>Username</a:t>
-              </a:r>
-            </a:p>
-          </p:txBody>
-        </p:sp>
-        <p:sp>
-          <p:nvSpPr>
-            <p:cNvPr id="11" name="Rectangle: Rounded Corners 10">
-              <a:extLst>
-                <a:ext uri="{FF2B5EF4-FFF2-40B4-BE49-F238E27FC236}">
-                  <a16:creationId xmlns:a16="http://schemas.microsoft.com/office/drawing/2014/main" id="{375F9947-A277-4A1F-B3D4-ED6C45E51905}"/>
-                </a:ext>
-              </a:extLst>
-            </p:cNvPr>
-            <p:cNvSpPr/>
-            <p:nvPr/>
-          </p:nvSpPr>
-          <p:spPr>
-            <a:xfrm>
-              <a:off x="3296993" y="2910750"/>
-              <a:ext cx="1951149" cy="369333"/>
-            </a:xfrm>
-            <a:prstGeom prst="roundRect">
-              <a:avLst/>
-            </a:prstGeom>
-            <a:solidFill>
-              <a:schemeClr val="bg1"/>
-            </a:solidFill>
-            <a:ln w="38100">
-              <a:solidFill>
-                <a:schemeClr val="tx1"/>
-              </a:solidFill>
-            </a:ln>
-          </p:spPr>
-          <p:style>
-            <a:lnRef idx="2">
-              <a:schemeClr val="accent1">
-                <a:shade val="50000"/>
-              </a:schemeClr>
-            </a:lnRef>
-            <a:fillRef idx="1">
-              <a:schemeClr val="accent1"/>
-            </a:fillRef>
-            <a:effectRef idx="0">
-              <a:schemeClr val="accent1"/>
-            </a:effectRef>
-            <a:fontRef idx="minor">
-              <a:schemeClr val="lt1"/>
-            </a:fontRef>
-          </p:style>
-          <p:txBody>
-            <a:bodyPr rtlCol="0" anchor="ctr"/>
-            <a:lstStyle/>
-            <a:p>
-              <a:pPr algn="ctr"/>
-              <a:r>
-                <a:rPr lang="en-GB" dirty="0">
-                  <a:solidFill>
-                    <a:schemeClr val="tx1"/>
-                  </a:solidFill>
-                </a:rPr>
-                <a:t>Password</a:t>
-              </a:r>
-            </a:p>
-          </p:txBody>
-        </p:sp>
-      </p:grpSp>
-      <p:grpSp>
-        <p:nvGrpSpPr>
-          <p:cNvPr id="14" name="Group 13">
-            <a:extLst>
-              <a:ext uri="{FF2B5EF4-FFF2-40B4-BE49-F238E27FC236}">
-                <a16:creationId xmlns:a16="http://schemas.microsoft.com/office/drawing/2014/main" id="{F8813A15-5471-4C58-BF38-2AAE8D9E3387}"/>
-              </a:ext>
-            </a:extLst>
-          </p:cNvPr>
-          <p:cNvGrpSpPr/>
-          <p:nvPr/>
-        </p:nvGrpSpPr>
-        <p:grpSpPr>
-          <a:xfrm>
-            <a:off x="6459450" y="1313895"/>
-            <a:ext cx="2441359" cy="4571750"/>
-            <a:chOff x="3045041" y="1313895"/>
-            <a:chExt cx="2441359" cy="4571750"/>
-          </a:xfrm>
-        </p:grpSpPr>
-        <p:sp>
-          <p:nvSpPr>
-            <p:cNvPr id="15" name="Rectangle: Rounded Corners 14">
-              <a:extLst>
-                <a:ext uri="{FF2B5EF4-FFF2-40B4-BE49-F238E27FC236}">
-                  <a16:creationId xmlns:a16="http://schemas.microsoft.com/office/drawing/2014/main" id="{37A4E7DE-CDFC-47AF-B6B1-A8FBAAD09AE1}"/>
-                </a:ext>
-              </a:extLst>
-            </p:cNvPr>
-            <p:cNvSpPr/>
-            <p:nvPr/>
-          </p:nvSpPr>
-          <p:spPr>
-            <a:xfrm>
-              <a:off x="3045041" y="1313895"/>
-              <a:ext cx="2441359" cy="4571750"/>
-            </a:xfrm>
-            <a:prstGeom prst="roundRect">
-              <a:avLst/>
-            </a:prstGeom>
-            <a:solidFill>
-              <a:schemeClr val="bg1"/>
-            </a:solidFill>
-            <a:ln w="57150">
-              <a:solidFill>
-                <a:schemeClr val="tx1"/>
-              </a:solidFill>
-            </a:ln>
-          </p:spPr>
-          <p:style>
-            <a:lnRef idx="2">
-              <a:schemeClr val="accent1">
-                <a:shade val="50000"/>
-              </a:schemeClr>
-            </a:lnRef>
-            <a:fillRef idx="1">
-              <a:schemeClr val="accent1"/>
-            </a:fillRef>
-            <a:effectRef idx="0">
-              <a:schemeClr val="accent1"/>
-            </a:effectRef>
-            <a:fontRef idx="minor">
-              <a:schemeClr val="lt1"/>
-            </a:fontRef>
-          </p:style>
-          <p:txBody>
-            <a:bodyPr rtlCol="0" anchor="ctr"/>
-            <a:lstStyle/>
-            <a:p>
-              <a:pPr algn="ctr"/>
-              <a:endParaRPr lang="en-GB" dirty="0"/>
-            </a:p>
-          </p:txBody>
-        </p:sp>
-        <p:sp>
-          <p:nvSpPr>
-            <p:cNvPr id="16" name="Rectangle: Rounded Corners 15">
-              <a:extLst>
-                <a:ext uri="{FF2B5EF4-FFF2-40B4-BE49-F238E27FC236}">
-                  <a16:creationId xmlns:a16="http://schemas.microsoft.com/office/drawing/2014/main" id="{92E746AA-1CCA-4ADA-9214-9477FED127C6}"/>
-                </a:ext>
-              </a:extLst>
-            </p:cNvPr>
-            <p:cNvSpPr/>
-            <p:nvPr/>
-          </p:nvSpPr>
-          <p:spPr>
-            <a:xfrm>
-              <a:off x="3290145" y="3465881"/>
-              <a:ext cx="1951149" cy="369333"/>
-            </a:xfrm>
-            <a:prstGeom prst="roundRect">
-              <a:avLst/>
-            </a:prstGeom>
-            <a:solidFill>
-              <a:schemeClr val="bg1"/>
-            </a:solidFill>
-            <a:ln w="38100">
-              <a:solidFill>
-                <a:schemeClr val="tx1"/>
-              </a:solidFill>
-            </a:ln>
-          </p:spPr>
-          <p:style>
-            <a:lnRef idx="2">
-              <a:schemeClr val="accent1">
-                <a:shade val="50000"/>
-              </a:schemeClr>
-            </a:lnRef>
-            <a:fillRef idx="1">
-              <a:schemeClr val="accent1"/>
-            </a:fillRef>
-            <a:effectRef idx="0">
-              <a:schemeClr val="accent1"/>
-            </a:effectRef>
-            <a:fontRef idx="minor">
-              <a:schemeClr val="lt1"/>
-            </a:fontRef>
-          </p:style>
-          <p:txBody>
-            <a:bodyPr rtlCol="0" anchor="ctr"/>
-            <a:lstStyle/>
-            <a:p>
-              <a:pPr algn="ctr"/>
-              <a:r>
-                <a:rPr lang="en-GB" dirty="0">
-                  <a:solidFill>
-                    <a:schemeClr val="tx1"/>
-                  </a:solidFill>
-                </a:rPr>
-                <a:t>Create Account</a:t>
-              </a:r>
-            </a:p>
-          </p:txBody>
-        </p:sp>
-        <p:sp>
-          <p:nvSpPr>
-            <p:cNvPr id="18" name="TextBox 17">
-              <a:extLst>
-                <a:ext uri="{FF2B5EF4-FFF2-40B4-BE49-F238E27FC236}">
-                  <a16:creationId xmlns:a16="http://schemas.microsoft.com/office/drawing/2014/main" id="{ED14AC1B-F8F2-4496-AEC3-984D80EF75D5}"/>
-                </a:ext>
-              </a:extLst>
-            </p:cNvPr>
-            <p:cNvSpPr txBox="1"/>
-            <p:nvPr/>
-          </p:nvSpPr>
-          <p:spPr>
-            <a:xfrm>
-              <a:off x="3722800" y="1801164"/>
-              <a:ext cx="1099533" cy="369332"/>
-            </a:xfrm>
-            <a:prstGeom prst="rect">
-              <a:avLst/>
-            </a:prstGeom>
-            <a:noFill/>
-          </p:spPr>
-          <p:txBody>
-            <a:bodyPr wrap="square">
-              <a:spAutoFit/>
-            </a:bodyPr>
-            <a:lstStyle/>
-            <a:p>
-              <a:r>
-                <a:rPr lang="en-GB" dirty="0">
-                  <a:solidFill>
-                    <a:schemeClr val="tx1"/>
-                  </a:solidFill>
-                </a:rPr>
-                <a:t>My Mood</a:t>
-              </a:r>
-              <a:endParaRPr lang="en-GB" dirty="0"/>
-            </a:p>
-          </p:txBody>
-        </p:sp>
-        <p:sp>
-          <p:nvSpPr>
-            <p:cNvPr id="19" name="Rectangle: Rounded Corners 18">
-              <a:extLst>
-                <a:ext uri="{FF2B5EF4-FFF2-40B4-BE49-F238E27FC236}">
-                  <a16:creationId xmlns:a16="http://schemas.microsoft.com/office/drawing/2014/main" id="{D58426AB-FF85-48C7-B874-7EAA0770E8C4}"/>
-                </a:ext>
-              </a:extLst>
-            </p:cNvPr>
-            <p:cNvSpPr/>
-            <p:nvPr/>
-          </p:nvSpPr>
-          <p:spPr>
-            <a:xfrm>
-              <a:off x="3296993" y="2355619"/>
-              <a:ext cx="1951149" cy="369333"/>
-            </a:xfrm>
-            <a:prstGeom prst="roundRect">
-              <a:avLst/>
-            </a:prstGeom>
-            <a:solidFill>
-              <a:schemeClr val="bg1"/>
-            </a:solidFill>
-            <a:ln w="38100">
-              <a:solidFill>
-                <a:schemeClr val="tx1"/>
-              </a:solidFill>
-            </a:ln>
-          </p:spPr>
-          <p:style>
-            <a:lnRef idx="2">
-              <a:schemeClr val="accent1">
-                <a:shade val="50000"/>
-              </a:schemeClr>
-            </a:lnRef>
-            <a:fillRef idx="1">
-              <a:schemeClr val="accent1"/>
-            </a:fillRef>
-            <a:effectRef idx="0">
-              <a:schemeClr val="accent1"/>
-            </a:effectRef>
-            <a:fontRef idx="minor">
-              <a:schemeClr val="lt1"/>
-            </a:fontRef>
-          </p:style>
-          <p:txBody>
-            <a:bodyPr rtlCol="0" anchor="ctr"/>
-            <a:lstStyle/>
-            <a:p>
-              <a:pPr algn="ctr"/>
-              <a:r>
-                <a:rPr lang="en-GB" dirty="0">
-                  <a:solidFill>
-                    <a:schemeClr val="tx1"/>
-                  </a:solidFill>
-                </a:rPr>
-                <a:t>Username</a:t>
-              </a:r>
-            </a:p>
-          </p:txBody>
-        </p:sp>
-        <p:sp>
-          <p:nvSpPr>
-            <p:cNvPr id="20" name="Rectangle: Rounded Corners 19">
-              <a:extLst>
-                <a:ext uri="{FF2B5EF4-FFF2-40B4-BE49-F238E27FC236}">
-                  <a16:creationId xmlns:a16="http://schemas.microsoft.com/office/drawing/2014/main" id="{74830299-CC44-4D91-8A68-D466DA56381A}"/>
-                </a:ext>
-              </a:extLst>
-            </p:cNvPr>
-            <p:cNvSpPr/>
-            <p:nvPr/>
-          </p:nvSpPr>
-          <p:spPr>
-            <a:xfrm>
-              <a:off x="3296993" y="2910750"/>
-              <a:ext cx="1951149" cy="369333"/>
-            </a:xfrm>
-            <a:prstGeom prst="roundRect">
-              <a:avLst/>
-            </a:prstGeom>
-            <a:solidFill>
-              <a:schemeClr val="bg1"/>
-            </a:solidFill>
-            <a:ln w="38100">
-              <a:solidFill>
-                <a:schemeClr val="tx1"/>
-              </a:solidFill>
-            </a:ln>
-          </p:spPr>
-          <p:style>
-            <a:lnRef idx="2">
-              <a:schemeClr val="accent1">
-                <a:shade val="50000"/>
-              </a:schemeClr>
-            </a:lnRef>
-            <a:fillRef idx="1">
-              <a:schemeClr val="accent1"/>
-            </a:fillRef>
-            <a:effectRef idx="0">
-              <a:schemeClr val="accent1"/>
-            </a:effectRef>
-            <a:fontRef idx="minor">
-              <a:schemeClr val="lt1"/>
-            </a:fontRef>
-          </p:style>
-          <p:txBody>
-            <a:bodyPr rtlCol="0" anchor="ctr"/>
-            <a:lstStyle/>
-            <a:p>
-              <a:pPr algn="ctr"/>
-              <a:r>
-                <a:rPr lang="en-GB" dirty="0">
-                  <a:solidFill>
-                    <a:schemeClr val="tx1"/>
-                  </a:solidFill>
-                </a:rPr>
-                <a:t>Password</a:t>
+                <a:t>Forgot Password</a:t>
               </a:r>
             </a:p>
           </p:txBody>
@@ -5614,55 +5832,60 @@
       </p:grpSp>
       <p:sp>
         <p:nvSpPr>
-          <p:cNvPr id="17" name="Isosceles Triangle 16">
+          <p:cNvPr id="23" name="TextBox 22">
             <a:extLst>
               <a:ext uri="{FF2B5EF4-FFF2-40B4-BE49-F238E27FC236}">
-                <a16:creationId xmlns:a16="http://schemas.microsoft.com/office/drawing/2014/main" id="{9973A7DF-0AE6-45F1-98F2-CD5E726E6649}"/>
+                <a16:creationId xmlns:a16="http://schemas.microsoft.com/office/drawing/2014/main" id="{0920DF8F-D273-4FFE-A3CD-742895B17ECB}"/>
               </a:ext>
             </a:extLst>
           </p:cNvPr>
-          <p:cNvSpPr/>
+          <p:cNvSpPr txBox="1"/>
           <p:nvPr/>
         </p:nvSpPr>
         <p:spPr>
-          <a:xfrm rot="16200000">
-            <a:off x="6622025" y="1469187"/>
-            <a:ext cx="178755" cy="185336"/>
+          <a:xfrm>
+            <a:off x="8782463" y="1519949"/>
+            <a:ext cx="2441359" cy="3416320"/>
           </a:xfrm>
-          <a:prstGeom prst="triangle">
+          <a:prstGeom prst="rect">
             <a:avLst/>
           </a:prstGeom>
-          <a:solidFill>
-            <a:schemeClr val="tx1"/>
-          </a:solidFill>
-          <a:ln>
-            <a:solidFill>
-              <a:schemeClr val="tx1"/>
-            </a:solidFill>
-          </a:ln>
+          <a:noFill/>
         </p:spPr>
-        <p:style>
-          <a:lnRef idx="2">
-            <a:schemeClr val="accent1">
-              <a:shade val="50000"/>
-            </a:schemeClr>
-          </a:lnRef>
-          <a:fillRef idx="1">
-            <a:schemeClr val="accent1"/>
-          </a:fillRef>
-          <a:effectRef idx="0">
-            <a:schemeClr val="accent1"/>
-          </a:effectRef>
-          <a:fontRef idx="minor">
-            <a:schemeClr val="lt1"/>
-          </a:fontRef>
-        </p:style>
         <p:txBody>
-          <a:bodyPr rtlCol="0" anchor="ctr"/>
+          <a:bodyPr wrap="square" rtlCol="0">
+            <a:spAutoFit/>
+          </a:bodyPr>
           <a:lstStyle/>
           <a:p>
-            <a:pPr algn="ctr"/>
-            <a:endParaRPr lang="en-GB" dirty="0"/>
+            <a:pPr marL="285750" indent="-285750">
+              <a:buFont typeface="Arial" panose="020B0604020202020204" pitchFamily="34" charset="0"/>
+              <a:buChar char="•"/>
+            </a:pPr>
+            <a:r>
+              <a:rPr lang="en-GB" dirty="0"/>
+              <a:t>The user can create an account by using a Username and password</a:t>
+            </a:r>
+          </a:p>
+          <a:p>
+            <a:pPr marL="285750" indent="-285750">
+              <a:buFont typeface="Arial" panose="020B0604020202020204" pitchFamily="34" charset="0"/>
+              <a:buChar char="•"/>
+            </a:pPr>
+            <a:r>
+              <a:rPr lang="en-GB" dirty="0"/>
+              <a:t>If there are any errors an appropriate message will appear</a:t>
+            </a:r>
+          </a:p>
+          <a:p>
+            <a:pPr marL="285750" indent="-285750">
+              <a:buFont typeface="Arial" panose="020B0604020202020204" pitchFamily="34" charset="0"/>
+              <a:buChar char="•"/>
+            </a:pPr>
+            <a:r>
+              <a:rPr lang="en-GB" dirty="0"/>
+              <a:t>They can use the back button to go and login after account creation</a:t>
+            </a:r>
           </a:p>
         </p:txBody>
       </p:sp>
@@ -6335,7 +6558,7 @@
         </p:nvGrpSpPr>
         <p:grpSpPr>
           <a:xfrm>
-            <a:off x="3422141" y="924417"/>
+            <a:off x="5742760" y="944536"/>
             <a:ext cx="2441359" cy="4571750"/>
             <a:chOff x="6046938" y="1012055"/>
             <a:chExt cx="2441359" cy="4571750"/>
@@ -7311,12 +7534,140 @@
           </p:spPr>
         </p:pic>
       </p:grpSp>
+      <p:sp>
+        <p:nvSpPr>
+          <p:cNvPr id="60" name="TextBox 59">
+            <a:extLst>
+              <a:ext uri="{FF2B5EF4-FFF2-40B4-BE49-F238E27FC236}">
+                <a16:creationId xmlns:a16="http://schemas.microsoft.com/office/drawing/2014/main" id="{E8C2EC21-0564-427C-980B-38908D5129C2}"/>
+              </a:ext>
+            </a:extLst>
+          </p:cNvPr>
+          <p:cNvSpPr txBox="1"/>
+          <p:nvPr/>
+        </p:nvSpPr>
+        <p:spPr>
+          <a:xfrm>
+            <a:off x="2968096" y="1636024"/>
+            <a:ext cx="2441359" cy="2585323"/>
+          </a:xfrm>
+          <a:prstGeom prst="rect">
+            <a:avLst/>
+          </a:prstGeom>
+          <a:noFill/>
+        </p:spPr>
+        <p:txBody>
+          <a:bodyPr wrap="square" rtlCol="0">
+            <a:spAutoFit/>
+          </a:bodyPr>
+          <a:lstStyle/>
+          <a:p>
+            <a:pPr marL="285750" indent="-285750">
+              <a:buFont typeface="Arial" panose="020B0604020202020204" pitchFamily="34" charset="0"/>
+              <a:buChar char="•"/>
+            </a:pPr>
+            <a:r>
+              <a:rPr lang="en-GB" dirty="0"/>
+              <a:t>On the first login of the day the user will be prompted with a mood selection panel</a:t>
+            </a:r>
+          </a:p>
+          <a:p>
+            <a:pPr marL="285750" indent="-285750">
+              <a:buFont typeface="Arial" panose="020B0604020202020204" pitchFamily="34" charset="0"/>
+              <a:buChar char="•"/>
+            </a:pPr>
+            <a:r>
+              <a:rPr lang="en-GB" dirty="0"/>
+              <a:t>The use of simple symbols is for a more intuitive, user friendly experience</a:t>
+            </a:r>
+          </a:p>
+        </p:txBody>
+      </p:sp>
+      <p:sp>
+        <p:nvSpPr>
+          <p:cNvPr id="62" name="TextBox 61">
+            <a:extLst>
+              <a:ext uri="{FF2B5EF4-FFF2-40B4-BE49-F238E27FC236}">
+                <a16:creationId xmlns:a16="http://schemas.microsoft.com/office/drawing/2014/main" id="{B67DEB72-8C11-450C-ACE2-95734E83007E}"/>
+              </a:ext>
+            </a:extLst>
+          </p:cNvPr>
+          <p:cNvSpPr txBox="1"/>
+          <p:nvPr/>
+        </p:nvSpPr>
+        <p:spPr>
+          <a:xfrm>
+            <a:off x="8304618" y="1755360"/>
+            <a:ext cx="2441359" cy="2585323"/>
+          </a:xfrm>
+          <a:prstGeom prst="rect">
+            <a:avLst/>
+          </a:prstGeom>
+          <a:noFill/>
+        </p:spPr>
+        <p:txBody>
+          <a:bodyPr wrap="square" rtlCol="0">
+            <a:spAutoFit/>
+          </a:bodyPr>
+          <a:lstStyle/>
+          <a:p>
+            <a:pPr marL="285750" indent="-285750">
+              <a:buFont typeface="Arial" panose="020B0604020202020204" pitchFamily="34" charset="0"/>
+              <a:buChar char="•"/>
+            </a:pPr>
+            <a:r>
+              <a:rPr lang="en-GB" dirty="0"/>
+              <a:t>Once logged in and mood selection has been done, the main dashboard is shown</a:t>
+            </a:r>
+          </a:p>
+          <a:p>
+            <a:pPr marL="285750" indent="-285750">
+              <a:buFont typeface="Arial" panose="020B0604020202020204" pitchFamily="34" charset="0"/>
+              <a:buChar char="•"/>
+            </a:pPr>
+            <a:r>
+              <a:rPr lang="en-GB" dirty="0"/>
+              <a:t>Currently there are 4 different tabs but more could be added in development</a:t>
+            </a:r>
+          </a:p>
+        </p:txBody>
+      </p:sp>
+    </p:spTree>
+    <p:extLst>
+      <p:ext uri="{BB962C8B-B14F-4D97-AF65-F5344CB8AC3E}">
+        <p14:creationId xmlns:p14="http://schemas.microsoft.com/office/powerpoint/2010/main" val="3211975125"/>
+      </p:ext>
+    </p:extLst>
+  </p:cSld>
+  <p:clrMapOvr>
+    <a:masterClrMapping/>
+  </p:clrMapOvr>
+</p:sld>
+</file>
+
+<file path=ppt/slides/slide3.xml><?xml version="1.0" encoding="utf-8"?>
+<p:sld xmlns:a="http://schemas.openxmlformats.org/drawingml/2006/main" xmlns:r="http://schemas.openxmlformats.org/officeDocument/2006/relationships" xmlns:p="http://schemas.openxmlformats.org/presentationml/2006/main">
+  <p:cSld>
+    <p:spTree>
+      <p:nvGrpSpPr>
+        <p:cNvPr id="1" name=""/>
+        <p:cNvGrpSpPr/>
+        <p:nvPr/>
+      </p:nvGrpSpPr>
+      <p:grpSpPr>
+        <a:xfrm>
+          <a:off x="0" y="0"/>
+          <a:ext cx="0" cy="0"/>
+          <a:chOff x="0" y="0"/>
+          <a:chExt cx="0" cy="0"/>
+        </a:xfrm>
+      </p:grpSpPr>
       <p:grpSp>
         <p:nvGrpSpPr>
           <p:cNvPr id="4" name="Group 3">
             <a:extLst>
               <a:ext uri="{FF2B5EF4-FFF2-40B4-BE49-F238E27FC236}">
-                <a16:creationId xmlns:a16="http://schemas.microsoft.com/office/drawing/2014/main" id="{4B1E17E9-F69F-46FE-9F98-A5BFF828A60D}"/>
+                <a16:creationId xmlns:a16="http://schemas.microsoft.com/office/drawing/2014/main" id="{99DC521C-5F6F-4B27-A280-B887E9090947}"/>
               </a:ext>
             </a:extLst>
           </p:cNvPr>
@@ -7325,7 +7676,7 @@
         </p:nvGrpSpPr>
         <p:grpSpPr>
           <a:xfrm>
-            <a:off x="6446221" y="924417"/>
+            <a:off x="582317" y="957589"/>
             <a:ext cx="2441359" cy="4571750"/>
             <a:chOff x="6446221" y="924417"/>
             <a:chExt cx="2441359" cy="4571750"/>
@@ -7333,10 +7684,10 @@
         </p:grpSpPr>
         <p:grpSp>
           <p:nvGrpSpPr>
-            <p:cNvPr id="3" name="Group 2">
+            <p:cNvPr id="5" name="Group 4">
               <a:extLst>
                 <a:ext uri="{FF2B5EF4-FFF2-40B4-BE49-F238E27FC236}">
-                  <a16:creationId xmlns:a16="http://schemas.microsoft.com/office/drawing/2014/main" id="{58CF7238-2E93-439E-A345-B5E34BAEDD92}"/>
+                  <a16:creationId xmlns:a16="http://schemas.microsoft.com/office/drawing/2014/main" id="{EF119438-1AD5-4D47-BEFE-B8FF5BA2C09E}"/>
                 </a:ext>
               </a:extLst>
             </p:cNvPr>
@@ -7353,10 +7704,10 @@
           </p:grpSpPr>
           <p:sp>
             <p:nvSpPr>
-              <p:cNvPr id="46" name="Rectangle: Rounded Corners 45">
+              <p:cNvPr id="7" name="Rectangle: Rounded Corners 6">
                 <a:extLst>
                   <a:ext uri="{FF2B5EF4-FFF2-40B4-BE49-F238E27FC236}">
-                    <a16:creationId xmlns:a16="http://schemas.microsoft.com/office/drawing/2014/main" id="{8E5E688F-3A4F-469C-B063-6689B0CBED2A}"/>
+                    <a16:creationId xmlns:a16="http://schemas.microsoft.com/office/drawing/2014/main" id="{AA6AEF58-B0EC-42B7-994E-CF152C31CC99}"/>
                   </a:ext>
                 </a:extLst>
               </p:cNvPr>
@@ -7407,10 +7758,10 @@
           </p:sp>
           <p:sp>
             <p:nvSpPr>
-              <p:cNvPr id="48" name="Rectangle: Rounded Corners 47">
+              <p:cNvPr id="8" name="Rectangle: Rounded Corners 7">
                 <a:extLst>
                   <a:ext uri="{FF2B5EF4-FFF2-40B4-BE49-F238E27FC236}">
-                    <a16:creationId xmlns:a16="http://schemas.microsoft.com/office/drawing/2014/main" id="{8962484F-0264-416F-9C61-F2C987F7355F}"/>
+                    <a16:creationId xmlns:a16="http://schemas.microsoft.com/office/drawing/2014/main" id="{3348927B-A3B0-4232-91B1-14B2C705B5D5}"/>
                   </a:ext>
                 </a:extLst>
               </p:cNvPr>
@@ -7468,10 +7819,10 @@
           </p:sp>
           <p:sp>
             <p:nvSpPr>
-              <p:cNvPr id="49" name="TextBox 48">
+              <p:cNvPr id="9" name="TextBox 8">
                 <a:extLst>
                   <a:ext uri="{FF2B5EF4-FFF2-40B4-BE49-F238E27FC236}">
-                    <a16:creationId xmlns:a16="http://schemas.microsoft.com/office/drawing/2014/main" id="{ECA2A576-2370-40A9-90F4-F1512FD057BE}"/>
+                    <a16:creationId xmlns:a16="http://schemas.microsoft.com/office/drawing/2014/main" id="{C5147B99-C6AE-4203-8274-560D155D78A3}"/>
                   </a:ext>
                 </a:extLst>
               </p:cNvPr>
@@ -7508,10 +7859,10 @@
           </p:sp>
           <p:sp>
             <p:nvSpPr>
-              <p:cNvPr id="50" name="Rectangle: Rounded Corners 49">
+              <p:cNvPr id="10" name="Rectangle: Rounded Corners 9">
                 <a:extLst>
                   <a:ext uri="{FF2B5EF4-FFF2-40B4-BE49-F238E27FC236}">
-                    <a16:creationId xmlns:a16="http://schemas.microsoft.com/office/drawing/2014/main" id="{E8E5E2D3-30E7-4773-8D00-B58C559AD4EB}"/>
+                    <a16:creationId xmlns:a16="http://schemas.microsoft.com/office/drawing/2014/main" id="{EB6E33C1-029F-4CF7-9182-DBD7FF43FC7D}"/>
                   </a:ext>
                 </a:extLst>
               </p:cNvPr>
@@ -7569,10 +7920,10 @@
           </p:sp>
           <p:sp>
             <p:nvSpPr>
-              <p:cNvPr id="52" name="Rectangle: Rounded Corners 51">
+              <p:cNvPr id="11" name="Rectangle: Rounded Corners 10">
                 <a:extLst>
                   <a:ext uri="{FF2B5EF4-FFF2-40B4-BE49-F238E27FC236}">
-                    <a16:creationId xmlns:a16="http://schemas.microsoft.com/office/drawing/2014/main" id="{AD1630DB-DB40-4A82-B325-5C67C6C532DE}"/>
+                    <a16:creationId xmlns:a16="http://schemas.microsoft.com/office/drawing/2014/main" id="{A9E36447-BCE9-4DAC-9764-FECDF6B6E1B3}"/>
                   </a:ext>
                 </a:extLst>
               </p:cNvPr>
@@ -7630,10 +7981,10 @@
           </p:sp>
           <p:sp>
             <p:nvSpPr>
-              <p:cNvPr id="54" name="Rectangle: Rounded Corners 53">
+              <p:cNvPr id="12" name="Rectangle: Rounded Corners 11">
                 <a:extLst>
                   <a:ext uri="{FF2B5EF4-FFF2-40B4-BE49-F238E27FC236}">
-                    <a16:creationId xmlns:a16="http://schemas.microsoft.com/office/drawing/2014/main" id="{99181519-027A-4B2E-B9A7-F0D6E8F5BCCC}"/>
+                    <a16:creationId xmlns:a16="http://schemas.microsoft.com/office/drawing/2014/main" id="{B7ECD86F-65E3-42F7-A25C-3805C77D9009}"/>
                   </a:ext>
                 </a:extLst>
               </p:cNvPr>
@@ -7691,10 +8042,10 @@
           </p:sp>
           <p:sp>
             <p:nvSpPr>
-              <p:cNvPr id="56" name="Rectangle: Rounded Corners 55">
+              <p:cNvPr id="13" name="Rectangle: Rounded Corners 12">
                 <a:extLst>
                   <a:ext uri="{FF2B5EF4-FFF2-40B4-BE49-F238E27FC236}">
-                    <a16:creationId xmlns:a16="http://schemas.microsoft.com/office/drawing/2014/main" id="{24F828F4-A4A1-44B7-B598-F815542CB665}"/>
+                    <a16:creationId xmlns:a16="http://schemas.microsoft.com/office/drawing/2014/main" id="{312B009C-7A2A-4436-A3BB-EE5591A329B3}"/>
                   </a:ext>
                 </a:extLst>
               </p:cNvPr>
@@ -7753,10 +8104,10 @@
         </p:grpSp>
         <p:sp>
           <p:nvSpPr>
-            <p:cNvPr id="58" name="Isosceles Triangle 57">
+            <p:cNvPr id="6" name="Isosceles Triangle 5">
               <a:extLst>
                 <a:ext uri="{FF2B5EF4-FFF2-40B4-BE49-F238E27FC236}">
-                  <a16:creationId xmlns:a16="http://schemas.microsoft.com/office/drawing/2014/main" id="{408031F5-F42A-4449-80A4-8CC342E6F3D1}"/>
+                  <a16:creationId xmlns:a16="http://schemas.microsoft.com/office/drawing/2014/main" id="{96F12927-1685-49DE-893C-77FBF228A958}"/>
                 </a:ext>
               </a:extLst>
             </p:cNvPr>
@@ -7806,42 +8157,71 @@
           </p:txBody>
         </p:sp>
       </p:grpSp>
-    </p:spTree>
-    <p:extLst>
-      <p:ext uri="{BB962C8B-B14F-4D97-AF65-F5344CB8AC3E}">
-        <p14:creationId xmlns:p14="http://schemas.microsoft.com/office/powerpoint/2010/main" val="3211975125"/>
-      </p:ext>
-    </p:extLst>
-  </p:cSld>
-  <p:clrMapOvr>
-    <a:masterClrMapping/>
-  </p:clrMapOvr>
-</p:sld>
-</file>
-
-<file path=ppt/slides/slide3.xml><?xml version="1.0" encoding="utf-8"?>
-<p:sld xmlns:a="http://schemas.openxmlformats.org/drawingml/2006/main" xmlns:r="http://schemas.openxmlformats.org/officeDocument/2006/relationships" xmlns:p="http://schemas.openxmlformats.org/presentationml/2006/main">
-  <p:cSld>
-    <p:spTree>
-      <p:nvGrpSpPr>
-        <p:cNvPr id="1" name=""/>
-        <p:cNvGrpSpPr/>
-        <p:nvPr/>
-      </p:nvGrpSpPr>
-      <p:grpSpPr>
-        <a:xfrm>
-          <a:off x="0" y="0"/>
-          <a:ext cx="0" cy="0"/>
-          <a:chOff x="0" y="0"/>
-          <a:chExt cx="0" cy="0"/>
-        </a:xfrm>
-      </p:grpSpPr>
+      <p:sp>
+        <p:nvSpPr>
+          <p:cNvPr id="14" name="TextBox 13">
+            <a:extLst>
+              <a:ext uri="{FF2B5EF4-FFF2-40B4-BE49-F238E27FC236}">
+                <a16:creationId xmlns:a16="http://schemas.microsoft.com/office/drawing/2014/main" id="{FD6B206F-19E5-4158-A2F4-08B3E1E6D461}"/>
+              </a:ext>
+            </a:extLst>
+          </p:cNvPr>
+          <p:cNvSpPr txBox="1"/>
+          <p:nvPr/>
+        </p:nvSpPr>
+        <p:spPr>
+          <a:xfrm>
+            <a:off x="3086388" y="1592363"/>
+            <a:ext cx="2441359" cy="3139321"/>
+          </a:xfrm>
+          <a:prstGeom prst="rect">
+            <a:avLst/>
+          </a:prstGeom>
+          <a:noFill/>
+        </p:spPr>
+        <p:txBody>
+          <a:bodyPr wrap="square" rtlCol="0">
+            <a:spAutoFit/>
+          </a:bodyPr>
+          <a:lstStyle/>
+          <a:p>
+            <a:pPr marL="285750" indent="-285750">
+              <a:buFont typeface="Arial" panose="020B0604020202020204" pitchFamily="34" charset="0"/>
+              <a:buChar char="•"/>
+            </a:pPr>
+            <a:r>
+              <a:rPr lang="en-GB" dirty="0"/>
+              <a:t>If the user selects “my account” they are shown their account details</a:t>
+            </a:r>
+          </a:p>
+          <a:p>
+            <a:pPr marL="285750" indent="-285750">
+              <a:buFont typeface="Arial" panose="020B0604020202020204" pitchFamily="34" charset="0"/>
+              <a:buChar char="•"/>
+            </a:pPr>
+            <a:r>
+              <a:rPr lang="en-GB" dirty="0"/>
+              <a:t>These details can be changed by the user at any time</a:t>
+            </a:r>
+          </a:p>
+          <a:p>
+            <a:pPr marL="285750" indent="-285750">
+              <a:buFont typeface="Arial" panose="020B0604020202020204" pitchFamily="34" charset="0"/>
+              <a:buChar char="•"/>
+            </a:pPr>
+            <a:r>
+              <a:rPr lang="en-GB" dirty="0"/>
+              <a:t>This is how they can also reset their password or log out the account</a:t>
+            </a:r>
+          </a:p>
+        </p:txBody>
+      </p:sp>
       <p:grpSp>
         <p:nvGrpSpPr>
-          <p:cNvPr id="77" name="Group 76">
+          <p:cNvPr id="15" name="Group 14">
             <a:extLst>
               <a:ext uri="{FF2B5EF4-FFF2-40B4-BE49-F238E27FC236}">
-                <a16:creationId xmlns:a16="http://schemas.microsoft.com/office/drawing/2014/main" id="{A7AB18E0-B1F3-41FC-A4E0-F6C3161089EB}"/>
+                <a16:creationId xmlns:a16="http://schemas.microsoft.com/office/drawing/2014/main" id="{3E99D5E1-2452-4F1C-9CED-FAFFCDC3424E}"/>
               </a:ext>
             </a:extLst>
           </p:cNvPr>
@@ -7850,7 +8230,7 @@
         </p:nvGrpSpPr>
         <p:grpSpPr>
           <a:xfrm>
-            <a:off x="1456272" y="1143125"/>
+            <a:off x="5961160" y="876148"/>
             <a:ext cx="2441359" cy="4571750"/>
             <a:chOff x="1456272" y="1143125"/>
             <a:chExt cx="2441359" cy="4571750"/>
@@ -7858,10 +8238,10 @@
         </p:grpSpPr>
         <p:sp>
           <p:nvSpPr>
-            <p:cNvPr id="5" name="Rectangle: Rounded Corners 4">
+            <p:cNvPr id="16" name="Rectangle: Rounded Corners 15">
               <a:extLst>
                 <a:ext uri="{FF2B5EF4-FFF2-40B4-BE49-F238E27FC236}">
-                  <a16:creationId xmlns:a16="http://schemas.microsoft.com/office/drawing/2014/main" id="{39D8C292-A9C4-4465-8BE5-9F0961C2F5DF}"/>
+                  <a16:creationId xmlns:a16="http://schemas.microsoft.com/office/drawing/2014/main" id="{FBEAECB0-002F-42AF-9FC9-716CD3F45CEB}"/>
                 </a:ext>
               </a:extLst>
             </p:cNvPr>
@@ -7912,10 +8292,10 @@
         </p:sp>
         <p:sp>
           <p:nvSpPr>
-            <p:cNvPr id="11" name="TextBox 10">
+            <p:cNvPr id="17" name="TextBox 16">
               <a:extLst>
                 <a:ext uri="{FF2B5EF4-FFF2-40B4-BE49-F238E27FC236}">
-                  <a16:creationId xmlns:a16="http://schemas.microsoft.com/office/drawing/2014/main" id="{95EFAF28-DC8C-4123-8574-2B21B0944124}"/>
+                  <a16:creationId xmlns:a16="http://schemas.microsoft.com/office/drawing/2014/main" id="{5789E7E4-EEF9-44E7-9FEE-113BDDAD3059}"/>
                 </a:ext>
               </a:extLst>
             </p:cNvPr>
@@ -7947,10 +8327,10 @@
         </p:sp>
         <p:sp>
           <p:nvSpPr>
-            <p:cNvPr id="12" name="Rectangle: Rounded Corners 11">
+            <p:cNvPr id="18" name="Rectangle: Rounded Corners 17">
               <a:extLst>
                 <a:ext uri="{FF2B5EF4-FFF2-40B4-BE49-F238E27FC236}">
-                  <a16:creationId xmlns:a16="http://schemas.microsoft.com/office/drawing/2014/main" id="{BD9876FD-738B-4579-A448-E9557DE2BE4E}"/>
+                  <a16:creationId xmlns:a16="http://schemas.microsoft.com/office/drawing/2014/main" id="{043B65D0-F5AB-4A82-B45C-F24D098119B9}"/>
                 </a:ext>
               </a:extLst>
             </p:cNvPr>
@@ -8001,10 +8381,10 @@
         </p:sp>
         <p:sp>
           <p:nvSpPr>
-            <p:cNvPr id="13" name="Rectangle: Rounded Corners 12">
+            <p:cNvPr id="19" name="Rectangle: Rounded Corners 18">
               <a:extLst>
                 <a:ext uri="{FF2B5EF4-FFF2-40B4-BE49-F238E27FC236}">
-                  <a16:creationId xmlns:a16="http://schemas.microsoft.com/office/drawing/2014/main" id="{07280BF2-15DE-43BB-A257-05BA4FE12D35}"/>
+                  <a16:creationId xmlns:a16="http://schemas.microsoft.com/office/drawing/2014/main" id="{04C3C5E3-A29A-424F-8B73-B5AD704BFFBA}"/>
                 </a:ext>
               </a:extLst>
             </p:cNvPr>
@@ -8055,10 +8435,10 @@
         </p:sp>
         <p:sp>
           <p:nvSpPr>
-            <p:cNvPr id="14" name="Rectangle: Rounded Corners 13">
+            <p:cNvPr id="20" name="Rectangle: Rounded Corners 19">
               <a:extLst>
                 <a:ext uri="{FF2B5EF4-FFF2-40B4-BE49-F238E27FC236}">
-                  <a16:creationId xmlns:a16="http://schemas.microsoft.com/office/drawing/2014/main" id="{AF773652-CF65-4C58-B63C-9A5708DFC07D}"/>
+                  <a16:creationId xmlns:a16="http://schemas.microsoft.com/office/drawing/2014/main" id="{BECCAF83-9631-4ABA-9B7B-519B4D85852E}"/>
                 </a:ext>
               </a:extLst>
             </p:cNvPr>
@@ -8109,10 +8489,10 @@
         </p:sp>
         <p:grpSp>
           <p:nvGrpSpPr>
-            <p:cNvPr id="16" name="Group 15">
+            <p:cNvPr id="21" name="Group 20">
               <a:extLst>
                 <a:ext uri="{FF2B5EF4-FFF2-40B4-BE49-F238E27FC236}">
-                  <a16:creationId xmlns:a16="http://schemas.microsoft.com/office/drawing/2014/main" id="{0A65C469-BCB3-4DBB-83B6-8CFFC5FDB40C}"/>
+                  <a16:creationId xmlns:a16="http://schemas.microsoft.com/office/drawing/2014/main" id="{E5E94F4A-127D-4748-992D-C98CFB416AD1}"/>
                 </a:ext>
               </a:extLst>
             </p:cNvPr>
@@ -8129,10 +8509,10 @@
           </p:grpSpPr>
           <p:cxnSp>
             <p:nvCxnSpPr>
-              <p:cNvPr id="17" name="Straight Connector 16">
+              <p:cNvPr id="37" name="Straight Connector 36">
                 <a:extLst>
                   <a:ext uri="{FF2B5EF4-FFF2-40B4-BE49-F238E27FC236}">
-                    <a16:creationId xmlns:a16="http://schemas.microsoft.com/office/drawing/2014/main" id="{7A9CE5BD-34AB-4CA6-A5E7-0BB260404E80}"/>
+                    <a16:creationId xmlns:a16="http://schemas.microsoft.com/office/drawing/2014/main" id="{76090B5B-80A2-4634-B05F-3B2A7D084372}"/>
                   </a:ext>
                 </a:extLst>
               </p:cNvPr>
@@ -8165,10 +8545,10 @@
           </p:cxnSp>
           <p:cxnSp>
             <p:nvCxnSpPr>
-              <p:cNvPr id="18" name="Straight Connector 17">
+              <p:cNvPr id="38" name="Straight Connector 37">
                 <a:extLst>
                   <a:ext uri="{FF2B5EF4-FFF2-40B4-BE49-F238E27FC236}">
-                    <a16:creationId xmlns:a16="http://schemas.microsoft.com/office/drawing/2014/main" id="{043244B6-284C-4AF6-A4EF-949F2622E26C}"/>
+                    <a16:creationId xmlns:a16="http://schemas.microsoft.com/office/drawing/2014/main" id="{02C28DE3-7021-402D-B491-C600CF02C185}"/>
                   </a:ext>
                 </a:extLst>
               </p:cNvPr>
@@ -8203,10 +8583,10 @@
           </p:cxnSp>
           <p:cxnSp>
             <p:nvCxnSpPr>
-              <p:cNvPr id="19" name="Straight Connector 18">
+              <p:cNvPr id="39" name="Straight Connector 38">
                 <a:extLst>
                   <a:ext uri="{FF2B5EF4-FFF2-40B4-BE49-F238E27FC236}">
-                    <a16:creationId xmlns:a16="http://schemas.microsoft.com/office/drawing/2014/main" id="{9B20C4A1-2BB5-48F9-80C3-85FF4D187DE6}"/>
+                    <a16:creationId xmlns:a16="http://schemas.microsoft.com/office/drawing/2014/main" id="{E43688D4-C4C5-4411-9DAE-2183799A6B54}"/>
                   </a:ext>
                 </a:extLst>
               </p:cNvPr>
@@ -8239,10 +8619,10 @@
           </p:cxnSp>
           <p:cxnSp>
             <p:nvCxnSpPr>
-              <p:cNvPr id="20" name="Straight Connector 19">
+              <p:cNvPr id="40" name="Straight Connector 39">
                 <a:extLst>
                   <a:ext uri="{FF2B5EF4-FFF2-40B4-BE49-F238E27FC236}">
-                    <a16:creationId xmlns:a16="http://schemas.microsoft.com/office/drawing/2014/main" id="{DC1C4E35-E86A-4B3B-A1B4-34F58FDEA332}"/>
+                    <a16:creationId xmlns:a16="http://schemas.microsoft.com/office/drawing/2014/main" id="{0A3D803F-21E7-43FD-84E9-3E7C5EEA65DE}"/>
                   </a:ext>
                 </a:extLst>
               </p:cNvPr>
@@ -8275,10 +8655,10 @@
           </p:cxnSp>
           <p:cxnSp>
             <p:nvCxnSpPr>
-              <p:cNvPr id="21" name="Straight Connector 20">
+              <p:cNvPr id="41" name="Straight Connector 40">
                 <a:extLst>
                   <a:ext uri="{FF2B5EF4-FFF2-40B4-BE49-F238E27FC236}">
-                    <a16:creationId xmlns:a16="http://schemas.microsoft.com/office/drawing/2014/main" id="{38DD84F9-9BE3-4891-9AE9-85550A4795CE}"/>
+                    <a16:creationId xmlns:a16="http://schemas.microsoft.com/office/drawing/2014/main" id="{3B65345B-5960-43B1-91F1-6BF1E9DC33B3}"/>
                   </a:ext>
                 </a:extLst>
               </p:cNvPr>
@@ -8311,10 +8691,10 @@
           </p:cxnSp>
           <p:cxnSp>
             <p:nvCxnSpPr>
-              <p:cNvPr id="22" name="Straight Connector 21">
+              <p:cNvPr id="42" name="Straight Connector 41">
                 <a:extLst>
                   <a:ext uri="{FF2B5EF4-FFF2-40B4-BE49-F238E27FC236}">
-                    <a16:creationId xmlns:a16="http://schemas.microsoft.com/office/drawing/2014/main" id="{36D07FC3-CF30-4C6B-A437-54794E61090E}"/>
+                    <a16:creationId xmlns:a16="http://schemas.microsoft.com/office/drawing/2014/main" id="{C66F521B-F97D-495F-BCD7-48B161D0CEBB}"/>
                   </a:ext>
                 </a:extLst>
               </p:cNvPr>
@@ -8347,10 +8727,10 @@
           </p:cxnSp>
           <p:cxnSp>
             <p:nvCxnSpPr>
-              <p:cNvPr id="23" name="Straight Connector 22">
+              <p:cNvPr id="43" name="Straight Connector 42">
                 <a:extLst>
                   <a:ext uri="{FF2B5EF4-FFF2-40B4-BE49-F238E27FC236}">
-                    <a16:creationId xmlns:a16="http://schemas.microsoft.com/office/drawing/2014/main" id="{AF91B57A-2589-4B8E-BD17-5BCB9C68DC77}"/>
+                    <a16:creationId xmlns:a16="http://schemas.microsoft.com/office/drawing/2014/main" id="{2835178A-C70F-4380-97CF-07E69D792B7A}"/>
                   </a:ext>
                 </a:extLst>
               </p:cNvPr>
@@ -8384,10 +8764,10 @@
         </p:grpSp>
         <p:sp>
           <p:nvSpPr>
-            <p:cNvPr id="24" name="TextBox 23">
+            <p:cNvPr id="22" name="TextBox 21">
               <a:extLst>
                 <a:ext uri="{FF2B5EF4-FFF2-40B4-BE49-F238E27FC236}">
-                  <a16:creationId xmlns:a16="http://schemas.microsoft.com/office/drawing/2014/main" id="{9D5A0DD3-D343-46FD-8215-E76632BD0C75}"/>
+                  <a16:creationId xmlns:a16="http://schemas.microsoft.com/office/drawing/2014/main" id="{4F62E783-E5CC-452C-ABDB-B7BA29C5716F}"/>
                 </a:ext>
               </a:extLst>
             </p:cNvPr>
@@ -8419,10 +8799,10 @@
         </p:sp>
         <p:grpSp>
           <p:nvGrpSpPr>
-            <p:cNvPr id="41" name="Group 40">
+            <p:cNvPr id="23" name="Group 22">
               <a:extLst>
                 <a:ext uri="{FF2B5EF4-FFF2-40B4-BE49-F238E27FC236}">
-                  <a16:creationId xmlns:a16="http://schemas.microsoft.com/office/drawing/2014/main" id="{A74A66B8-D512-4E11-A3EF-8CD2B158B899}"/>
+                  <a16:creationId xmlns:a16="http://schemas.microsoft.com/office/drawing/2014/main" id="{2A579699-E813-4B0A-AA11-120B048C4E50}"/>
                 </a:ext>
               </a:extLst>
             </p:cNvPr>
@@ -8439,10 +8819,10 @@
           </p:grpSpPr>
           <p:cxnSp>
             <p:nvCxnSpPr>
-              <p:cNvPr id="26" name="Straight Connector 25">
+              <p:cNvPr id="28" name="Straight Connector 27">
                 <a:extLst>
                   <a:ext uri="{FF2B5EF4-FFF2-40B4-BE49-F238E27FC236}">
-                    <a16:creationId xmlns:a16="http://schemas.microsoft.com/office/drawing/2014/main" id="{0A92F9C2-301A-4746-85E5-AE48FFA63E5B}"/>
+                    <a16:creationId xmlns:a16="http://schemas.microsoft.com/office/drawing/2014/main" id="{332C7F70-2658-4C02-A370-2C1C4AC5C5CD}"/>
                   </a:ext>
                 </a:extLst>
               </p:cNvPr>
@@ -8475,10 +8855,10 @@
           </p:cxnSp>
           <p:cxnSp>
             <p:nvCxnSpPr>
-              <p:cNvPr id="27" name="Straight Connector 26">
+              <p:cNvPr id="29" name="Straight Connector 28">
                 <a:extLst>
                   <a:ext uri="{FF2B5EF4-FFF2-40B4-BE49-F238E27FC236}">
-                    <a16:creationId xmlns:a16="http://schemas.microsoft.com/office/drawing/2014/main" id="{A69D47F2-8F09-435A-930F-E8C904BEA53C}"/>
+                    <a16:creationId xmlns:a16="http://schemas.microsoft.com/office/drawing/2014/main" id="{2B26BEEB-BD37-465D-AA2F-AFB4DDDB240A}"/>
                   </a:ext>
                 </a:extLst>
               </p:cNvPr>
@@ -8513,10 +8893,10 @@
           </p:cxnSp>
           <p:grpSp>
             <p:nvGrpSpPr>
-              <p:cNvPr id="39" name="Group 38">
+              <p:cNvPr id="30" name="Group 29">
                 <a:extLst>
                   <a:ext uri="{FF2B5EF4-FFF2-40B4-BE49-F238E27FC236}">
-                    <a16:creationId xmlns:a16="http://schemas.microsoft.com/office/drawing/2014/main" id="{CB9254FA-8D32-40A8-A442-957E0326CDA7}"/>
+                    <a16:creationId xmlns:a16="http://schemas.microsoft.com/office/drawing/2014/main" id="{15399E8B-13B9-4DE4-8DA9-5B9BFC248286}"/>
                   </a:ext>
                 </a:extLst>
               </p:cNvPr>
@@ -8533,10 +8913,10 @@
             </p:grpSpPr>
             <p:sp>
               <p:nvSpPr>
-                <p:cNvPr id="33" name="Rectangle 32">
+                <p:cNvPr id="31" name="Rectangle 30">
                   <a:extLst>
                     <a:ext uri="{FF2B5EF4-FFF2-40B4-BE49-F238E27FC236}">
-                      <a16:creationId xmlns:a16="http://schemas.microsoft.com/office/drawing/2014/main" id="{D558A13D-9625-4387-92AB-DDA49D12C1A0}"/>
+                      <a16:creationId xmlns:a16="http://schemas.microsoft.com/office/drawing/2014/main" id="{07605E75-6787-40AD-8A37-CDB19ACCF210}"/>
                     </a:ext>
                   </a:extLst>
                 </p:cNvPr>
@@ -8587,10 +8967,10 @@
             </p:sp>
             <p:sp>
               <p:nvSpPr>
-                <p:cNvPr id="34" name="Rectangle 33">
+                <p:cNvPr id="32" name="Rectangle 31">
                   <a:extLst>
                     <a:ext uri="{FF2B5EF4-FFF2-40B4-BE49-F238E27FC236}">
-                      <a16:creationId xmlns:a16="http://schemas.microsoft.com/office/drawing/2014/main" id="{2CEAFE6F-BAFE-4F03-8977-3D38F93B8921}"/>
+                      <a16:creationId xmlns:a16="http://schemas.microsoft.com/office/drawing/2014/main" id="{7F8849CC-1768-4028-9388-4954A3D42BE8}"/>
                     </a:ext>
                   </a:extLst>
                 </p:cNvPr>
@@ -8641,10 +9021,10 @@
             </p:sp>
             <p:sp>
               <p:nvSpPr>
-                <p:cNvPr id="35" name="Rectangle 34">
+                <p:cNvPr id="33" name="Rectangle 32">
                   <a:extLst>
                     <a:ext uri="{FF2B5EF4-FFF2-40B4-BE49-F238E27FC236}">
-                      <a16:creationId xmlns:a16="http://schemas.microsoft.com/office/drawing/2014/main" id="{DD52154F-F074-4B33-9C4A-EBE5404C747B}"/>
+                      <a16:creationId xmlns:a16="http://schemas.microsoft.com/office/drawing/2014/main" id="{827CB7E2-A1E5-4E0D-A071-2816DAEC866F}"/>
                     </a:ext>
                   </a:extLst>
                 </p:cNvPr>
@@ -8695,10 +9075,10 @@
             </p:sp>
             <p:sp>
               <p:nvSpPr>
-                <p:cNvPr id="36" name="Rectangle 35">
+                <p:cNvPr id="34" name="Rectangle 33">
                   <a:extLst>
                     <a:ext uri="{FF2B5EF4-FFF2-40B4-BE49-F238E27FC236}">
-                      <a16:creationId xmlns:a16="http://schemas.microsoft.com/office/drawing/2014/main" id="{A32CFFFB-E20C-4789-9C1A-42D60D62765D}"/>
+                      <a16:creationId xmlns:a16="http://schemas.microsoft.com/office/drawing/2014/main" id="{0FEAF2A6-AE0C-4CA5-A811-7CD02B27626E}"/>
                     </a:ext>
                   </a:extLst>
                 </p:cNvPr>
@@ -8749,10 +9129,10 @@
             </p:sp>
             <p:sp>
               <p:nvSpPr>
-                <p:cNvPr id="37" name="Rectangle 36">
+                <p:cNvPr id="35" name="Rectangle 34">
                   <a:extLst>
                     <a:ext uri="{FF2B5EF4-FFF2-40B4-BE49-F238E27FC236}">
-                      <a16:creationId xmlns:a16="http://schemas.microsoft.com/office/drawing/2014/main" id="{1F3B29A1-D456-4639-8857-4876D5F2CD66}"/>
+                      <a16:creationId xmlns:a16="http://schemas.microsoft.com/office/drawing/2014/main" id="{7C824554-110C-4A80-A803-30D8B625A018}"/>
                     </a:ext>
                   </a:extLst>
                 </p:cNvPr>
@@ -8803,10 +9183,10 @@
             </p:sp>
             <p:sp>
               <p:nvSpPr>
-                <p:cNvPr id="38" name="Rectangle 37">
+                <p:cNvPr id="36" name="Rectangle 35">
                   <a:extLst>
                     <a:ext uri="{FF2B5EF4-FFF2-40B4-BE49-F238E27FC236}">
-                      <a16:creationId xmlns:a16="http://schemas.microsoft.com/office/drawing/2014/main" id="{DEFE460F-2810-4071-9FF8-DDE997155759}"/>
+                      <a16:creationId xmlns:a16="http://schemas.microsoft.com/office/drawing/2014/main" id="{213BA12C-17A1-4AD3-82C3-ADFD25DAB8D2}"/>
                     </a:ext>
                   </a:extLst>
                 </p:cNvPr>
@@ -8859,10 +9239,10 @@
         </p:grpSp>
         <p:sp>
           <p:nvSpPr>
-            <p:cNvPr id="43" name="TextBox 42">
+            <p:cNvPr id="24" name="TextBox 23">
               <a:extLst>
                 <a:ext uri="{FF2B5EF4-FFF2-40B4-BE49-F238E27FC236}">
-                  <a16:creationId xmlns:a16="http://schemas.microsoft.com/office/drawing/2014/main" id="{7E2F35F8-EAC7-4173-AAE8-89218C6E7EDB}"/>
+                  <a16:creationId xmlns:a16="http://schemas.microsoft.com/office/drawing/2014/main" id="{CC9C9AB5-6912-4D6D-8FC7-E857F9F38971}"/>
                 </a:ext>
               </a:extLst>
             </p:cNvPr>
@@ -8894,10 +9274,10 @@
         </p:sp>
         <p:graphicFrame>
           <p:nvGraphicFramePr>
-            <p:cNvPr id="46" name="Chart 45">
+            <p:cNvPr id="25" name="Chart 24">
               <a:extLst>
                 <a:ext uri="{FF2B5EF4-FFF2-40B4-BE49-F238E27FC236}">
-                  <a16:creationId xmlns:a16="http://schemas.microsoft.com/office/drawing/2014/main" id="{3C7EFFCF-037B-4058-819F-C97A32DE0210}"/>
+                  <a16:creationId xmlns:a16="http://schemas.microsoft.com/office/drawing/2014/main" id="{CF14F4D5-6C76-4429-A9C1-5653182215EC}"/>
                 </a:ext>
               </a:extLst>
             </p:cNvPr>
@@ -8905,7 +9285,7 @@
             <p:nvPr>
               <p:extLst>
                 <p:ext uri="{D42A27DB-BD31-4B8C-83A1-F6EECF244321}">
-                  <p14:modId xmlns:p14="http://schemas.microsoft.com/office/powerpoint/2010/main" val="1700331849"/>
+                  <p14:modId xmlns:p14="http://schemas.microsoft.com/office/powerpoint/2010/main" val="3454578406"/>
                 </p:ext>
               </p:extLst>
             </p:nvPr>
@@ -8922,10 +9302,10 @@
         </p:graphicFrame>
         <p:sp>
           <p:nvSpPr>
-            <p:cNvPr id="28" name="TextBox 27">
+            <p:cNvPr id="26" name="TextBox 25">
               <a:extLst>
                 <a:ext uri="{FF2B5EF4-FFF2-40B4-BE49-F238E27FC236}">
-                  <a16:creationId xmlns:a16="http://schemas.microsoft.com/office/drawing/2014/main" id="{AEA54C87-9495-4EA1-BDB4-7952540F3495}"/>
+                  <a16:creationId xmlns:a16="http://schemas.microsoft.com/office/drawing/2014/main" id="{D8B0843D-C5DB-435F-BC7A-314C7D2F678D}"/>
                 </a:ext>
               </a:extLst>
             </p:cNvPr>
@@ -8957,10 +9337,10 @@
         </p:sp>
         <p:sp>
           <p:nvSpPr>
-            <p:cNvPr id="30" name="Isosceles Triangle 29">
+            <p:cNvPr id="27" name="Isosceles Triangle 26">
               <a:extLst>
                 <a:ext uri="{FF2B5EF4-FFF2-40B4-BE49-F238E27FC236}">
-                  <a16:creationId xmlns:a16="http://schemas.microsoft.com/office/drawing/2014/main" id="{DF2DAAE3-6A3E-42F2-9F3E-0D6FFB86B73E}"/>
+                  <a16:creationId xmlns:a16="http://schemas.microsoft.com/office/drawing/2014/main" id="{FEB6EA3E-27FD-49ED-9FF3-8AB0BC349C75}"/>
                 </a:ext>
               </a:extLst>
             </p:cNvPr>
@@ -9010,12 +9390,91 @@
           </p:txBody>
         </p:sp>
       </p:grpSp>
+      <p:sp>
+        <p:nvSpPr>
+          <p:cNvPr id="44" name="TextBox 43">
+            <a:extLst>
+              <a:ext uri="{FF2B5EF4-FFF2-40B4-BE49-F238E27FC236}">
+                <a16:creationId xmlns:a16="http://schemas.microsoft.com/office/drawing/2014/main" id="{EF191C5D-F5AE-4660-A52F-59C8757D681D}"/>
+              </a:ext>
+            </a:extLst>
+          </p:cNvPr>
+          <p:cNvSpPr txBox="1"/>
+          <p:nvPr/>
+        </p:nvSpPr>
+        <p:spPr>
+          <a:xfrm>
+            <a:off x="8650175" y="1659843"/>
+            <a:ext cx="2441359" cy="2585323"/>
+          </a:xfrm>
+          <a:prstGeom prst="rect">
+            <a:avLst/>
+          </a:prstGeom>
+          <a:noFill/>
+        </p:spPr>
+        <p:txBody>
+          <a:bodyPr wrap="square" rtlCol="0">
+            <a:spAutoFit/>
+          </a:bodyPr>
+          <a:lstStyle/>
+          <a:p>
+            <a:pPr marL="285750" indent="-285750">
+              <a:buFont typeface="Arial" panose="020B0604020202020204" pitchFamily="34" charset="0"/>
+              <a:buChar char="•"/>
+            </a:pPr>
+            <a:r>
+              <a:rPr lang="en-GB" dirty="0"/>
+              <a:t>If mood analytics is selected they are prompted with different ways to see their data</a:t>
+            </a:r>
+          </a:p>
+          <a:p>
+            <a:pPr marL="285750" indent="-285750">
+              <a:buFont typeface="Arial" panose="020B0604020202020204" pitchFamily="34" charset="0"/>
+              <a:buChar char="•"/>
+            </a:pPr>
+            <a:r>
+              <a:rPr lang="en-GB" dirty="0"/>
+              <a:t>All of these link to a separate state and will show data appropriately</a:t>
+            </a:r>
+          </a:p>
+        </p:txBody>
+      </p:sp>
+    </p:spTree>
+    <p:extLst>
+      <p:ext uri="{BB962C8B-B14F-4D97-AF65-F5344CB8AC3E}">
+        <p14:creationId xmlns:p14="http://schemas.microsoft.com/office/powerpoint/2010/main" val="2534268402"/>
+      </p:ext>
+    </p:extLst>
+  </p:cSld>
+  <p:clrMapOvr>
+    <a:masterClrMapping/>
+  </p:clrMapOvr>
+</p:sld>
+</file>
+
+<file path=ppt/slides/slide4.xml><?xml version="1.0" encoding="utf-8"?>
+<p:sld xmlns:a="http://schemas.openxmlformats.org/drawingml/2006/main" xmlns:r="http://schemas.openxmlformats.org/officeDocument/2006/relationships" xmlns:p="http://schemas.openxmlformats.org/presentationml/2006/main">
+  <p:cSld>
+    <p:spTree>
+      <p:nvGrpSpPr>
+        <p:cNvPr id="1" name=""/>
+        <p:cNvGrpSpPr/>
+        <p:nvPr/>
+      </p:nvGrpSpPr>
+      <p:grpSpPr>
+        <a:xfrm>
+          <a:off x="0" y="0"/>
+          <a:ext cx="0" cy="0"/>
+          <a:chOff x="0" y="0"/>
+          <a:chExt cx="0" cy="0"/>
+        </a:xfrm>
+      </p:grpSpPr>
       <p:grpSp>
         <p:nvGrpSpPr>
-          <p:cNvPr id="55" name="Group 54">
+          <p:cNvPr id="2" name="Group 1">
             <a:extLst>
               <a:ext uri="{FF2B5EF4-FFF2-40B4-BE49-F238E27FC236}">
-                <a16:creationId xmlns:a16="http://schemas.microsoft.com/office/drawing/2014/main" id="{AB4E6196-7D11-44B3-83B7-6F4E51996CE4}"/>
+                <a16:creationId xmlns:a16="http://schemas.microsoft.com/office/drawing/2014/main" id="{5BFDB85E-170C-4465-9F93-4C596140E1AE}"/>
               </a:ext>
             </a:extLst>
           </p:cNvPr>
@@ -9024,72 +9483,18 @@
         </p:nvGrpSpPr>
         <p:grpSpPr>
           <a:xfrm>
-            <a:off x="4777286" y="1107058"/>
+            <a:off x="564768" y="1072218"/>
             <a:ext cx="2468858" cy="4571750"/>
-            <a:chOff x="6068501" y="1143125"/>
+            <a:chOff x="4777286" y="1107058"/>
             <a:chExt cx="2468858" cy="4571750"/>
           </a:xfrm>
         </p:grpSpPr>
-        <p:sp>
-          <p:nvSpPr>
-            <p:cNvPr id="32" name="Rectangle: Rounded Corners 31">
+        <p:grpSp>
+          <p:nvGrpSpPr>
+            <p:cNvPr id="55" name="Group 54">
               <a:extLst>
                 <a:ext uri="{FF2B5EF4-FFF2-40B4-BE49-F238E27FC236}">
-                  <a16:creationId xmlns:a16="http://schemas.microsoft.com/office/drawing/2014/main" id="{DF56E3A9-1BC3-471F-99C9-C2C40E1C600F}"/>
-                </a:ext>
-              </a:extLst>
-            </p:cNvPr>
-            <p:cNvSpPr/>
-            <p:nvPr/>
-          </p:nvSpPr>
-          <p:spPr>
-            <a:xfrm>
-              <a:off x="6096000" y="1143125"/>
-              <a:ext cx="2441359" cy="4571750"/>
-            </a:xfrm>
-            <a:prstGeom prst="roundRect">
-              <a:avLst/>
-            </a:prstGeom>
-            <a:solidFill>
-              <a:schemeClr val="bg1"/>
-            </a:solidFill>
-            <a:ln w="57150">
-              <a:solidFill>
-                <a:schemeClr val="tx1"/>
-              </a:solidFill>
-            </a:ln>
-          </p:spPr>
-          <p:style>
-            <a:lnRef idx="2">
-              <a:schemeClr val="accent1">
-                <a:shade val="50000"/>
-              </a:schemeClr>
-            </a:lnRef>
-            <a:fillRef idx="1">
-              <a:schemeClr val="accent1"/>
-            </a:fillRef>
-            <a:effectRef idx="0">
-              <a:schemeClr val="accent1"/>
-            </a:effectRef>
-            <a:fontRef idx="minor">
-              <a:schemeClr val="lt1"/>
-            </a:fontRef>
-          </p:style>
-          <p:txBody>
-            <a:bodyPr rtlCol="0" anchor="ctr"/>
-            <a:lstStyle/>
-            <a:p>
-              <a:pPr algn="ctr"/>
-              <a:endParaRPr lang="en-GB" dirty="0"/>
-            </a:p>
-          </p:txBody>
-        </p:sp>
-        <p:grpSp>
-          <p:nvGrpSpPr>
-            <p:cNvPr id="40" name="Group 39">
-              <a:extLst>
-                <a:ext uri="{FF2B5EF4-FFF2-40B4-BE49-F238E27FC236}">
-                  <a16:creationId xmlns:a16="http://schemas.microsoft.com/office/drawing/2014/main" id="{E79C86E3-36D0-49B0-8087-A9612E711DC2}"/>
+                  <a16:creationId xmlns:a16="http://schemas.microsoft.com/office/drawing/2014/main" id="{AB4E6196-7D11-44B3-83B7-6F4E51996CE4}"/>
                 </a:ext>
               </a:extLst>
             </p:cNvPr>
@@ -9098,18 +9503,676 @@
           </p:nvGrpSpPr>
           <p:grpSpPr>
             <a:xfrm>
-              <a:off x="6286336" y="2008800"/>
-              <a:ext cx="2060685" cy="995757"/>
-              <a:chOff x="9009447" y="2350215"/>
-              <a:chExt cx="1591878" cy="606575"/>
+              <a:off x="4777286" y="1107058"/>
+              <a:ext cx="2468858" cy="4571750"/>
+              <a:chOff x="6068501" y="1143125"/>
+              <a:chExt cx="2468858" cy="4571750"/>
             </a:xfrm>
           </p:grpSpPr>
+          <p:sp>
+            <p:nvSpPr>
+              <p:cNvPr id="32" name="Rectangle: Rounded Corners 31">
+                <a:extLst>
+                  <a:ext uri="{FF2B5EF4-FFF2-40B4-BE49-F238E27FC236}">
+                    <a16:creationId xmlns:a16="http://schemas.microsoft.com/office/drawing/2014/main" id="{DF56E3A9-1BC3-471F-99C9-C2C40E1C600F}"/>
+                  </a:ext>
+                </a:extLst>
+              </p:cNvPr>
+              <p:cNvSpPr/>
+              <p:nvPr/>
+            </p:nvSpPr>
+            <p:spPr>
+              <a:xfrm>
+                <a:off x="6096000" y="1143125"/>
+                <a:ext cx="2441359" cy="4571750"/>
+              </a:xfrm>
+              <a:prstGeom prst="roundRect">
+                <a:avLst/>
+              </a:prstGeom>
+              <a:solidFill>
+                <a:schemeClr val="bg1"/>
+              </a:solidFill>
+              <a:ln w="57150">
+                <a:solidFill>
+                  <a:schemeClr val="tx1"/>
+                </a:solidFill>
+              </a:ln>
+            </p:spPr>
+            <p:style>
+              <a:lnRef idx="2">
+                <a:schemeClr val="accent1">
+                  <a:shade val="50000"/>
+                </a:schemeClr>
+              </a:lnRef>
+              <a:fillRef idx="1">
+                <a:schemeClr val="accent1"/>
+              </a:fillRef>
+              <a:effectRef idx="0">
+                <a:schemeClr val="accent1"/>
+              </a:effectRef>
+              <a:fontRef idx="minor">
+                <a:schemeClr val="lt1"/>
+              </a:fontRef>
+            </p:style>
+            <p:txBody>
+              <a:bodyPr rtlCol="0" anchor="ctr"/>
+              <a:lstStyle/>
+              <a:p>
+                <a:pPr algn="ctr"/>
+                <a:endParaRPr lang="en-GB" dirty="0"/>
+              </a:p>
+            </p:txBody>
+          </p:sp>
+          <p:grpSp>
+            <p:nvGrpSpPr>
+              <p:cNvPr id="40" name="Group 39">
+                <a:extLst>
+                  <a:ext uri="{FF2B5EF4-FFF2-40B4-BE49-F238E27FC236}">
+                    <a16:creationId xmlns:a16="http://schemas.microsoft.com/office/drawing/2014/main" id="{E79C86E3-36D0-49B0-8087-A9612E711DC2}"/>
+                  </a:ext>
+                </a:extLst>
+              </p:cNvPr>
+              <p:cNvGrpSpPr/>
+              <p:nvPr/>
+            </p:nvGrpSpPr>
+            <p:grpSpPr>
+              <a:xfrm>
+                <a:off x="6286336" y="2008800"/>
+                <a:ext cx="2060685" cy="995757"/>
+                <a:chOff x="9009447" y="2350215"/>
+                <a:chExt cx="1591878" cy="606575"/>
+              </a:xfrm>
+            </p:grpSpPr>
+            <p:cxnSp>
+              <p:nvCxnSpPr>
+                <p:cNvPr id="42" name="Straight Connector 41">
+                  <a:extLst>
+                    <a:ext uri="{FF2B5EF4-FFF2-40B4-BE49-F238E27FC236}">
+                      <a16:creationId xmlns:a16="http://schemas.microsoft.com/office/drawing/2014/main" id="{D8969656-04F8-4EC5-BA3E-F088A6FB923F}"/>
+                    </a:ext>
+                  </a:extLst>
+                </p:cNvPr>
+                <p:cNvCxnSpPr/>
+                <p:nvPr/>
+              </p:nvCxnSpPr>
+              <p:spPr>
+                <a:xfrm>
+                  <a:off x="9017668" y="2350215"/>
+                  <a:ext cx="0" cy="606575"/>
+                </a:xfrm>
+                <a:prstGeom prst="line">
+                  <a:avLst/>
+                </a:prstGeom>
+              </p:spPr>
+              <p:style>
+                <a:lnRef idx="3">
+                  <a:schemeClr val="dk1"/>
+                </a:lnRef>
+                <a:fillRef idx="0">
+                  <a:schemeClr val="dk1"/>
+                </a:fillRef>
+                <a:effectRef idx="2">
+                  <a:schemeClr val="dk1"/>
+                </a:effectRef>
+                <a:fontRef idx="minor">
+                  <a:schemeClr val="tx1"/>
+                </a:fontRef>
+              </p:style>
+            </p:cxnSp>
+            <p:cxnSp>
+              <p:nvCxnSpPr>
+                <p:cNvPr id="44" name="Straight Connector 43">
+                  <a:extLst>
+                    <a:ext uri="{FF2B5EF4-FFF2-40B4-BE49-F238E27FC236}">
+                      <a16:creationId xmlns:a16="http://schemas.microsoft.com/office/drawing/2014/main" id="{5FC43901-0084-4353-8E63-9AB22EC9A7B0}"/>
+                    </a:ext>
+                  </a:extLst>
+                </p:cNvPr>
+                <p:cNvCxnSpPr>
+                  <a:cxnSpLocks/>
+                </p:cNvCxnSpPr>
+                <p:nvPr/>
+              </p:nvCxnSpPr>
+              <p:spPr>
+                <a:xfrm>
+                  <a:off x="9009447" y="2956790"/>
+                  <a:ext cx="1591878" cy="0"/>
+                </a:xfrm>
+                <a:prstGeom prst="line">
+                  <a:avLst/>
+                </a:prstGeom>
+              </p:spPr>
+              <p:style>
+                <a:lnRef idx="3">
+                  <a:schemeClr val="dk1"/>
+                </a:lnRef>
+                <a:fillRef idx="0">
+                  <a:schemeClr val="dk1"/>
+                </a:fillRef>
+                <a:effectRef idx="2">
+                  <a:schemeClr val="dk1"/>
+                </a:effectRef>
+                <a:fontRef idx="minor">
+                  <a:schemeClr val="tx1"/>
+                </a:fontRef>
+              </p:style>
+            </p:cxnSp>
+            <p:cxnSp>
+              <p:nvCxnSpPr>
+                <p:cNvPr id="45" name="Straight Connector 44">
+                  <a:extLst>
+                    <a:ext uri="{FF2B5EF4-FFF2-40B4-BE49-F238E27FC236}">
+                      <a16:creationId xmlns:a16="http://schemas.microsoft.com/office/drawing/2014/main" id="{14B30D2E-4974-4ECE-A519-AE6CB1DEA326}"/>
+                    </a:ext>
+                  </a:extLst>
+                </p:cNvPr>
+                <p:cNvCxnSpPr/>
+                <p:nvPr/>
+              </p:nvCxnSpPr>
+              <p:spPr>
+                <a:xfrm flipV="1">
+                  <a:off x="9017668" y="2604135"/>
+                  <a:ext cx="394937" cy="335280"/>
+                </a:xfrm>
+                <a:prstGeom prst="line">
+                  <a:avLst/>
+                </a:prstGeom>
+              </p:spPr>
+              <p:style>
+                <a:lnRef idx="1">
+                  <a:schemeClr val="accent1"/>
+                </a:lnRef>
+                <a:fillRef idx="0">
+                  <a:schemeClr val="accent1"/>
+                </a:fillRef>
+                <a:effectRef idx="0">
+                  <a:schemeClr val="accent1"/>
+                </a:effectRef>
+                <a:fontRef idx="minor">
+                  <a:schemeClr val="tx1"/>
+                </a:fontRef>
+              </p:style>
+            </p:cxnSp>
+            <p:cxnSp>
+              <p:nvCxnSpPr>
+                <p:cNvPr id="47" name="Straight Connector 46">
+                  <a:extLst>
+                    <a:ext uri="{FF2B5EF4-FFF2-40B4-BE49-F238E27FC236}">
+                      <a16:creationId xmlns:a16="http://schemas.microsoft.com/office/drawing/2014/main" id="{4867BB7A-8F32-4BFC-AC6A-CC6164503E50}"/>
+                    </a:ext>
+                  </a:extLst>
+                </p:cNvPr>
+                <p:cNvCxnSpPr/>
+                <p:nvPr/>
+              </p:nvCxnSpPr>
+              <p:spPr>
+                <a:xfrm>
+                  <a:off x="9412605" y="2604135"/>
+                  <a:ext cx="97155" cy="167640"/>
+                </a:xfrm>
+                <a:prstGeom prst="line">
+                  <a:avLst/>
+                </a:prstGeom>
+              </p:spPr>
+              <p:style>
+                <a:lnRef idx="1">
+                  <a:schemeClr val="accent1"/>
+                </a:lnRef>
+                <a:fillRef idx="0">
+                  <a:schemeClr val="accent1"/>
+                </a:fillRef>
+                <a:effectRef idx="0">
+                  <a:schemeClr val="accent1"/>
+                </a:effectRef>
+                <a:fontRef idx="minor">
+                  <a:schemeClr val="tx1"/>
+                </a:fontRef>
+              </p:style>
+            </p:cxnSp>
+            <p:cxnSp>
+              <p:nvCxnSpPr>
+                <p:cNvPr id="48" name="Straight Connector 47">
+                  <a:extLst>
+                    <a:ext uri="{FF2B5EF4-FFF2-40B4-BE49-F238E27FC236}">
+                      <a16:creationId xmlns:a16="http://schemas.microsoft.com/office/drawing/2014/main" id="{9AD3F8B3-145D-46A1-9932-5F910C7F8FF0}"/>
+                    </a:ext>
+                  </a:extLst>
+                </p:cNvPr>
+                <p:cNvCxnSpPr/>
+                <p:nvPr/>
+              </p:nvCxnSpPr>
+              <p:spPr>
+                <a:xfrm flipV="1">
+                  <a:off x="9509760" y="2385060"/>
+                  <a:ext cx="148590" cy="386715"/>
+                </a:xfrm>
+                <a:prstGeom prst="line">
+                  <a:avLst/>
+                </a:prstGeom>
+              </p:spPr>
+              <p:style>
+                <a:lnRef idx="1">
+                  <a:schemeClr val="accent1"/>
+                </a:lnRef>
+                <a:fillRef idx="0">
+                  <a:schemeClr val="accent1"/>
+                </a:fillRef>
+                <a:effectRef idx="0">
+                  <a:schemeClr val="accent1"/>
+                </a:effectRef>
+                <a:fontRef idx="minor">
+                  <a:schemeClr val="tx1"/>
+                </a:fontRef>
+              </p:style>
+            </p:cxnSp>
+            <p:cxnSp>
+              <p:nvCxnSpPr>
+                <p:cNvPr id="49" name="Straight Connector 48">
+                  <a:extLst>
+                    <a:ext uri="{FF2B5EF4-FFF2-40B4-BE49-F238E27FC236}">
+                      <a16:creationId xmlns:a16="http://schemas.microsoft.com/office/drawing/2014/main" id="{71F721C4-9C7E-46C9-8A7F-155570392096}"/>
+                    </a:ext>
+                  </a:extLst>
+                </p:cNvPr>
+                <p:cNvCxnSpPr/>
+                <p:nvPr/>
+              </p:nvCxnSpPr>
+              <p:spPr>
+                <a:xfrm>
+                  <a:off x="9658350" y="2385060"/>
+                  <a:ext cx="733425" cy="516255"/>
+                </a:xfrm>
+                <a:prstGeom prst="line">
+                  <a:avLst/>
+                </a:prstGeom>
+              </p:spPr>
+              <p:style>
+                <a:lnRef idx="1">
+                  <a:schemeClr val="accent1"/>
+                </a:lnRef>
+                <a:fillRef idx="0">
+                  <a:schemeClr val="accent1"/>
+                </a:fillRef>
+                <a:effectRef idx="0">
+                  <a:schemeClr val="accent1"/>
+                </a:effectRef>
+                <a:fontRef idx="minor">
+                  <a:schemeClr val="tx1"/>
+                </a:fontRef>
+              </p:style>
+            </p:cxnSp>
+            <p:cxnSp>
+              <p:nvCxnSpPr>
+                <p:cNvPr id="50" name="Straight Connector 49">
+                  <a:extLst>
+                    <a:ext uri="{FF2B5EF4-FFF2-40B4-BE49-F238E27FC236}">
+                      <a16:creationId xmlns:a16="http://schemas.microsoft.com/office/drawing/2014/main" id="{70B908FF-35BE-4750-A8EE-7D2EF5967260}"/>
+                    </a:ext>
+                  </a:extLst>
+                </p:cNvPr>
+                <p:cNvCxnSpPr/>
+                <p:nvPr/>
+              </p:nvCxnSpPr>
+              <p:spPr>
+                <a:xfrm flipV="1">
+                  <a:off x="10391775" y="2731770"/>
+                  <a:ext cx="209550" cy="169545"/>
+                </a:xfrm>
+                <a:prstGeom prst="line">
+                  <a:avLst/>
+                </a:prstGeom>
+              </p:spPr>
+              <p:style>
+                <a:lnRef idx="1">
+                  <a:schemeClr val="accent1"/>
+                </a:lnRef>
+                <a:fillRef idx="0">
+                  <a:schemeClr val="accent1"/>
+                </a:fillRef>
+                <a:effectRef idx="0">
+                  <a:schemeClr val="accent1"/>
+                </a:effectRef>
+                <a:fontRef idx="minor">
+                  <a:schemeClr val="tx1"/>
+                </a:fontRef>
+              </p:style>
+            </p:cxnSp>
+          </p:grpSp>
+          <p:sp>
+            <p:nvSpPr>
+              <p:cNvPr id="4" name="TextBox 3">
+                <a:extLst>
+                  <a:ext uri="{FF2B5EF4-FFF2-40B4-BE49-F238E27FC236}">
+                    <a16:creationId xmlns:a16="http://schemas.microsoft.com/office/drawing/2014/main" id="{B359EDF5-C72E-4AC5-AEB6-CAEE8F765006}"/>
+                  </a:ext>
+                </a:extLst>
+              </p:cNvPr>
+              <p:cNvSpPr txBox="1"/>
+              <p:nvPr/>
+            </p:nvSpPr>
+            <p:spPr>
+              <a:xfrm>
+                <a:off x="6618893" y="1169973"/>
+                <a:ext cx="1424108" cy="369332"/>
+              </a:xfrm>
+              <a:prstGeom prst="rect">
+                <a:avLst/>
+              </a:prstGeom>
+              <a:noFill/>
+            </p:spPr>
+            <p:txBody>
+              <a:bodyPr wrap="none" rtlCol="0">
+                <a:spAutoFit/>
+              </a:bodyPr>
+              <a:lstStyle/>
+              <a:p>
+                <a:r>
+                  <a:rPr lang="en-GB" dirty="0"/>
+                  <a:t>Mood Trends</a:t>
+                </a:r>
+              </a:p>
+            </p:txBody>
+          </p:sp>
+          <p:sp>
+            <p:nvSpPr>
+              <p:cNvPr id="6" name="TextBox 5">
+                <a:extLst>
+                  <a:ext uri="{FF2B5EF4-FFF2-40B4-BE49-F238E27FC236}">
+                    <a16:creationId xmlns:a16="http://schemas.microsoft.com/office/drawing/2014/main" id="{B735AF79-8DBF-4E74-B0BD-C274E6CA1930}"/>
+                  </a:ext>
+                </a:extLst>
+              </p:cNvPr>
+              <p:cNvSpPr txBox="1"/>
+              <p:nvPr/>
+            </p:nvSpPr>
+            <p:spPr>
+              <a:xfrm>
+                <a:off x="6068501" y="1964290"/>
+                <a:ext cx="298480" cy="153888"/>
+              </a:xfrm>
+              <a:prstGeom prst="rect">
+                <a:avLst/>
+              </a:prstGeom>
+              <a:noFill/>
+            </p:spPr>
+            <p:txBody>
+              <a:bodyPr wrap="none" rtlCol="0">
+                <a:spAutoFit/>
+              </a:bodyPr>
+              <a:lstStyle/>
+              <a:p>
+                <a:r>
+                  <a:rPr lang="en-GB" sz="400" dirty="0"/>
+                  <a:t>100%</a:t>
+                </a:r>
+              </a:p>
+            </p:txBody>
+          </p:sp>
+          <p:sp>
+            <p:nvSpPr>
+              <p:cNvPr id="51" name="TextBox 50">
+                <a:extLst>
+                  <a:ext uri="{FF2B5EF4-FFF2-40B4-BE49-F238E27FC236}">
+                    <a16:creationId xmlns:a16="http://schemas.microsoft.com/office/drawing/2014/main" id="{F14ECEDC-FF1F-4A41-8DD7-831BD8A95DA7}"/>
+                  </a:ext>
+                </a:extLst>
+              </p:cNvPr>
+              <p:cNvSpPr txBox="1"/>
+              <p:nvPr/>
+            </p:nvSpPr>
+            <p:spPr>
+              <a:xfrm>
+                <a:off x="6106640" y="2913352"/>
+                <a:ext cx="247184" cy="153888"/>
+              </a:xfrm>
+              <a:prstGeom prst="rect">
+                <a:avLst/>
+              </a:prstGeom>
+              <a:noFill/>
+            </p:spPr>
+            <p:txBody>
+              <a:bodyPr wrap="none" rtlCol="0">
+                <a:spAutoFit/>
+              </a:bodyPr>
+              <a:lstStyle/>
+              <a:p>
+                <a:r>
+                  <a:rPr lang="en-GB" sz="400" dirty="0"/>
+                  <a:t>0%</a:t>
+                </a:r>
+              </a:p>
+            </p:txBody>
+          </p:sp>
+          <p:sp>
+            <p:nvSpPr>
+              <p:cNvPr id="7" name="TextBox 6">
+                <a:extLst>
+                  <a:ext uri="{FF2B5EF4-FFF2-40B4-BE49-F238E27FC236}">
+                    <a16:creationId xmlns:a16="http://schemas.microsoft.com/office/drawing/2014/main" id="{B9D754D2-7A82-4013-8E1B-4DA26B549565}"/>
+                  </a:ext>
+                </a:extLst>
+              </p:cNvPr>
+              <p:cNvSpPr txBox="1"/>
+              <p:nvPr/>
+            </p:nvSpPr>
+            <p:spPr>
+              <a:xfrm>
+                <a:off x="6296978" y="3015344"/>
+                <a:ext cx="257699" cy="404798"/>
+              </a:xfrm>
+              <a:prstGeom prst="rect">
+                <a:avLst/>
+              </a:prstGeom>
+              <a:noFill/>
+            </p:spPr>
+            <p:txBody>
+              <a:bodyPr vert="wordArtVert" wrap="square" rtlCol="0">
+                <a:spAutoFit/>
+              </a:bodyPr>
+              <a:lstStyle/>
+              <a:p>
+                <a:r>
+                  <a:rPr lang="en-GB" sz="400" dirty="0"/>
+                  <a:t>June</a:t>
+                </a:r>
+              </a:p>
+            </p:txBody>
+          </p:sp>
+          <p:sp>
+            <p:nvSpPr>
+              <p:cNvPr id="52" name="TextBox 51">
+                <a:extLst>
+                  <a:ext uri="{FF2B5EF4-FFF2-40B4-BE49-F238E27FC236}">
+                    <a16:creationId xmlns:a16="http://schemas.microsoft.com/office/drawing/2014/main" id="{EC3AECB0-15E0-416B-B389-AA93A4373255}"/>
+                  </a:ext>
+                </a:extLst>
+              </p:cNvPr>
+              <p:cNvSpPr txBox="1"/>
+              <p:nvPr/>
+            </p:nvSpPr>
+            <p:spPr>
+              <a:xfrm>
+                <a:off x="6544162" y="3004557"/>
+                <a:ext cx="257699" cy="404798"/>
+              </a:xfrm>
+              <a:prstGeom prst="rect">
+                <a:avLst/>
+              </a:prstGeom>
+              <a:noFill/>
+            </p:spPr>
+            <p:txBody>
+              <a:bodyPr vert="wordArtVert" wrap="square" rtlCol="0">
+                <a:spAutoFit/>
+              </a:bodyPr>
+              <a:lstStyle/>
+              <a:p>
+                <a:r>
+                  <a:rPr lang="en-GB" sz="400" dirty="0"/>
+                  <a:t>July</a:t>
+                </a:r>
+              </a:p>
+            </p:txBody>
+          </p:sp>
+          <p:sp>
+            <p:nvSpPr>
+              <p:cNvPr id="53" name="TextBox 52">
+                <a:extLst>
+                  <a:ext uri="{FF2B5EF4-FFF2-40B4-BE49-F238E27FC236}">
+                    <a16:creationId xmlns:a16="http://schemas.microsoft.com/office/drawing/2014/main" id="{11FA71F5-CB9F-4266-B288-0032E0E1D68E}"/>
+                  </a:ext>
+                </a:extLst>
+              </p:cNvPr>
+              <p:cNvSpPr txBox="1"/>
+              <p:nvPr/>
+            </p:nvSpPr>
+            <p:spPr>
+              <a:xfrm>
+                <a:off x="6811859" y="3009039"/>
+                <a:ext cx="257699" cy="556829"/>
+              </a:xfrm>
+              <a:prstGeom prst="rect">
+                <a:avLst/>
+              </a:prstGeom>
+              <a:noFill/>
+            </p:spPr>
+            <p:txBody>
+              <a:bodyPr vert="wordArtVert" wrap="square" rtlCol="0">
+                <a:spAutoFit/>
+              </a:bodyPr>
+              <a:lstStyle/>
+              <a:p>
+                <a:r>
+                  <a:rPr lang="en-GB" sz="400" dirty="0"/>
+                  <a:t>August</a:t>
+                </a:r>
+              </a:p>
+            </p:txBody>
+          </p:sp>
+          <p:pic>
+            <p:nvPicPr>
+              <p:cNvPr id="10" name="Picture 9">
+                <a:extLst>
+                  <a:ext uri="{FF2B5EF4-FFF2-40B4-BE49-F238E27FC236}">
+                    <a16:creationId xmlns:a16="http://schemas.microsoft.com/office/drawing/2014/main" id="{9C8AC569-8861-4219-A542-9AD67F841C1E}"/>
+                  </a:ext>
+                </a:extLst>
+              </p:cNvPr>
+              <p:cNvPicPr>
+                <a:picLocks noChangeAspect="1"/>
+              </p:cNvPicPr>
+              <p:nvPr/>
+            </p:nvPicPr>
+            <p:blipFill>
+              <a:blip r:embed="rId2"/>
+              <a:stretch>
+                <a:fillRect/>
+              </a:stretch>
+            </p:blipFill>
+            <p:spPr>
+              <a:xfrm>
+                <a:off x="6239257" y="3730018"/>
+                <a:ext cx="2172266" cy="517872"/>
+              </a:xfrm>
+              <a:prstGeom prst="rect">
+                <a:avLst/>
+              </a:prstGeom>
+            </p:spPr>
+          </p:pic>
+          <p:sp>
+            <p:nvSpPr>
+              <p:cNvPr id="15" name="Rectangle 14">
+                <a:extLst>
+                  <a:ext uri="{FF2B5EF4-FFF2-40B4-BE49-F238E27FC236}">
+                    <a16:creationId xmlns:a16="http://schemas.microsoft.com/office/drawing/2014/main" id="{DC332A4D-E283-45A0-8A1E-747E62C7A5CC}"/>
+                  </a:ext>
+                </a:extLst>
+              </p:cNvPr>
+              <p:cNvSpPr/>
+              <p:nvPr/>
+            </p:nvSpPr>
+            <p:spPr>
+              <a:xfrm>
+                <a:off x="6296978" y="1581908"/>
+                <a:ext cx="2050043" cy="209396"/>
+              </a:xfrm>
+              <a:prstGeom prst="rect">
+                <a:avLst/>
+              </a:prstGeom>
+              <a:solidFill>
+                <a:schemeClr val="bg1"/>
+              </a:solidFill>
+              <a:ln>
+                <a:solidFill>
+                  <a:schemeClr val="tx1"/>
+                </a:solidFill>
+              </a:ln>
+            </p:spPr>
+            <p:style>
+              <a:lnRef idx="2">
+                <a:schemeClr val="accent1">
+                  <a:shade val="50000"/>
+                </a:schemeClr>
+              </a:lnRef>
+              <a:fillRef idx="1">
+                <a:schemeClr val="accent1"/>
+              </a:fillRef>
+              <a:effectRef idx="0">
+                <a:schemeClr val="accent1"/>
+              </a:effectRef>
+              <a:fontRef idx="minor">
+                <a:schemeClr val="lt1"/>
+              </a:fontRef>
+            </p:style>
+            <p:txBody>
+              <a:bodyPr rtlCol="0" anchor="ctr"/>
+              <a:lstStyle/>
+              <a:p>
+                <a:pPr algn="ctr"/>
+                <a:endParaRPr lang="en-GB" dirty="0"/>
+              </a:p>
+            </p:txBody>
+          </p:sp>
+          <p:sp>
+            <p:nvSpPr>
+              <p:cNvPr id="25" name="TextBox 24">
+                <a:extLst>
+                  <a:ext uri="{FF2B5EF4-FFF2-40B4-BE49-F238E27FC236}">
+                    <a16:creationId xmlns:a16="http://schemas.microsoft.com/office/drawing/2014/main" id="{DB6B3738-AFEA-4312-BD4F-FAA6C71BE48A}"/>
+                  </a:ext>
+                </a:extLst>
+              </p:cNvPr>
+              <p:cNvSpPr txBox="1"/>
+              <p:nvPr/>
+            </p:nvSpPr>
+            <p:spPr>
+              <a:xfrm>
+                <a:off x="6296978" y="1554732"/>
+                <a:ext cx="872355" cy="261610"/>
+              </a:xfrm>
+              <a:prstGeom prst="rect">
+                <a:avLst/>
+              </a:prstGeom>
+              <a:noFill/>
+            </p:spPr>
+            <p:txBody>
+              <a:bodyPr wrap="none" rtlCol="0">
+                <a:spAutoFit/>
+              </a:bodyPr>
+              <a:lstStyle/>
+              <a:p>
+                <a:r>
+                  <a:rPr lang="en-GB" sz="1050" dirty="0"/>
+                  <a:t>Time Period</a:t>
+                </a:r>
+              </a:p>
+            </p:txBody>
+          </p:sp>
           <p:cxnSp>
             <p:nvCxnSpPr>
-              <p:cNvPr id="42" name="Straight Connector 41">
+              <p:cNvPr id="31" name="Straight Connector 30">
                 <a:extLst>
                   <a:ext uri="{FF2B5EF4-FFF2-40B4-BE49-F238E27FC236}">
-                    <a16:creationId xmlns:a16="http://schemas.microsoft.com/office/drawing/2014/main" id="{D8969656-04F8-4EC5-BA3E-F088A6FB923F}"/>
+                    <a16:creationId xmlns:a16="http://schemas.microsoft.com/office/drawing/2014/main" id="{1BEB7A46-5CFD-4351-AF80-4681E12BDB13}"/>
                   </a:ext>
                 </a:extLst>
               </p:cNvPr>
@@ -9118,8 +10181,8 @@
             </p:nvCxnSpPr>
             <p:spPr>
               <a:xfrm>
-                <a:off x="9017668" y="2350215"/>
-                <a:ext cx="0" cy="606575"/>
+                <a:off x="7972970" y="1584951"/>
+                <a:ext cx="0" cy="206353"/>
               </a:xfrm>
               <a:prstGeom prst="line">
                 <a:avLst/>
@@ -9140,471 +10203,67 @@
               </a:fontRef>
             </p:style>
           </p:cxnSp>
-          <p:cxnSp>
-            <p:nvCxnSpPr>
-              <p:cNvPr id="44" name="Straight Connector 43">
+          <p:sp>
+            <p:nvSpPr>
+              <p:cNvPr id="54" name="Isosceles Triangle 53">
                 <a:extLst>
                   <a:ext uri="{FF2B5EF4-FFF2-40B4-BE49-F238E27FC236}">
-                    <a16:creationId xmlns:a16="http://schemas.microsoft.com/office/drawing/2014/main" id="{5FC43901-0084-4353-8E63-9AB22EC9A7B0}"/>
+                    <a16:creationId xmlns:a16="http://schemas.microsoft.com/office/drawing/2014/main" id="{A89EFC6C-2905-4B89-AB09-37B2136BF2D4}"/>
                   </a:ext>
                 </a:extLst>
               </p:cNvPr>
-              <p:cNvCxnSpPr>
-                <a:cxnSpLocks/>
-              </p:cNvCxnSpPr>
+              <p:cNvSpPr/>
               <p:nvPr/>
-            </p:nvCxnSpPr>
+            </p:nvSpPr>
             <p:spPr>
-              <a:xfrm>
-                <a:off x="9009447" y="2956790"/>
-                <a:ext cx="1591878" cy="0"/>
+              <a:xfrm rot="10800000">
+                <a:off x="8121017" y="1645123"/>
+                <a:ext cx="77958" cy="80828"/>
               </a:xfrm>
-              <a:prstGeom prst="line">
+              <a:prstGeom prst="triangle">
                 <a:avLst/>
               </a:prstGeom>
+              <a:solidFill>
+                <a:schemeClr val="tx1"/>
+              </a:solidFill>
+              <a:ln>
+                <a:solidFill>
+                  <a:schemeClr val="tx1"/>
+                </a:solidFill>
+              </a:ln>
             </p:spPr>
             <p:style>
-              <a:lnRef idx="3">
-                <a:schemeClr val="dk1"/>
+              <a:lnRef idx="2">
+                <a:schemeClr val="accent1">
+                  <a:shade val="50000"/>
+                </a:schemeClr>
               </a:lnRef>
-              <a:fillRef idx="0">
-                <a:schemeClr val="dk1"/>
-              </a:fillRef>
-              <a:effectRef idx="2">
-                <a:schemeClr val="dk1"/>
-              </a:effectRef>
-              <a:fontRef idx="minor">
-                <a:schemeClr val="tx1"/>
-              </a:fontRef>
-            </p:style>
-          </p:cxnSp>
-          <p:cxnSp>
-            <p:nvCxnSpPr>
-              <p:cNvPr id="45" name="Straight Connector 44">
-                <a:extLst>
-                  <a:ext uri="{FF2B5EF4-FFF2-40B4-BE49-F238E27FC236}">
-                    <a16:creationId xmlns:a16="http://schemas.microsoft.com/office/drawing/2014/main" id="{14B30D2E-4974-4ECE-A519-AE6CB1DEA326}"/>
-                  </a:ext>
-                </a:extLst>
-              </p:cNvPr>
-              <p:cNvCxnSpPr/>
-              <p:nvPr/>
-            </p:nvCxnSpPr>
-            <p:spPr>
-              <a:xfrm flipV="1">
-                <a:off x="9017668" y="2604135"/>
-                <a:ext cx="394937" cy="335280"/>
-              </a:xfrm>
-              <a:prstGeom prst="line">
-                <a:avLst/>
-              </a:prstGeom>
-            </p:spPr>
-            <p:style>
-              <a:lnRef idx="1">
-                <a:schemeClr val="accent1"/>
-              </a:lnRef>
-              <a:fillRef idx="0">
+              <a:fillRef idx="1">
                 <a:schemeClr val="accent1"/>
               </a:fillRef>
               <a:effectRef idx="0">
                 <a:schemeClr val="accent1"/>
               </a:effectRef>
               <a:fontRef idx="minor">
-                <a:schemeClr val="tx1"/>
+                <a:schemeClr val="lt1"/>
               </a:fontRef>
             </p:style>
-          </p:cxnSp>
-          <p:cxnSp>
-            <p:nvCxnSpPr>
-              <p:cNvPr id="47" name="Straight Connector 46">
-                <a:extLst>
-                  <a:ext uri="{FF2B5EF4-FFF2-40B4-BE49-F238E27FC236}">
-                    <a16:creationId xmlns:a16="http://schemas.microsoft.com/office/drawing/2014/main" id="{4867BB7A-8F32-4BFC-AC6A-CC6164503E50}"/>
-                  </a:ext>
-                </a:extLst>
-              </p:cNvPr>
-              <p:cNvCxnSpPr/>
-              <p:nvPr/>
-            </p:nvCxnSpPr>
-            <p:spPr>
-              <a:xfrm>
-                <a:off x="9412605" y="2604135"/>
-                <a:ext cx="97155" cy="167640"/>
-              </a:xfrm>
-              <a:prstGeom prst="line">
-                <a:avLst/>
-              </a:prstGeom>
-            </p:spPr>
-            <p:style>
-              <a:lnRef idx="1">
-                <a:schemeClr val="accent1"/>
-              </a:lnRef>
-              <a:fillRef idx="0">
-                <a:schemeClr val="accent1"/>
-              </a:fillRef>
-              <a:effectRef idx="0">
-                <a:schemeClr val="accent1"/>
-              </a:effectRef>
-              <a:fontRef idx="minor">
-                <a:schemeClr val="tx1"/>
-              </a:fontRef>
-            </p:style>
-          </p:cxnSp>
-          <p:cxnSp>
-            <p:nvCxnSpPr>
-              <p:cNvPr id="48" name="Straight Connector 47">
-                <a:extLst>
-                  <a:ext uri="{FF2B5EF4-FFF2-40B4-BE49-F238E27FC236}">
-                    <a16:creationId xmlns:a16="http://schemas.microsoft.com/office/drawing/2014/main" id="{9AD3F8B3-145D-46A1-9932-5F910C7F8FF0}"/>
-                  </a:ext>
-                </a:extLst>
-              </p:cNvPr>
-              <p:cNvCxnSpPr/>
-              <p:nvPr/>
-            </p:nvCxnSpPr>
-            <p:spPr>
-              <a:xfrm flipV="1">
-                <a:off x="9509760" y="2385060"/>
-                <a:ext cx="148590" cy="386715"/>
-              </a:xfrm>
-              <a:prstGeom prst="line">
-                <a:avLst/>
-              </a:prstGeom>
-            </p:spPr>
-            <p:style>
-              <a:lnRef idx="1">
-                <a:schemeClr val="accent1"/>
-              </a:lnRef>
-              <a:fillRef idx="0">
-                <a:schemeClr val="accent1"/>
-              </a:fillRef>
-              <a:effectRef idx="0">
-                <a:schemeClr val="accent1"/>
-              </a:effectRef>
-              <a:fontRef idx="minor">
-                <a:schemeClr val="tx1"/>
-              </a:fontRef>
-            </p:style>
-          </p:cxnSp>
-          <p:cxnSp>
-            <p:nvCxnSpPr>
-              <p:cNvPr id="49" name="Straight Connector 48">
-                <a:extLst>
-                  <a:ext uri="{FF2B5EF4-FFF2-40B4-BE49-F238E27FC236}">
-                    <a16:creationId xmlns:a16="http://schemas.microsoft.com/office/drawing/2014/main" id="{71F721C4-9C7E-46C9-8A7F-155570392096}"/>
-                  </a:ext>
-                </a:extLst>
-              </p:cNvPr>
-              <p:cNvCxnSpPr/>
-              <p:nvPr/>
-            </p:nvCxnSpPr>
-            <p:spPr>
-              <a:xfrm>
-                <a:off x="9658350" y="2385060"/>
-                <a:ext cx="733425" cy="516255"/>
-              </a:xfrm>
-              <a:prstGeom prst="line">
-                <a:avLst/>
-              </a:prstGeom>
-            </p:spPr>
-            <p:style>
-              <a:lnRef idx="1">
-                <a:schemeClr val="accent1"/>
-              </a:lnRef>
-              <a:fillRef idx="0">
-                <a:schemeClr val="accent1"/>
-              </a:fillRef>
-              <a:effectRef idx="0">
-                <a:schemeClr val="accent1"/>
-              </a:effectRef>
-              <a:fontRef idx="minor">
-                <a:schemeClr val="tx1"/>
-              </a:fontRef>
-            </p:style>
-          </p:cxnSp>
-          <p:cxnSp>
-            <p:nvCxnSpPr>
-              <p:cNvPr id="50" name="Straight Connector 49">
-                <a:extLst>
-                  <a:ext uri="{FF2B5EF4-FFF2-40B4-BE49-F238E27FC236}">
-                    <a16:creationId xmlns:a16="http://schemas.microsoft.com/office/drawing/2014/main" id="{70B908FF-35BE-4750-A8EE-7D2EF5967260}"/>
-                  </a:ext>
-                </a:extLst>
-              </p:cNvPr>
-              <p:cNvCxnSpPr/>
-              <p:nvPr/>
-            </p:nvCxnSpPr>
-            <p:spPr>
-              <a:xfrm flipV="1">
-                <a:off x="10391775" y="2731770"/>
-                <a:ext cx="209550" cy="169545"/>
-              </a:xfrm>
-              <a:prstGeom prst="line">
-                <a:avLst/>
-              </a:prstGeom>
-            </p:spPr>
-            <p:style>
-              <a:lnRef idx="1">
-                <a:schemeClr val="accent1"/>
-              </a:lnRef>
-              <a:fillRef idx="0">
-                <a:schemeClr val="accent1"/>
-              </a:fillRef>
-              <a:effectRef idx="0">
-                <a:schemeClr val="accent1"/>
-              </a:effectRef>
-              <a:fontRef idx="minor">
-                <a:schemeClr val="tx1"/>
-              </a:fontRef>
-            </p:style>
-          </p:cxnSp>
+            <p:txBody>
+              <a:bodyPr rtlCol="0" anchor="ctr"/>
+              <a:lstStyle/>
+              <a:p>
+                <a:pPr algn="ctr"/>
+                <a:endParaRPr lang="en-GB" dirty="0"/>
+              </a:p>
+            </p:txBody>
+          </p:sp>
         </p:grpSp>
         <p:sp>
           <p:nvSpPr>
-            <p:cNvPr id="4" name="TextBox 3">
+            <p:cNvPr id="107" name="Isosceles Triangle 106">
               <a:extLst>
                 <a:ext uri="{FF2B5EF4-FFF2-40B4-BE49-F238E27FC236}">
-                  <a16:creationId xmlns:a16="http://schemas.microsoft.com/office/drawing/2014/main" id="{B359EDF5-C72E-4AC5-AEB6-CAEE8F765006}"/>
-                </a:ext>
-              </a:extLst>
-            </p:cNvPr>
-            <p:cNvSpPr txBox="1"/>
-            <p:nvPr/>
-          </p:nvSpPr>
-          <p:spPr>
-            <a:xfrm>
-              <a:off x="6618893" y="1169973"/>
-              <a:ext cx="1424108" cy="369332"/>
-            </a:xfrm>
-            <a:prstGeom prst="rect">
-              <a:avLst/>
-            </a:prstGeom>
-            <a:noFill/>
-          </p:spPr>
-          <p:txBody>
-            <a:bodyPr wrap="none" rtlCol="0">
-              <a:spAutoFit/>
-            </a:bodyPr>
-            <a:lstStyle/>
-            <a:p>
-              <a:r>
-                <a:rPr lang="en-GB" dirty="0"/>
-                <a:t>Mood Trends</a:t>
-              </a:r>
-            </a:p>
-          </p:txBody>
-        </p:sp>
-        <p:sp>
-          <p:nvSpPr>
-            <p:cNvPr id="6" name="TextBox 5">
-              <a:extLst>
-                <a:ext uri="{FF2B5EF4-FFF2-40B4-BE49-F238E27FC236}">
-                  <a16:creationId xmlns:a16="http://schemas.microsoft.com/office/drawing/2014/main" id="{B735AF79-8DBF-4E74-B0BD-C274E6CA1930}"/>
-                </a:ext>
-              </a:extLst>
-            </p:cNvPr>
-            <p:cNvSpPr txBox="1"/>
-            <p:nvPr/>
-          </p:nvSpPr>
-          <p:spPr>
-            <a:xfrm>
-              <a:off x="6068501" y="1964290"/>
-              <a:ext cx="298480" cy="153888"/>
-            </a:xfrm>
-            <a:prstGeom prst="rect">
-              <a:avLst/>
-            </a:prstGeom>
-            <a:noFill/>
-          </p:spPr>
-          <p:txBody>
-            <a:bodyPr wrap="none" rtlCol="0">
-              <a:spAutoFit/>
-            </a:bodyPr>
-            <a:lstStyle/>
-            <a:p>
-              <a:r>
-                <a:rPr lang="en-GB" sz="400" dirty="0"/>
-                <a:t>100%</a:t>
-              </a:r>
-            </a:p>
-          </p:txBody>
-        </p:sp>
-        <p:sp>
-          <p:nvSpPr>
-            <p:cNvPr id="51" name="TextBox 50">
-              <a:extLst>
-                <a:ext uri="{FF2B5EF4-FFF2-40B4-BE49-F238E27FC236}">
-                  <a16:creationId xmlns:a16="http://schemas.microsoft.com/office/drawing/2014/main" id="{F14ECEDC-FF1F-4A41-8DD7-831BD8A95DA7}"/>
-                </a:ext>
-              </a:extLst>
-            </p:cNvPr>
-            <p:cNvSpPr txBox="1"/>
-            <p:nvPr/>
-          </p:nvSpPr>
-          <p:spPr>
-            <a:xfrm>
-              <a:off x="6106640" y="2913352"/>
-              <a:ext cx="247184" cy="153888"/>
-            </a:xfrm>
-            <a:prstGeom prst="rect">
-              <a:avLst/>
-            </a:prstGeom>
-            <a:noFill/>
-          </p:spPr>
-          <p:txBody>
-            <a:bodyPr wrap="none" rtlCol="0">
-              <a:spAutoFit/>
-            </a:bodyPr>
-            <a:lstStyle/>
-            <a:p>
-              <a:r>
-                <a:rPr lang="en-GB" sz="400" dirty="0"/>
-                <a:t>0%</a:t>
-              </a:r>
-            </a:p>
-          </p:txBody>
-        </p:sp>
-        <p:sp>
-          <p:nvSpPr>
-            <p:cNvPr id="7" name="TextBox 6">
-              <a:extLst>
-                <a:ext uri="{FF2B5EF4-FFF2-40B4-BE49-F238E27FC236}">
-                  <a16:creationId xmlns:a16="http://schemas.microsoft.com/office/drawing/2014/main" id="{B9D754D2-7A82-4013-8E1B-4DA26B549565}"/>
-                </a:ext>
-              </a:extLst>
-            </p:cNvPr>
-            <p:cNvSpPr txBox="1"/>
-            <p:nvPr/>
-          </p:nvSpPr>
-          <p:spPr>
-            <a:xfrm>
-              <a:off x="6296978" y="3015344"/>
-              <a:ext cx="257699" cy="404798"/>
-            </a:xfrm>
-            <a:prstGeom prst="rect">
-              <a:avLst/>
-            </a:prstGeom>
-            <a:noFill/>
-          </p:spPr>
-          <p:txBody>
-            <a:bodyPr vert="wordArtVert" wrap="square" rtlCol="0">
-              <a:spAutoFit/>
-            </a:bodyPr>
-            <a:lstStyle/>
-            <a:p>
-              <a:r>
-                <a:rPr lang="en-GB" sz="400" dirty="0"/>
-                <a:t>June</a:t>
-              </a:r>
-            </a:p>
-          </p:txBody>
-        </p:sp>
-        <p:sp>
-          <p:nvSpPr>
-            <p:cNvPr id="52" name="TextBox 51">
-              <a:extLst>
-                <a:ext uri="{FF2B5EF4-FFF2-40B4-BE49-F238E27FC236}">
-                  <a16:creationId xmlns:a16="http://schemas.microsoft.com/office/drawing/2014/main" id="{EC3AECB0-15E0-416B-B389-AA93A4373255}"/>
-                </a:ext>
-              </a:extLst>
-            </p:cNvPr>
-            <p:cNvSpPr txBox="1"/>
-            <p:nvPr/>
-          </p:nvSpPr>
-          <p:spPr>
-            <a:xfrm>
-              <a:off x="6544162" y="3004557"/>
-              <a:ext cx="257699" cy="404798"/>
-            </a:xfrm>
-            <a:prstGeom prst="rect">
-              <a:avLst/>
-            </a:prstGeom>
-            <a:noFill/>
-          </p:spPr>
-          <p:txBody>
-            <a:bodyPr vert="wordArtVert" wrap="square" rtlCol="0">
-              <a:spAutoFit/>
-            </a:bodyPr>
-            <a:lstStyle/>
-            <a:p>
-              <a:r>
-                <a:rPr lang="en-GB" sz="400" dirty="0"/>
-                <a:t>July</a:t>
-              </a:r>
-            </a:p>
-          </p:txBody>
-        </p:sp>
-        <p:sp>
-          <p:nvSpPr>
-            <p:cNvPr id="53" name="TextBox 52">
-              <a:extLst>
-                <a:ext uri="{FF2B5EF4-FFF2-40B4-BE49-F238E27FC236}">
-                  <a16:creationId xmlns:a16="http://schemas.microsoft.com/office/drawing/2014/main" id="{11FA71F5-CB9F-4266-B288-0032E0E1D68E}"/>
-                </a:ext>
-              </a:extLst>
-            </p:cNvPr>
-            <p:cNvSpPr txBox="1"/>
-            <p:nvPr/>
-          </p:nvSpPr>
-          <p:spPr>
-            <a:xfrm>
-              <a:off x="6811859" y="3009039"/>
-              <a:ext cx="257699" cy="556829"/>
-            </a:xfrm>
-            <a:prstGeom prst="rect">
-              <a:avLst/>
-            </a:prstGeom>
-            <a:noFill/>
-          </p:spPr>
-          <p:txBody>
-            <a:bodyPr vert="wordArtVert" wrap="square" rtlCol="0">
-              <a:spAutoFit/>
-            </a:bodyPr>
-            <a:lstStyle/>
-            <a:p>
-              <a:r>
-                <a:rPr lang="en-GB" sz="400" dirty="0"/>
-                <a:t>August</a:t>
-              </a:r>
-            </a:p>
-          </p:txBody>
-        </p:sp>
-        <p:pic>
-          <p:nvPicPr>
-            <p:cNvPr id="10" name="Picture 9">
-              <a:extLst>
-                <a:ext uri="{FF2B5EF4-FFF2-40B4-BE49-F238E27FC236}">
-                  <a16:creationId xmlns:a16="http://schemas.microsoft.com/office/drawing/2014/main" id="{9C8AC569-8861-4219-A542-9AD67F841C1E}"/>
-                </a:ext>
-              </a:extLst>
-            </p:cNvPr>
-            <p:cNvPicPr>
-              <a:picLocks noChangeAspect="1"/>
-            </p:cNvPicPr>
-            <p:nvPr/>
-          </p:nvPicPr>
-          <p:blipFill>
-            <a:blip r:embed="rId3"/>
-            <a:stretch>
-              <a:fillRect/>
-            </a:stretch>
-          </p:blipFill>
-          <p:spPr>
-            <a:xfrm>
-              <a:off x="6239257" y="3730018"/>
-              <a:ext cx="2172266" cy="517872"/>
-            </a:xfrm>
-            <a:prstGeom prst="rect">
-              <a:avLst/>
-            </a:prstGeom>
-          </p:spPr>
-        </p:pic>
-        <p:sp>
-          <p:nvSpPr>
-            <p:cNvPr id="15" name="Rectangle 14">
-              <a:extLst>
-                <a:ext uri="{FF2B5EF4-FFF2-40B4-BE49-F238E27FC236}">
-                  <a16:creationId xmlns:a16="http://schemas.microsoft.com/office/drawing/2014/main" id="{DC332A4D-E283-45A0-8A1E-747E62C7A5CC}"/>
+                  <a16:creationId xmlns:a16="http://schemas.microsoft.com/office/drawing/2014/main" id="{4F123629-5654-4D41-BD20-4BB587B2C398}"/>
                 </a:ext>
               </a:extLst>
             </p:cNvPr>
@@ -9612,134 +10271,9 @@
             <p:nvPr/>
           </p:nvSpPr>
           <p:spPr>
-            <a:xfrm>
-              <a:off x="6296978" y="1581908"/>
-              <a:ext cx="2050043" cy="209396"/>
-            </a:xfrm>
-            <a:prstGeom prst="rect">
-              <a:avLst/>
-            </a:prstGeom>
-            <a:solidFill>
-              <a:schemeClr val="bg1"/>
-            </a:solidFill>
-            <a:ln>
-              <a:solidFill>
-                <a:schemeClr val="tx1"/>
-              </a:solidFill>
-            </a:ln>
-          </p:spPr>
-          <p:style>
-            <a:lnRef idx="2">
-              <a:schemeClr val="accent1">
-                <a:shade val="50000"/>
-              </a:schemeClr>
-            </a:lnRef>
-            <a:fillRef idx="1">
-              <a:schemeClr val="accent1"/>
-            </a:fillRef>
-            <a:effectRef idx="0">
-              <a:schemeClr val="accent1"/>
-            </a:effectRef>
-            <a:fontRef idx="minor">
-              <a:schemeClr val="lt1"/>
-            </a:fontRef>
-          </p:style>
-          <p:txBody>
-            <a:bodyPr rtlCol="0" anchor="ctr"/>
-            <a:lstStyle/>
-            <a:p>
-              <a:pPr algn="ctr"/>
-              <a:endParaRPr lang="en-GB" dirty="0"/>
-            </a:p>
-          </p:txBody>
-        </p:sp>
-        <p:sp>
-          <p:nvSpPr>
-            <p:cNvPr id="25" name="TextBox 24">
-              <a:extLst>
-                <a:ext uri="{FF2B5EF4-FFF2-40B4-BE49-F238E27FC236}">
-                  <a16:creationId xmlns:a16="http://schemas.microsoft.com/office/drawing/2014/main" id="{DB6B3738-AFEA-4312-BD4F-FAA6C71BE48A}"/>
-                </a:ext>
-              </a:extLst>
-            </p:cNvPr>
-            <p:cNvSpPr txBox="1"/>
-            <p:nvPr/>
-          </p:nvSpPr>
-          <p:spPr>
-            <a:xfrm>
-              <a:off x="6296978" y="1554732"/>
-              <a:ext cx="872355" cy="261610"/>
-            </a:xfrm>
-            <a:prstGeom prst="rect">
-              <a:avLst/>
-            </a:prstGeom>
-            <a:noFill/>
-          </p:spPr>
-          <p:txBody>
-            <a:bodyPr wrap="none" rtlCol="0">
-              <a:spAutoFit/>
-            </a:bodyPr>
-            <a:lstStyle/>
-            <a:p>
-              <a:r>
-                <a:rPr lang="en-GB" sz="1050" dirty="0"/>
-                <a:t>Time Period</a:t>
-              </a:r>
-            </a:p>
-          </p:txBody>
-        </p:sp>
-        <p:cxnSp>
-          <p:nvCxnSpPr>
-            <p:cNvPr id="31" name="Straight Connector 30">
-              <a:extLst>
-                <a:ext uri="{FF2B5EF4-FFF2-40B4-BE49-F238E27FC236}">
-                  <a16:creationId xmlns:a16="http://schemas.microsoft.com/office/drawing/2014/main" id="{1BEB7A46-5CFD-4351-AF80-4681E12BDB13}"/>
-                </a:ext>
-              </a:extLst>
-            </p:cNvPr>
-            <p:cNvCxnSpPr/>
-            <p:nvPr/>
-          </p:nvCxnSpPr>
-          <p:spPr>
-            <a:xfrm>
-              <a:off x="7972970" y="1584951"/>
-              <a:ext cx="0" cy="206353"/>
-            </a:xfrm>
-            <a:prstGeom prst="line">
-              <a:avLst/>
-            </a:prstGeom>
-          </p:spPr>
-          <p:style>
-            <a:lnRef idx="3">
-              <a:schemeClr val="dk1"/>
-            </a:lnRef>
-            <a:fillRef idx="0">
-              <a:schemeClr val="dk1"/>
-            </a:fillRef>
-            <a:effectRef idx="2">
-              <a:schemeClr val="dk1"/>
-            </a:effectRef>
-            <a:fontRef idx="minor">
-              <a:schemeClr val="tx1"/>
-            </a:fontRef>
-          </p:style>
-        </p:cxnSp>
-        <p:sp>
-          <p:nvSpPr>
-            <p:cNvPr id="54" name="Isosceles Triangle 53">
-              <a:extLst>
-                <a:ext uri="{FF2B5EF4-FFF2-40B4-BE49-F238E27FC236}">
-                  <a16:creationId xmlns:a16="http://schemas.microsoft.com/office/drawing/2014/main" id="{A89EFC6C-2905-4B89-AB09-37B2136BF2D4}"/>
-                </a:ext>
-              </a:extLst>
-            </p:cNvPr>
-            <p:cNvSpPr/>
-            <p:nvPr/>
-          </p:nvSpPr>
-          <p:spPr>
-            <a:xfrm rot="10800000">
-              <a:off x="8121017" y="1645123"/>
-              <a:ext cx="77958" cy="80828"/>
+            <a:xfrm rot="16200000">
+              <a:off x="5009054" y="1262646"/>
+              <a:ext cx="178755" cy="185336"/>
             </a:xfrm>
             <a:prstGeom prst="triangle">
               <a:avLst/>
@@ -9781,10 +10315,10 @@
       </p:grpSp>
       <p:grpSp>
         <p:nvGrpSpPr>
-          <p:cNvPr id="88" name="Group 87">
+          <p:cNvPr id="3" name="Group 2">
             <a:extLst>
               <a:ext uri="{FF2B5EF4-FFF2-40B4-BE49-F238E27FC236}">
-                <a16:creationId xmlns:a16="http://schemas.microsoft.com/office/drawing/2014/main" id="{DCEF9FD9-6AAD-4F08-8FC2-542EE9A60695}"/>
+                <a16:creationId xmlns:a16="http://schemas.microsoft.com/office/drawing/2014/main" id="{5A7464E9-3BB4-4909-A422-3AC8966C1B72}"/>
               </a:ext>
             </a:extLst>
           </p:cNvPr>
@@ -9793,18 +10327,777 @@
         </p:nvGrpSpPr>
         <p:grpSpPr>
           <a:xfrm>
-            <a:off x="7951444" y="1074712"/>
+            <a:off x="5938086" y="1084702"/>
             <a:ext cx="2441359" cy="4571750"/>
             <a:chOff x="7951444" y="1074712"/>
             <a:chExt cx="2441359" cy="4571750"/>
           </a:xfrm>
         </p:grpSpPr>
+        <p:grpSp>
+          <p:nvGrpSpPr>
+            <p:cNvPr id="88" name="Group 87">
+              <a:extLst>
+                <a:ext uri="{FF2B5EF4-FFF2-40B4-BE49-F238E27FC236}">
+                  <a16:creationId xmlns:a16="http://schemas.microsoft.com/office/drawing/2014/main" id="{DCEF9FD9-6AAD-4F08-8FC2-542EE9A60695}"/>
+                </a:ext>
+              </a:extLst>
+            </p:cNvPr>
+            <p:cNvGrpSpPr/>
+            <p:nvPr/>
+          </p:nvGrpSpPr>
+          <p:grpSpPr>
+            <a:xfrm>
+              <a:off x="7951444" y="1074712"/>
+              <a:ext cx="2441359" cy="4571750"/>
+              <a:chOff x="7951444" y="1074712"/>
+              <a:chExt cx="2441359" cy="4571750"/>
+            </a:xfrm>
+          </p:grpSpPr>
+          <p:sp>
+            <p:nvSpPr>
+              <p:cNvPr id="57" name="Rectangle: Rounded Corners 56">
+                <a:extLst>
+                  <a:ext uri="{FF2B5EF4-FFF2-40B4-BE49-F238E27FC236}">
+                    <a16:creationId xmlns:a16="http://schemas.microsoft.com/office/drawing/2014/main" id="{D9047F27-8950-46BC-8F36-C3138708E959}"/>
+                  </a:ext>
+                </a:extLst>
+              </p:cNvPr>
+              <p:cNvSpPr/>
+              <p:nvPr/>
+            </p:nvSpPr>
+            <p:spPr>
+              <a:xfrm>
+                <a:off x="7951444" y="1074712"/>
+                <a:ext cx="2441359" cy="4571750"/>
+              </a:xfrm>
+              <a:prstGeom prst="roundRect">
+                <a:avLst/>
+              </a:prstGeom>
+              <a:solidFill>
+                <a:schemeClr val="bg1"/>
+              </a:solidFill>
+              <a:ln w="57150">
+                <a:solidFill>
+                  <a:schemeClr val="tx1"/>
+                </a:solidFill>
+              </a:ln>
+            </p:spPr>
+            <p:style>
+              <a:lnRef idx="2">
+                <a:schemeClr val="accent1">
+                  <a:shade val="50000"/>
+                </a:schemeClr>
+              </a:lnRef>
+              <a:fillRef idx="1">
+                <a:schemeClr val="accent1"/>
+              </a:fillRef>
+              <a:effectRef idx="0">
+                <a:schemeClr val="accent1"/>
+              </a:effectRef>
+              <a:fontRef idx="minor">
+                <a:schemeClr val="lt1"/>
+              </a:fontRef>
+            </p:style>
+            <p:txBody>
+              <a:bodyPr rtlCol="0" anchor="ctr"/>
+              <a:lstStyle/>
+              <a:p>
+                <a:pPr algn="ctr"/>
+                <a:endParaRPr lang="en-GB" dirty="0"/>
+              </a:p>
+            </p:txBody>
+          </p:sp>
+          <p:sp>
+            <p:nvSpPr>
+              <p:cNvPr id="59" name="TextBox 58">
+                <a:extLst>
+                  <a:ext uri="{FF2B5EF4-FFF2-40B4-BE49-F238E27FC236}">
+                    <a16:creationId xmlns:a16="http://schemas.microsoft.com/office/drawing/2014/main" id="{98CE19D7-C096-426B-A7AB-DE926C17BFCC}"/>
+                  </a:ext>
+                </a:extLst>
+              </p:cNvPr>
+              <p:cNvSpPr txBox="1"/>
+              <p:nvPr/>
+            </p:nvSpPr>
+            <p:spPr>
+              <a:xfrm>
+                <a:off x="8474337" y="1101560"/>
+                <a:ext cx="1424108" cy="369332"/>
+              </a:xfrm>
+              <a:prstGeom prst="rect">
+                <a:avLst/>
+              </a:prstGeom>
+              <a:noFill/>
+            </p:spPr>
+            <p:txBody>
+              <a:bodyPr wrap="none" rtlCol="0">
+                <a:spAutoFit/>
+              </a:bodyPr>
+              <a:lstStyle/>
+              <a:p>
+                <a:r>
+                  <a:rPr lang="en-GB" dirty="0"/>
+                  <a:t>Mood Trends</a:t>
+                </a:r>
+              </a:p>
+            </p:txBody>
+          </p:sp>
+          <p:pic>
+            <p:nvPicPr>
+              <p:cNvPr id="65" name="Picture 64">
+                <a:extLst>
+                  <a:ext uri="{FF2B5EF4-FFF2-40B4-BE49-F238E27FC236}">
+                    <a16:creationId xmlns:a16="http://schemas.microsoft.com/office/drawing/2014/main" id="{2778FFF7-875C-46CB-AAA7-4A419FDE4F09}"/>
+                  </a:ext>
+                </a:extLst>
+              </p:cNvPr>
+              <p:cNvPicPr>
+                <a:picLocks noChangeAspect="1"/>
+              </p:cNvPicPr>
+              <p:nvPr/>
+            </p:nvPicPr>
+            <p:blipFill>
+              <a:blip r:embed="rId2"/>
+              <a:stretch>
+                <a:fillRect/>
+              </a:stretch>
+            </p:blipFill>
+            <p:spPr>
+              <a:xfrm>
+                <a:off x="8088067" y="3100197"/>
+                <a:ext cx="2172266" cy="517872"/>
+              </a:xfrm>
+              <a:prstGeom prst="rect">
+                <a:avLst/>
+              </a:prstGeom>
+            </p:spPr>
+          </p:pic>
+          <p:sp>
+            <p:nvSpPr>
+              <p:cNvPr id="66" name="Rectangle 65">
+                <a:extLst>
+                  <a:ext uri="{FF2B5EF4-FFF2-40B4-BE49-F238E27FC236}">
+                    <a16:creationId xmlns:a16="http://schemas.microsoft.com/office/drawing/2014/main" id="{24A78EA3-E6BE-4934-8F47-543488843349}"/>
+                  </a:ext>
+                </a:extLst>
+              </p:cNvPr>
+              <p:cNvSpPr/>
+              <p:nvPr/>
+            </p:nvSpPr>
+            <p:spPr>
+              <a:xfrm>
+                <a:off x="8152422" y="1513495"/>
+                <a:ext cx="2050043" cy="209396"/>
+              </a:xfrm>
+              <a:prstGeom prst="rect">
+                <a:avLst/>
+              </a:prstGeom>
+              <a:solidFill>
+                <a:schemeClr val="bg1"/>
+              </a:solidFill>
+              <a:ln>
+                <a:solidFill>
+                  <a:schemeClr val="tx1"/>
+                </a:solidFill>
+              </a:ln>
+            </p:spPr>
+            <p:style>
+              <a:lnRef idx="2">
+                <a:schemeClr val="accent1">
+                  <a:shade val="50000"/>
+                </a:schemeClr>
+              </a:lnRef>
+              <a:fillRef idx="1">
+                <a:schemeClr val="accent1"/>
+              </a:fillRef>
+              <a:effectRef idx="0">
+                <a:schemeClr val="accent1"/>
+              </a:effectRef>
+              <a:fontRef idx="minor">
+                <a:schemeClr val="lt1"/>
+              </a:fontRef>
+            </p:style>
+            <p:txBody>
+              <a:bodyPr rtlCol="0" anchor="ctr"/>
+              <a:lstStyle/>
+              <a:p>
+                <a:pPr algn="ctr"/>
+                <a:endParaRPr lang="en-GB" dirty="0"/>
+              </a:p>
+            </p:txBody>
+          </p:sp>
+          <p:sp>
+            <p:nvSpPr>
+              <p:cNvPr id="67" name="TextBox 66">
+                <a:extLst>
+                  <a:ext uri="{FF2B5EF4-FFF2-40B4-BE49-F238E27FC236}">
+                    <a16:creationId xmlns:a16="http://schemas.microsoft.com/office/drawing/2014/main" id="{D86F0606-B44B-4DF4-B15C-5B8F96C7367E}"/>
+                  </a:ext>
+                </a:extLst>
+              </p:cNvPr>
+              <p:cNvSpPr txBox="1"/>
+              <p:nvPr/>
+            </p:nvSpPr>
+            <p:spPr>
+              <a:xfrm>
+                <a:off x="8152422" y="1486319"/>
+                <a:ext cx="872355" cy="261610"/>
+              </a:xfrm>
+              <a:prstGeom prst="rect">
+                <a:avLst/>
+              </a:prstGeom>
+              <a:noFill/>
+            </p:spPr>
+            <p:txBody>
+              <a:bodyPr wrap="none" rtlCol="0">
+                <a:spAutoFit/>
+              </a:bodyPr>
+              <a:lstStyle/>
+              <a:p>
+                <a:r>
+                  <a:rPr lang="en-GB" sz="1050" dirty="0"/>
+                  <a:t>Time Period</a:t>
+                </a:r>
+              </a:p>
+            </p:txBody>
+          </p:sp>
+          <p:cxnSp>
+            <p:nvCxnSpPr>
+              <p:cNvPr id="68" name="Straight Connector 67">
+                <a:extLst>
+                  <a:ext uri="{FF2B5EF4-FFF2-40B4-BE49-F238E27FC236}">
+                    <a16:creationId xmlns:a16="http://schemas.microsoft.com/office/drawing/2014/main" id="{AD92BE04-D4B4-42F9-B4DF-867D94FC690C}"/>
+                  </a:ext>
+                </a:extLst>
+              </p:cNvPr>
+              <p:cNvCxnSpPr/>
+              <p:nvPr/>
+            </p:nvCxnSpPr>
+            <p:spPr>
+              <a:xfrm>
+                <a:off x="9828414" y="1516538"/>
+                <a:ext cx="0" cy="206353"/>
+              </a:xfrm>
+              <a:prstGeom prst="line">
+                <a:avLst/>
+              </a:prstGeom>
+            </p:spPr>
+            <p:style>
+              <a:lnRef idx="3">
+                <a:schemeClr val="dk1"/>
+              </a:lnRef>
+              <a:fillRef idx="0">
+                <a:schemeClr val="dk1"/>
+              </a:fillRef>
+              <a:effectRef idx="2">
+                <a:schemeClr val="dk1"/>
+              </a:effectRef>
+              <a:fontRef idx="minor">
+                <a:schemeClr val="tx1"/>
+              </a:fontRef>
+            </p:style>
+          </p:cxnSp>
+          <p:sp>
+            <p:nvSpPr>
+              <p:cNvPr id="69" name="Isosceles Triangle 68">
+                <a:extLst>
+                  <a:ext uri="{FF2B5EF4-FFF2-40B4-BE49-F238E27FC236}">
+                    <a16:creationId xmlns:a16="http://schemas.microsoft.com/office/drawing/2014/main" id="{8C098DE0-D642-4FB4-B863-6E26A836B8C4}"/>
+                  </a:ext>
+                </a:extLst>
+              </p:cNvPr>
+              <p:cNvSpPr/>
+              <p:nvPr/>
+            </p:nvSpPr>
+            <p:spPr>
+              <a:xfrm rot="10800000">
+                <a:off x="9976461" y="1576710"/>
+                <a:ext cx="77958" cy="80828"/>
+              </a:xfrm>
+              <a:prstGeom prst="triangle">
+                <a:avLst/>
+              </a:prstGeom>
+              <a:solidFill>
+                <a:schemeClr val="tx1"/>
+              </a:solidFill>
+              <a:ln>
+                <a:solidFill>
+                  <a:schemeClr val="tx1"/>
+                </a:solidFill>
+              </a:ln>
+            </p:spPr>
+            <p:style>
+              <a:lnRef idx="2">
+                <a:schemeClr val="accent1">
+                  <a:shade val="50000"/>
+                </a:schemeClr>
+              </a:lnRef>
+              <a:fillRef idx="1">
+                <a:schemeClr val="accent1"/>
+              </a:fillRef>
+              <a:effectRef idx="0">
+                <a:schemeClr val="accent1"/>
+              </a:effectRef>
+              <a:fontRef idx="minor">
+                <a:schemeClr val="lt1"/>
+              </a:fontRef>
+            </p:style>
+            <p:txBody>
+              <a:bodyPr rtlCol="0" anchor="ctr"/>
+              <a:lstStyle/>
+              <a:p>
+                <a:pPr algn="ctr"/>
+                <a:endParaRPr lang="en-GB" dirty="0"/>
+              </a:p>
+            </p:txBody>
+          </p:sp>
+          <p:grpSp>
+            <p:nvGrpSpPr>
+              <p:cNvPr id="78" name="Group 77">
+                <a:extLst>
+                  <a:ext uri="{FF2B5EF4-FFF2-40B4-BE49-F238E27FC236}">
+                    <a16:creationId xmlns:a16="http://schemas.microsoft.com/office/drawing/2014/main" id="{EEC99FA7-4280-4E7D-8186-40975F3ADDB4}"/>
+                  </a:ext>
+                </a:extLst>
+              </p:cNvPr>
+              <p:cNvGrpSpPr/>
+              <p:nvPr/>
+            </p:nvGrpSpPr>
+            <p:grpSpPr>
+              <a:xfrm>
+                <a:off x="8152421" y="1977784"/>
+                <a:ext cx="2114545" cy="962184"/>
+                <a:chOff x="9266734" y="2305486"/>
+                <a:chExt cx="1568906" cy="514964"/>
+              </a:xfrm>
+            </p:grpSpPr>
+            <p:cxnSp>
+              <p:nvCxnSpPr>
+                <p:cNvPr id="79" name="Straight Connector 78">
+                  <a:extLst>
+                    <a:ext uri="{FF2B5EF4-FFF2-40B4-BE49-F238E27FC236}">
+                      <a16:creationId xmlns:a16="http://schemas.microsoft.com/office/drawing/2014/main" id="{4CE981EA-7A8E-464C-BD51-1767FF3BBDA1}"/>
+                    </a:ext>
+                  </a:extLst>
+                </p:cNvPr>
+                <p:cNvCxnSpPr/>
+                <p:nvPr/>
+              </p:nvCxnSpPr>
+              <p:spPr>
+                <a:xfrm>
+                  <a:off x="9274844" y="2305486"/>
+                  <a:ext cx="0" cy="514964"/>
+                </a:xfrm>
+                <a:prstGeom prst="line">
+                  <a:avLst/>
+                </a:prstGeom>
+              </p:spPr>
+              <p:style>
+                <a:lnRef idx="3">
+                  <a:schemeClr val="dk1"/>
+                </a:lnRef>
+                <a:fillRef idx="0">
+                  <a:schemeClr val="dk1"/>
+                </a:fillRef>
+                <a:effectRef idx="2">
+                  <a:schemeClr val="dk1"/>
+                </a:effectRef>
+                <a:fontRef idx="minor">
+                  <a:schemeClr val="tx1"/>
+                </a:fontRef>
+              </p:style>
+            </p:cxnSp>
+            <p:cxnSp>
+              <p:nvCxnSpPr>
+                <p:cNvPr id="80" name="Straight Connector 79">
+                  <a:extLst>
+                    <a:ext uri="{FF2B5EF4-FFF2-40B4-BE49-F238E27FC236}">
+                      <a16:creationId xmlns:a16="http://schemas.microsoft.com/office/drawing/2014/main" id="{398F7C18-8EA9-423B-811A-0101658A9833}"/>
+                    </a:ext>
+                  </a:extLst>
+                </p:cNvPr>
+                <p:cNvCxnSpPr>
+                  <a:cxnSpLocks/>
+                </p:cNvCxnSpPr>
+                <p:nvPr/>
+              </p:nvCxnSpPr>
+              <p:spPr>
+                <a:xfrm flipV="1">
+                  <a:off x="9266734" y="2819592"/>
+                  <a:ext cx="1568906" cy="858"/>
+                </a:xfrm>
+                <a:prstGeom prst="line">
+                  <a:avLst/>
+                </a:prstGeom>
+              </p:spPr>
+              <p:style>
+                <a:lnRef idx="3">
+                  <a:schemeClr val="dk1"/>
+                </a:lnRef>
+                <a:fillRef idx="0">
+                  <a:schemeClr val="dk1"/>
+                </a:fillRef>
+                <a:effectRef idx="2">
+                  <a:schemeClr val="dk1"/>
+                </a:effectRef>
+                <a:fontRef idx="minor">
+                  <a:schemeClr val="tx1"/>
+                </a:fontRef>
+              </p:style>
+            </p:cxnSp>
+            <p:grpSp>
+              <p:nvGrpSpPr>
+                <p:cNvPr id="81" name="Group 80">
+                  <a:extLst>
+                    <a:ext uri="{FF2B5EF4-FFF2-40B4-BE49-F238E27FC236}">
+                      <a16:creationId xmlns:a16="http://schemas.microsoft.com/office/drawing/2014/main" id="{0D645B44-B619-4DFA-A4DF-BE1D342C8BAF}"/>
+                    </a:ext>
+                  </a:extLst>
+                </p:cNvPr>
+                <p:cNvGrpSpPr/>
+                <p:nvPr/>
+              </p:nvGrpSpPr>
+              <p:grpSpPr>
+                <a:xfrm>
+                  <a:off x="9357375" y="2337832"/>
+                  <a:ext cx="1459209" cy="482618"/>
+                  <a:chOff x="9410700" y="2337829"/>
+                  <a:chExt cx="1671251" cy="482618"/>
+                </a:xfrm>
+              </p:grpSpPr>
+              <p:sp>
+                <p:nvSpPr>
+                  <p:cNvPr id="82" name="Rectangle 81">
+                    <a:extLst>
+                      <a:ext uri="{FF2B5EF4-FFF2-40B4-BE49-F238E27FC236}">
+                        <a16:creationId xmlns:a16="http://schemas.microsoft.com/office/drawing/2014/main" id="{A3FB7425-A3BB-4933-9BD2-EB167DAC450F}"/>
+                      </a:ext>
+                    </a:extLst>
+                  </p:cNvPr>
+                  <p:cNvSpPr/>
+                  <p:nvPr/>
+                </p:nvSpPr>
+                <p:spPr>
+                  <a:xfrm>
+                    <a:off x="9410700" y="2608799"/>
+                    <a:ext cx="150490" cy="211648"/>
+                  </a:xfrm>
+                  <a:prstGeom prst="rect">
+                    <a:avLst/>
+                  </a:prstGeom>
+                  <a:solidFill>
+                    <a:schemeClr val="bg2"/>
+                  </a:solidFill>
+                  <a:ln>
+                    <a:solidFill>
+                      <a:schemeClr val="tx1"/>
+                    </a:solidFill>
+                  </a:ln>
+                </p:spPr>
+                <p:style>
+                  <a:lnRef idx="2">
+                    <a:schemeClr val="accent1">
+                      <a:shade val="50000"/>
+                    </a:schemeClr>
+                  </a:lnRef>
+                  <a:fillRef idx="1">
+                    <a:schemeClr val="accent1"/>
+                  </a:fillRef>
+                  <a:effectRef idx="0">
+                    <a:schemeClr val="accent1"/>
+                  </a:effectRef>
+                  <a:fontRef idx="minor">
+                    <a:schemeClr val="lt1"/>
+                  </a:fontRef>
+                </p:style>
+                <p:txBody>
+                  <a:bodyPr rtlCol="0" anchor="ctr"/>
+                  <a:lstStyle/>
+                  <a:p>
+                    <a:pPr algn="ctr"/>
+                    <a:endParaRPr lang="en-GB" dirty="0"/>
+                  </a:p>
+                </p:txBody>
+              </p:sp>
+              <p:sp>
+                <p:nvSpPr>
+                  <p:cNvPr id="83" name="Rectangle 82">
+                    <a:extLst>
+                      <a:ext uri="{FF2B5EF4-FFF2-40B4-BE49-F238E27FC236}">
+                        <a16:creationId xmlns:a16="http://schemas.microsoft.com/office/drawing/2014/main" id="{3D3B7401-0F27-499B-9A29-849C9FCE0AF6}"/>
+                      </a:ext>
+                    </a:extLst>
+                  </p:cNvPr>
+                  <p:cNvSpPr/>
+                  <p:nvPr/>
+                </p:nvSpPr>
+                <p:spPr>
+                  <a:xfrm>
+                    <a:off x="9708371" y="2337829"/>
+                    <a:ext cx="150490" cy="482618"/>
+                  </a:xfrm>
+                  <a:prstGeom prst="rect">
+                    <a:avLst/>
+                  </a:prstGeom>
+                  <a:solidFill>
+                    <a:srgbClr val="C00000"/>
+                  </a:solidFill>
+                  <a:ln>
+                    <a:solidFill>
+                      <a:schemeClr val="tx1"/>
+                    </a:solidFill>
+                  </a:ln>
+                </p:spPr>
+                <p:style>
+                  <a:lnRef idx="2">
+                    <a:schemeClr val="accent1">
+                      <a:shade val="50000"/>
+                    </a:schemeClr>
+                  </a:lnRef>
+                  <a:fillRef idx="1">
+                    <a:schemeClr val="accent1"/>
+                  </a:fillRef>
+                  <a:effectRef idx="0">
+                    <a:schemeClr val="accent1"/>
+                  </a:effectRef>
+                  <a:fontRef idx="minor">
+                    <a:schemeClr val="lt1"/>
+                  </a:fontRef>
+                </p:style>
+                <p:txBody>
+                  <a:bodyPr rtlCol="0" anchor="ctr"/>
+                  <a:lstStyle/>
+                  <a:p>
+                    <a:pPr algn="ctr"/>
+                    <a:endParaRPr lang="en-GB" dirty="0"/>
+                  </a:p>
+                </p:txBody>
+              </p:sp>
+              <p:sp>
+                <p:nvSpPr>
+                  <p:cNvPr id="84" name="Rectangle 83">
+                    <a:extLst>
+                      <a:ext uri="{FF2B5EF4-FFF2-40B4-BE49-F238E27FC236}">
+                        <a16:creationId xmlns:a16="http://schemas.microsoft.com/office/drawing/2014/main" id="{B92F022E-8BC4-4D23-9CD9-AC5A109856FE}"/>
+                      </a:ext>
+                    </a:extLst>
+                  </p:cNvPr>
+                  <p:cNvSpPr/>
+                  <p:nvPr/>
+                </p:nvSpPr>
+                <p:spPr>
+                  <a:xfrm>
+                    <a:off x="10006042" y="2623181"/>
+                    <a:ext cx="150490" cy="196407"/>
+                  </a:xfrm>
+                  <a:prstGeom prst="rect">
+                    <a:avLst/>
+                  </a:prstGeom>
+                  <a:solidFill>
+                    <a:srgbClr val="FFC000"/>
+                  </a:solidFill>
+                  <a:ln>
+                    <a:solidFill>
+                      <a:schemeClr val="tx1"/>
+                    </a:solidFill>
+                  </a:ln>
+                </p:spPr>
+                <p:style>
+                  <a:lnRef idx="2">
+                    <a:schemeClr val="accent1">
+                      <a:shade val="50000"/>
+                    </a:schemeClr>
+                  </a:lnRef>
+                  <a:fillRef idx="1">
+                    <a:schemeClr val="accent1"/>
+                  </a:fillRef>
+                  <a:effectRef idx="0">
+                    <a:schemeClr val="accent1"/>
+                  </a:effectRef>
+                  <a:fontRef idx="minor">
+                    <a:schemeClr val="lt1"/>
+                  </a:fontRef>
+                </p:style>
+                <p:txBody>
+                  <a:bodyPr rtlCol="0" anchor="ctr"/>
+                  <a:lstStyle/>
+                  <a:p>
+                    <a:pPr algn="ctr"/>
+                    <a:endParaRPr lang="en-GB" dirty="0"/>
+                  </a:p>
+                </p:txBody>
+              </p:sp>
+              <p:sp>
+                <p:nvSpPr>
+                  <p:cNvPr id="85" name="Rectangle 84">
+                    <a:extLst>
+                      <a:ext uri="{FF2B5EF4-FFF2-40B4-BE49-F238E27FC236}">
+                        <a16:creationId xmlns:a16="http://schemas.microsoft.com/office/drawing/2014/main" id="{9759A219-0619-4D11-AB3D-9A4BAD152C76}"/>
+                      </a:ext>
+                    </a:extLst>
+                  </p:cNvPr>
+                  <p:cNvSpPr/>
+                  <p:nvPr/>
+                </p:nvSpPr>
+                <p:spPr>
+                  <a:xfrm>
+                    <a:off x="10326082" y="2577461"/>
+                    <a:ext cx="150490" cy="242127"/>
+                  </a:xfrm>
+                  <a:prstGeom prst="rect">
+                    <a:avLst/>
+                  </a:prstGeom>
+                  <a:solidFill>
+                    <a:srgbClr val="00B050"/>
+                  </a:solidFill>
+                  <a:ln>
+                    <a:solidFill>
+                      <a:schemeClr val="tx1"/>
+                    </a:solidFill>
+                  </a:ln>
+                </p:spPr>
+                <p:style>
+                  <a:lnRef idx="2">
+                    <a:schemeClr val="accent1">
+                      <a:shade val="50000"/>
+                    </a:schemeClr>
+                  </a:lnRef>
+                  <a:fillRef idx="1">
+                    <a:schemeClr val="accent1"/>
+                  </a:fillRef>
+                  <a:effectRef idx="0">
+                    <a:schemeClr val="accent1"/>
+                  </a:effectRef>
+                  <a:fontRef idx="minor">
+                    <a:schemeClr val="lt1"/>
+                  </a:fontRef>
+                </p:style>
+                <p:txBody>
+                  <a:bodyPr rtlCol="0" anchor="ctr"/>
+                  <a:lstStyle/>
+                  <a:p>
+                    <a:pPr algn="ctr"/>
+                    <a:endParaRPr lang="en-GB" dirty="0"/>
+                  </a:p>
+                </p:txBody>
+              </p:sp>
+              <p:sp>
+                <p:nvSpPr>
+                  <p:cNvPr id="86" name="Rectangle 85">
+                    <a:extLst>
+                      <a:ext uri="{FF2B5EF4-FFF2-40B4-BE49-F238E27FC236}">
+                        <a16:creationId xmlns:a16="http://schemas.microsoft.com/office/drawing/2014/main" id="{97B68B72-F5E1-460A-8F37-37B5C9C79662}"/>
+                      </a:ext>
+                    </a:extLst>
+                  </p:cNvPr>
+                  <p:cNvSpPr/>
+                  <p:nvPr/>
+                </p:nvSpPr>
+                <p:spPr>
+                  <a:xfrm>
+                    <a:off x="10646122" y="2503167"/>
+                    <a:ext cx="150490" cy="316422"/>
+                  </a:xfrm>
+                  <a:prstGeom prst="rect">
+                    <a:avLst/>
+                  </a:prstGeom>
+                  <a:solidFill>
+                    <a:srgbClr val="FFFF00"/>
+                  </a:solidFill>
+                  <a:ln>
+                    <a:solidFill>
+                      <a:schemeClr val="tx1"/>
+                    </a:solidFill>
+                  </a:ln>
+                </p:spPr>
+                <p:style>
+                  <a:lnRef idx="2">
+                    <a:schemeClr val="accent1">
+                      <a:shade val="50000"/>
+                    </a:schemeClr>
+                  </a:lnRef>
+                  <a:fillRef idx="1">
+                    <a:schemeClr val="accent1"/>
+                  </a:fillRef>
+                  <a:effectRef idx="0">
+                    <a:schemeClr val="accent1"/>
+                  </a:effectRef>
+                  <a:fontRef idx="minor">
+                    <a:schemeClr val="lt1"/>
+                  </a:fontRef>
+                </p:style>
+                <p:txBody>
+                  <a:bodyPr rtlCol="0" anchor="ctr"/>
+                  <a:lstStyle/>
+                  <a:p>
+                    <a:pPr algn="ctr"/>
+                    <a:endParaRPr lang="en-GB" dirty="0"/>
+                  </a:p>
+                </p:txBody>
+              </p:sp>
+              <p:sp>
+                <p:nvSpPr>
+                  <p:cNvPr id="87" name="Rectangle 86">
+                    <a:extLst>
+                      <a:ext uri="{FF2B5EF4-FFF2-40B4-BE49-F238E27FC236}">
+                        <a16:creationId xmlns:a16="http://schemas.microsoft.com/office/drawing/2014/main" id="{710307D7-957C-4ED0-AB8D-A38E4BA0BF85}"/>
+                      </a:ext>
+                    </a:extLst>
+                  </p:cNvPr>
+                  <p:cNvSpPr/>
+                  <p:nvPr/>
+                </p:nvSpPr>
+                <p:spPr>
+                  <a:xfrm>
+                    <a:off x="10931461" y="2733671"/>
+                    <a:ext cx="150490" cy="85917"/>
+                  </a:xfrm>
+                  <a:prstGeom prst="rect">
+                    <a:avLst/>
+                  </a:prstGeom>
+                  <a:solidFill>
+                    <a:srgbClr val="CEFF75"/>
+                  </a:solidFill>
+                  <a:ln>
+                    <a:solidFill>
+                      <a:schemeClr val="tx1"/>
+                    </a:solidFill>
+                  </a:ln>
+                </p:spPr>
+                <p:style>
+                  <a:lnRef idx="2">
+                    <a:schemeClr val="accent1">
+                      <a:shade val="50000"/>
+                    </a:schemeClr>
+                  </a:lnRef>
+                  <a:fillRef idx="1">
+                    <a:schemeClr val="accent1"/>
+                  </a:fillRef>
+                  <a:effectRef idx="0">
+                    <a:schemeClr val="accent1"/>
+                  </a:effectRef>
+                  <a:fontRef idx="minor">
+                    <a:schemeClr val="lt1"/>
+                  </a:fontRef>
+                </p:style>
+                <p:txBody>
+                  <a:bodyPr rtlCol="0" anchor="ctr"/>
+                  <a:lstStyle/>
+                  <a:p>
+                    <a:pPr algn="ctr"/>
+                    <a:endParaRPr lang="en-GB"/>
+                  </a:p>
+                </p:txBody>
+              </p:sp>
+            </p:grpSp>
+          </p:grpSp>
+        </p:grpSp>
         <p:sp>
           <p:nvSpPr>
-            <p:cNvPr id="57" name="Rectangle: Rounded Corners 56">
+            <p:cNvPr id="108" name="Isosceles Triangle 107">
               <a:extLst>
                 <a:ext uri="{FF2B5EF4-FFF2-40B4-BE49-F238E27FC236}">
-                  <a16:creationId xmlns:a16="http://schemas.microsoft.com/office/drawing/2014/main" id="{D9047F27-8950-46BC-8F36-C3138708E959}"/>
+                  <a16:creationId xmlns:a16="http://schemas.microsoft.com/office/drawing/2014/main" id="{E07B483C-05F3-4624-A7D0-E619E8B114B9}"/>
                 </a:ext>
               </a:extLst>
             </p:cNvPr>
@@ -9812,253 +11105,9 @@
             <p:nvPr/>
           </p:nvSpPr>
           <p:spPr>
-            <a:xfrm>
-              <a:off x="7951444" y="1074712"/>
-              <a:ext cx="2441359" cy="4571750"/>
-            </a:xfrm>
-            <a:prstGeom prst="roundRect">
-              <a:avLst/>
-            </a:prstGeom>
-            <a:solidFill>
-              <a:schemeClr val="bg1"/>
-            </a:solidFill>
-            <a:ln w="57150">
-              <a:solidFill>
-                <a:schemeClr val="tx1"/>
-              </a:solidFill>
-            </a:ln>
-          </p:spPr>
-          <p:style>
-            <a:lnRef idx="2">
-              <a:schemeClr val="accent1">
-                <a:shade val="50000"/>
-              </a:schemeClr>
-            </a:lnRef>
-            <a:fillRef idx="1">
-              <a:schemeClr val="accent1"/>
-            </a:fillRef>
-            <a:effectRef idx="0">
-              <a:schemeClr val="accent1"/>
-            </a:effectRef>
-            <a:fontRef idx="minor">
-              <a:schemeClr val="lt1"/>
-            </a:fontRef>
-          </p:style>
-          <p:txBody>
-            <a:bodyPr rtlCol="0" anchor="ctr"/>
-            <a:lstStyle/>
-            <a:p>
-              <a:pPr algn="ctr"/>
-              <a:endParaRPr lang="en-GB" dirty="0"/>
-            </a:p>
-          </p:txBody>
-        </p:sp>
-        <p:sp>
-          <p:nvSpPr>
-            <p:cNvPr id="59" name="TextBox 58">
-              <a:extLst>
-                <a:ext uri="{FF2B5EF4-FFF2-40B4-BE49-F238E27FC236}">
-                  <a16:creationId xmlns:a16="http://schemas.microsoft.com/office/drawing/2014/main" id="{98CE19D7-C096-426B-A7AB-DE926C17BFCC}"/>
-                </a:ext>
-              </a:extLst>
-            </p:cNvPr>
-            <p:cNvSpPr txBox="1"/>
-            <p:nvPr/>
-          </p:nvSpPr>
-          <p:spPr>
-            <a:xfrm>
-              <a:off x="8474337" y="1101560"/>
-              <a:ext cx="1424108" cy="369332"/>
-            </a:xfrm>
-            <a:prstGeom prst="rect">
-              <a:avLst/>
-            </a:prstGeom>
-            <a:noFill/>
-          </p:spPr>
-          <p:txBody>
-            <a:bodyPr wrap="none" rtlCol="0">
-              <a:spAutoFit/>
-            </a:bodyPr>
-            <a:lstStyle/>
-            <a:p>
-              <a:r>
-                <a:rPr lang="en-GB" dirty="0"/>
-                <a:t>Mood Trends</a:t>
-              </a:r>
-            </a:p>
-          </p:txBody>
-        </p:sp>
-        <p:pic>
-          <p:nvPicPr>
-            <p:cNvPr id="65" name="Picture 64">
-              <a:extLst>
-                <a:ext uri="{FF2B5EF4-FFF2-40B4-BE49-F238E27FC236}">
-                  <a16:creationId xmlns:a16="http://schemas.microsoft.com/office/drawing/2014/main" id="{2778FFF7-875C-46CB-AAA7-4A419FDE4F09}"/>
-                </a:ext>
-              </a:extLst>
-            </p:cNvPr>
-            <p:cNvPicPr>
-              <a:picLocks noChangeAspect="1"/>
-            </p:cNvPicPr>
-            <p:nvPr/>
-          </p:nvPicPr>
-          <p:blipFill>
-            <a:blip r:embed="rId3"/>
-            <a:stretch>
-              <a:fillRect/>
-            </a:stretch>
-          </p:blipFill>
-          <p:spPr>
-            <a:xfrm>
-              <a:off x="8088067" y="3100197"/>
-              <a:ext cx="2172266" cy="517872"/>
-            </a:xfrm>
-            <a:prstGeom prst="rect">
-              <a:avLst/>
-            </a:prstGeom>
-          </p:spPr>
-        </p:pic>
-        <p:sp>
-          <p:nvSpPr>
-            <p:cNvPr id="66" name="Rectangle 65">
-              <a:extLst>
-                <a:ext uri="{FF2B5EF4-FFF2-40B4-BE49-F238E27FC236}">
-                  <a16:creationId xmlns:a16="http://schemas.microsoft.com/office/drawing/2014/main" id="{24A78EA3-E6BE-4934-8F47-543488843349}"/>
-                </a:ext>
-              </a:extLst>
-            </p:cNvPr>
-            <p:cNvSpPr/>
-            <p:nvPr/>
-          </p:nvSpPr>
-          <p:spPr>
-            <a:xfrm>
-              <a:off x="8152422" y="1513495"/>
-              <a:ext cx="2050043" cy="209396"/>
-            </a:xfrm>
-            <a:prstGeom prst="rect">
-              <a:avLst/>
-            </a:prstGeom>
-            <a:solidFill>
-              <a:schemeClr val="bg1"/>
-            </a:solidFill>
-            <a:ln>
-              <a:solidFill>
-                <a:schemeClr val="tx1"/>
-              </a:solidFill>
-            </a:ln>
-          </p:spPr>
-          <p:style>
-            <a:lnRef idx="2">
-              <a:schemeClr val="accent1">
-                <a:shade val="50000"/>
-              </a:schemeClr>
-            </a:lnRef>
-            <a:fillRef idx="1">
-              <a:schemeClr val="accent1"/>
-            </a:fillRef>
-            <a:effectRef idx="0">
-              <a:schemeClr val="accent1"/>
-            </a:effectRef>
-            <a:fontRef idx="minor">
-              <a:schemeClr val="lt1"/>
-            </a:fontRef>
-          </p:style>
-          <p:txBody>
-            <a:bodyPr rtlCol="0" anchor="ctr"/>
-            <a:lstStyle/>
-            <a:p>
-              <a:pPr algn="ctr"/>
-              <a:endParaRPr lang="en-GB" dirty="0"/>
-            </a:p>
-          </p:txBody>
-        </p:sp>
-        <p:sp>
-          <p:nvSpPr>
-            <p:cNvPr id="67" name="TextBox 66">
-              <a:extLst>
-                <a:ext uri="{FF2B5EF4-FFF2-40B4-BE49-F238E27FC236}">
-                  <a16:creationId xmlns:a16="http://schemas.microsoft.com/office/drawing/2014/main" id="{D86F0606-B44B-4DF4-B15C-5B8F96C7367E}"/>
-                </a:ext>
-              </a:extLst>
-            </p:cNvPr>
-            <p:cNvSpPr txBox="1"/>
-            <p:nvPr/>
-          </p:nvSpPr>
-          <p:spPr>
-            <a:xfrm>
-              <a:off x="8152422" y="1486319"/>
-              <a:ext cx="872355" cy="261610"/>
-            </a:xfrm>
-            <a:prstGeom prst="rect">
-              <a:avLst/>
-            </a:prstGeom>
-            <a:noFill/>
-          </p:spPr>
-          <p:txBody>
-            <a:bodyPr wrap="none" rtlCol="0">
-              <a:spAutoFit/>
-            </a:bodyPr>
-            <a:lstStyle/>
-            <a:p>
-              <a:r>
-                <a:rPr lang="en-GB" sz="1050" dirty="0"/>
-                <a:t>Time Period</a:t>
-              </a:r>
-            </a:p>
-          </p:txBody>
-        </p:sp>
-        <p:cxnSp>
-          <p:nvCxnSpPr>
-            <p:cNvPr id="68" name="Straight Connector 67">
-              <a:extLst>
-                <a:ext uri="{FF2B5EF4-FFF2-40B4-BE49-F238E27FC236}">
-                  <a16:creationId xmlns:a16="http://schemas.microsoft.com/office/drawing/2014/main" id="{AD92BE04-D4B4-42F9-B4DF-867D94FC690C}"/>
-                </a:ext>
-              </a:extLst>
-            </p:cNvPr>
-            <p:cNvCxnSpPr/>
-            <p:nvPr/>
-          </p:nvCxnSpPr>
-          <p:spPr>
-            <a:xfrm>
-              <a:off x="9828414" y="1516538"/>
-              <a:ext cx="0" cy="206353"/>
-            </a:xfrm>
-            <a:prstGeom prst="line">
-              <a:avLst/>
-            </a:prstGeom>
-          </p:spPr>
-          <p:style>
-            <a:lnRef idx="3">
-              <a:schemeClr val="dk1"/>
-            </a:lnRef>
-            <a:fillRef idx="0">
-              <a:schemeClr val="dk1"/>
-            </a:fillRef>
-            <a:effectRef idx="2">
-              <a:schemeClr val="dk1"/>
-            </a:effectRef>
-            <a:fontRef idx="minor">
-              <a:schemeClr val="tx1"/>
-            </a:fontRef>
-          </p:style>
-        </p:cxnSp>
-        <p:sp>
-          <p:nvSpPr>
-            <p:cNvPr id="69" name="Isosceles Triangle 68">
-              <a:extLst>
-                <a:ext uri="{FF2B5EF4-FFF2-40B4-BE49-F238E27FC236}">
-                  <a16:creationId xmlns:a16="http://schemas.microsoft.com/office/drawing/2014/main" id="{8C098DE0-D642-4FB4-B863-6E26A836B8C4}"/>
-                </a:ext>
-              </a:extLst>
-            </p:cNvPr>
-            <p:cNvSpPr/>
-            <p:nvPr/>
-          </p:nvSpPr>
-          <p:spPr>
-            <a:xfrm rot="10800000">
-              <a:off x="9976461" y="1576710"/>
-              <a:ext cx="77958" cy="80828"/>
+            <a:xfrm rot="16200000">
+              <a:off x="8166643" y="1242071"/>
+              <a:ext cx="178755" cy="185336"/>
             </a:xfrm>
             <a:prstGeom prst="triangle">
               <a:avLst/>
@@ -10097,552 +11146,122 @@
             </a:p>
           </p:txBody>
         </p:sp>
-        <p:grpSp>
-          <p:nvGrpSpPr>
-            <p:cNvPr id="78" name="Group 77">
-              <a:extLst>
-                <a:ext uri="{FF2B5EF4-FFF2-40B4-BE49-F238E27FC236}">
-                  <a16:creationId xmlns:a16="http://schemas.microsoft.com/office/drawing/2014/main" id="{EEC99FA7-4280-4E7D-8186-40975F3ADDB4}"/>
-                </a:ext>
-              </a:extLst>
-            </p:cNvPr>
-            <p:cNvGrpSpPr/>
-            <p:nvPr/>
-          </p:nvGrpSpPr>
-          <p:grpSpPr>
-            <a:xfrm>
-              <a:off x="8152421" y="1977784"/>
-              <a:ext cx="2114545" cy="962184"/>
-              <a:chOff x="9266734" y="2305486"/>
-              <a:chExt cx="1568906" cy="514964"/>
-            </a:xfrm>
-          </p:grpSpPr>
-          <p:cxnSp>
-            <p:nvCxnSpPr>
-              <p:cNvPr id="79" name="Straight Connector 78">
-                <a:extLst>
-                  <a:ext uri="{FF2B5EF4-FFF2-40B4-BE49-F238E27FC236}">
-                    <a16:creationId xmlns:a16="http://schemas.microsoft.com/office/drawing/2014/main" id="{4CE981EA-7A8E-464C-BD51-1767FF3BBDA1}"/>
-                  </a:ext>
-                </a:extLst>
-              </p:cNvPr>
-              <p:cNvCxnSpPr/>
-              <p:nvPr/>
-            </p:nvCxnSpPr>
-            <p:spPr>
-              <a:xfrm>
-                <a:off x="9274844" y="2305486"/>
-                <a:ext cx="0" cy="514964"/>
-              </a:xfrm>
-              <a:prstGeom prst="line">
-                <a:avLst/>
-              </a:prstGeom>
-            </p:spPr>
-            <p:style>
-              <a:lnRef idx="3">
-                <a:schemeClr val="dk1"/>
-              </a:lnRef>
-              <a:fillRef idx="0">
-                <a:schemeClr val="dk1"/>
-              </a:fillRef>
-              <a:effectRef idx="2">
-                <a:schemeClr val="dk1"/>
-              </a:effectRef>
-              <a:fontRef idx="minor">
-                <a:schemeClr val="tx1"/>
-              </a:fontRef>
-            </p:style>
-          </p:cxnSp>
-          <p:cxnSp>
-            <p:nvCxnSpPr>
-              <p:cNvPr id="80" name="Straight Connector 79">
-                <a:extLst>
-                  <a:ext uri="{FF2B5EF4-FFF2-40B4-BE49-F238E27FC236}">
-                    <a16:creationId xmlns:a16="http://schemas.microsoft.com/office/drawing/2014/main" id="{398F7C18-8EA9-423B-811A-0101658A9833}"/>
-                  </a:ext>
-                </a:extLst>
-              </p:cNvPr>
-              <p:cNvCxnSpPr>
-                <a:cxnSpLocks/>
-              </p:cNvCxnSpPr>
-              <p:nvPr/>
-            </p:nvCxnSpPr>
-            <p:spPr>
-              <a:xfrm flipV="1">
-                <a:off x="9266734" y="2819592"/>
-                <a:ext cx="1568906" cy="858"/>
-              </a:xfrm>
-              <a:prstGeom prst="line">
-                <a:avLst/>
-              </a:prstGeom>
-            </p:spPr>
-            <p:style>
-              <a:lnRef idx="3">
-                <a:schemeClr val="dk1"/>
-              </a:lnRef>
-              <a:fillRef idx="0">
-                <a:schemeClr val="dk1"/>
-              </a:fillRef>
-              <a:effectRef idx="2">
-                <a:schemeClr val="dk1"/>
-              </a:effectRef>
-              <a:fontRef idx="minor">
-                <a:schemeClr val="tx1"/>
-              </a:fontRef>
-            </p:style>
-          </p:cxnSp>
-          <p:grpSp>
-            <p:nvGrpSpPr>
-              <p:cNvPr id="81" name="Group 80">
-                <a:extLst>
-                  <a:ext uri="{FF2B5EF4-FFF2-40B4-BE49-F238E27FC236}">
-                    <a16:creationId xmlns:a16="http://schemas.microsoft.com/office/drawing/2014/main" id="{0D645B44-B619-4DFA-A4DF-BE1D342C8BAF}"/>
-                  </a:ext>
-                </a:extLst>
-              </p:cNvPr>
-              <p:cNvGrpSpPr/>
-              <p:nvPr/>
-            </p:nvGrpSpPr>
-            <p:grpSpPr>
-              <a:xfrm>
-                <a:off x="9357375" y="2337832"/>
-                <a:ext cx="1459209" cy="482618"/>
-                <a:chOff x="9410700" y="2337829"/>
-                <a:chExt cx="1671251" cy="482618"/>
-              </a:xfrm>
-            </p:grpSpPr>
-            <p:sp>
-              <p:nvSpPr>
-                <p:cNvPr id="82" name="Rectangle 81">
-                  <a:extLst>
-                    <a:ext uri="{FF2B5EF4-FFF2-40B4-BE49-F238E27FC236}">
-                      <a16:creationId xmlns:a16="http://schemas.microsoft.com/office/drawing/2014/main" id="{A3FB7425-A3BB-4933-9BD2-EB167DAC450F}"/>
-                    </a:ext>
-                  </a:extLst>
-                </p:cNvPr>
-                <p:cNvSpPr/>
-                <p:nvPr/>
-              </p:nvSpPr>
-              <p:spPr>
-                <a:xfrm>
-                  <a:off x="9410700" y="2608799"/>
-                  <a:ext cx="150490" cy="211648"/>
-                </a:xfrm>
-                <a:prstGeom prst="rect">
-                  <a:avLst/>
-                </a:prstGeom>
-                <a:solidFill>
-                  <a:schemeClr val="bg2"/>
-                </a:solidFill>
-                <a:ln>
-                  <a:solidFill>
-                    <a:schemeClr val="tx1"/>
-                  </a:solidFill>
-                </a:ln>
-              </p:spPr>
-              <p:style>
-                <a:lnRef idx="2">
-                  <a:schemeClr val="accent1">
-                    <a:shade val="50000"/>
-                  </a:schemeClr>
-                </a:lnRef>
-                <a:fillRef idx="1">
-                  <a:schemeClr val="accent1"/>
-                </a:fillRef>
-                <a:effectRef idx="0">
-                  <a:schemeClr val="accent1"/>
-                </a:effectRef>
-                <a:fontRef idx="minor">
-                  <a:schemeClr val="lt1"/>
-                </a:fontRef>
-              </p:style>
-              <p:txBody>
-                <a:bodyPr rtlCol="0" anchor="ctr"/>
-                <a:lstStyle/>
-                <a:p>
-                  <a:pPr algn="ctr"/>
-                  <a:endParaRPr lang="en-GB" dirty="0"/>
-                </a:p>
-              </p:txBody>
-            </p:sp>
-            <p:sp>
-              <p:nvSpPr>
-                <p:cNvPr id="83" name="Rectangle 82">
-                  <a:extLst>
-                    <a:ext uri="{FF2B5EF4-FFF2-40B4-BE49-F238E27FC236}">
-                      <a16:creationId xmlns:a16="http://schemas.microsoft.com/office/drawing/2014/main" id="{3D3B7401-0F27-499B-9A29-849C9FCE0AF6}"/>
-                    </a:ext>
-                  </a:extLst>
-                </p:cNvPr>
-                <p:cNvSpPr/>
-                <p:nvPr/>
-              </p:nvSpPr>
-              <p:spPr>
-                <a:xfrm>
-                  <a:off x="9708371" y="2337829"/>
-                  <a:ext cx="150490" cy="482618"/>
-                </a:xfrm>
-                <a:prstGeom prst="rect">
-                  <a:avLst/>
-                </a:prstGeom>
-                <a:solidFill>
-                  <a:srgbClr val="C00000"/>
-                </a:solidFill>
-                <a:ln>
-                  <a:solidFill>
-                    <a:schemeClr val="tx1"/>
-                  </a:solidFill>
-                </a:ln>
-              </p:spPr>
-              <p:style>
-                <a:lnRef idx="2">
-                  <a:schemeClr val="accent1">
-                    <a:shade val="50000"/>
-                  </a:schemeClr>
-                </a:lnRef>
-                <a:fillRef idx="1">
-                  <a:schemeClr val="accent1"/>
-                </a:fillRef>
-                <a:effectRef idx="0">
-                  <a:schemeClr val="accent1"/>
-                </a:effectRef>
-                <a:fontRef idx="minor">
-                  <a:schemeClr val="lt1"/>
-                </a:fontRef>
-              </p:style>
-              <p:txBody>
-                <a:bodyPr rtlCol="0" anchor="ctr"/>
-                <a:lstStyle/>
-                <a:p>
-                  <a:pPr algn="ctr"/>
-                  <a:endParaRPr lang="en-GB" dirty="0"/>
-                </a:p>
-              </p:txBody>
-            </p:sp>
-            <p:sp>
-              <p:nvSpPr>
-                <p:cNvPr id="84" name="Rectangle 83">
-                  <a:extLst>
-                    <a:ext uri="{FF2B5EF4-FFF2-40B4-BE49-F238E27FC236}">
-                      <a16:creationId xmlns:a16="http://schemas.microsoft.com/office/drawing/2014/main" id="{B92F022E-8BC4-4D23-9CD9-AC5A109856FE}"/>
-                    </a:ext>
-                  </a:extLst>
-                </p:cNvPr>
-                <p:cNvSpPr/>
-                <p:nvPr/>
-              </p:nvSpPr>
-              <p:spPr>
-                <a:xfrm>
-                  <a:off x="10006042" y="2623181"/>
-                  <a:ext cx="150490" cy="196407"/>
-                </a:xfrm>
-                <a:prstGeom prst="rect">
-                  <a:avLst/>
-                </a:prstGeom>
-                <a:solidFill>
-                  <a:srgbClr val="FFC000"/>
-                </a:solidFill>
-                <a:ln>
-                  <a:solidFill>
-                    <a:schemeClr val="tx1"/>
-                  </a:solidFill>
-                </a:ln>
-              </p:spPr>
-              <p:style>
-                <a:lnRef idx="2">
-                  <a:schemeClr val="accent1">
-                    <a:shade val="50000"/>
-                  </a:schemeClr>
-                </a:lnRef>
-                <a:fillRef idx="1">
-                  <a:schemeClr val="accent1"/>
-                </a:fillRef>
-                <a:effectRef idx="0">
-                  <a:schemeClr val="accent1"/>
-                </a:effectRef>
-                <a:fontRef idx="minor">
-                  <a:schemeClr val="lt1"/>
-                </a:fontRef>
-              </p:style>
-              <p:txBody>
-                <a:bodyPr rtlCol="0" anchor="ctr"/>
-                <a:lstStyle/>
-                <a:p>
-                  <a:pPr algn="ctr"/>
-                  <a:endParaRPr lang="en-GB" dirty="0"/>
-                </a:p>
-              </p:txBody>
-            </p:sp>
-            <p:sp>
-              <p:nvSpPr>
-                <p:cNvPr id="85" name="Rectangle 84">
-                  <a:extLst>
-                    <a:ext uri="{FF2B5EF4-FFF2-40B4-BE49-F238E27FC236}">
-                      <a16:creationId xmlns:a16="http://schemas.microsoft.com/office/drawing/2014/main" id="{9759A219-0619-4D11-AB3D-9A4BAD152C76}"/>
-                    </a:ext>
-                  </a:extLst>
-                </p:cNvPr>
-                <p:cNvSpPr/>
-                <p:nvPr/>
-              </p:nvSpPr>
-              <p:spPr>
-                <a:xfrm>
-                  <a:off x="10326082" y="2577461"/>
-                  <a:ext cx="150490" cy="242127"/>
-                </a:xfrm>
-                <a:prstGeom prst="rect">
-                  <a:avLst/>
-                </a:prstGeom>
-                <a:solidFill>
-                  <a:srgbClr val="00B050"/>
-                </a:solidFill>
-                <a:ln>
-                  <a:solidFill>
-                    <a:schemeClr val="tx1"/>
-                  </a:solidFill>
-                </a:ln>
-              </p:spPr>
-              <p:style>
-                <a:lnRef idx="2">
-                  <a:schemeClr val="accent1">
-                    <a:shade val="50000"/>
-                  </a:schemeClr>
-                </a:lnRef>
-                <a:fillRef idx="1">
-                  <a:schemeClr val="accent1"/>
-                </a:fillRef>
-                <a:effectRef idx="0">
-                  <a:schemeClr val="accent1"/>
-                </a:effectRef>
-                <a:fontRef idx="minor">
-                  <a:schemeClr val="lt1"/>
-                </a:fontRef>
-              </p:style>
-              <p:txBody>
-                <a:bodyPr rtlCol="0" anchor="ctr"/>
-                <a:lstStyle/>
-                <a:p>
-                  <a:pPr algn="ctr"/>
-                  <a:endParaRPr lang="en-GB" dirty="0"/>
-                </a:p>
-              </p:txBody>
-            </p:sp>
-            <p:sp>
-              <p:nvSpPr>
-                <p:cNvPr id="86" name="Rectangle 85">
-                  <a:extLst>
-                    <a:ext uri="{FF2B5EF4-FFF2-40B4-BE49-F238E27FC236}">
-                      <a16:creationId xmlns:a16="http://schemas.microsoft.com/office/drawing/2014/main" id="{97B68B72-F5E1-460A-8F37-37B5C9C79662}"/>
-                    </a:ext>
-                  </a:extLst>
-                </p:cNvPr>
-                <p:cNvSpPr/>
-                <p:nvPr/>
-              </p:nvSpPr>
-              <p:spPr>
-                <a:xfrm>
-                  <a:off x="10646122" y="2503167"/>
-                  <a:ext cx="150490" cy="316422"/>
-                </a:xfrm>
-                <a:prstGeom prst="rect">
-                  <a:avLst/>
-                </a:prstGeom>
-                <a:solidFill>
-                  <a:srgbClr val="FFFF00"/>
-                </a:solidFill>
-                <a:ln>
-                  <a:solidFill>
-                    <a:schemeClr val="tx1"/>
-                  </a:solidFill>
-                </a:ln>
-              </p:spPr>
-              <p:style>
-                <a:lnRef idx="2">
-                  <a:schemeClr val="accent1">
-                    <a:shade val="50000"/>
-                  </a:schemeClr>
-                </a:lnRef>
-                <a:fillRef idx="1">
-                  <a:schemeClr val="accent1"/>
-                </a:fillRef>
-                <a:effectRef idx="0">
-                  <a:schemeClr val="accent1"/>
-                </a:effectRef>
-                <a:fontRef idx="minor">
-                  <a:schemeClr val="lt1"/>
-                </a:fontRef>
-              </p:style>
-              <p:txBody>
-                <a:bodyPr rtlCol="0" anchor="ctr"/>
-                <a:lstStyle/>
-                <a:p>
-                  <a:pPr algn="ctr"/>
-                  <a:endParaRPr lang="en-GB" dirty="0"/>
-                </a:p>
-              </p:txBody>
-            </p:sp>
-            <p:sp>
-              <p:nvSpPr>
-                <p:cNvPr id="87" name="Rectangle 86">
-                  <a:extLst>
-                    <a:ext uri="{FF2B5EF4-FFF2-40B4-BE49-F238E27FC236}">
-                      <a16:creationId xmlns:a16="http://schemas.microsoft.com/office/drawing/2014/main" id="{710307D7-957C-4ED0-AB8D-A38E4BA0BF85}"/>
-                    </a:ext>
-                  </a:extLst>
-                </p:cNvPr>
-                <p:cNvSpPr/>
-                <p:nvPr/>
-              </p:nvSpPr>
-              <p:spPr>
-                <a:xfrm>
-                  <a:off x="10931461" y="2733671"/>
-                  <a:ext cx="150490" cy="85917"/>
-                </a:xfrm>
-                <a:prstGeom prst="rect">
-                  <a:avLst/>
-                </a:prstGeom>
-                <a:solidFill>
-                  <a:srgbClr val="CEFF75"/>
-                </a:solidFill>
-                <a:ln>
-                  <a:solidFill>
-                    <a:schemeClr val="tx1"/>
-                  </a:solidFill>
-                </a:ln>
-              </p:spPr>
-              <p:style>
-                <a:lnRef idx="2">
-                  <a:schemeClr val="accent1">
-                    <a:shade val="50000"/>
-                  </a:schemeClr>
-                </a:lnRef>
-                <a:fillRef idx="1">
-                  <a:schemeClr val="accent1"/>
-                </a:fillRef>
-                <a:effectRef idx="0">
-                  <a:schemeClr val="accent1"/>
-                </a:effectRef>
-                <a:fontRef idx="minor">
-                  <a:schemeClr val="lt1"/>
-                </a:fontRef>
-              </p:style>
-              <p:txBody>
-                <a:bodyPr rtlCol="0" anchor="ctr"/>
-                <a:lstStyle/>
-                <a:p>
-                  <a:pPr algn="ctr"/>
-                  <a:endParaRPr lang="en-GB"/>
-                </a:p>
-              </p:txBody>
-            </p:sp>
-          </p:grpSp>
-        </p:grpSp>
       </p:grpSp>
       <p:sp>
         <p:nvSpPr>
-          <p:cNvPr id="107" name="Isosceles Triangle 106">
+          <p:cNvPr id="73" name="TextBox 72">
             <a:extLst>
               <a:ext uri="{FF2B5EF4-FFF2-40B4-BE49-F238E27FC236}">
-                <a16:creationId xmlns:a16="http://schemas.microsoft.com/office/drawing/2014/main" id="{4F123629-5654-4D41-BD20-4BB587B2C398}"/>
+                <a16:creationId xmlns:a16="http://schemas.microsoft.com/office/drawing/2014/main" id="{745A45E5-40A2-466E-B347-931030E5F129}"/>
               </a:ext>
             </a:extLst>
           </p:cNvPr>
-          <p:cNvSpPr/>
+          <p:cNvSpPr txBox="1"/>
           <p:nvPr/>
         </p:nvSpPr>
         <p:spPr>
-          <a:xfrm rot="16200000">
-            <a:off x="5009054" y="1262646"/>
-            <a:ext cx="178755" cy="185336"/>
+          <a:xfrm>
+            <a:off x="3119698" y="1655045"/>
+            <a:ext cx="2441359" cy="3416320"/>
           </a:xfrm>
-          <a:prstGeom prst="triangle">
+          <a:prstGeom prst="rect">
             <a:avLst/>
           </a:prstGeom>
-          <a:solidFill>
-            <a:schemeClr val="tx1"/>
-          </a:solidFill>
-          <a:ln>
-            <a:solidFill>
-              <a:schemeClr val="tx1"/>
-            </a:solidFill>
-          </a:ln>
+          <a:noFill/>
         </p:spPr>
-        <p:style>
-          <a:lnRef idx="2">
-            <a:schemeClr val="accent1">
-              <a:shade val="50000"/>
-            </a:schemeClr>
-          </a:lnRef>
-          <a:fillRef idx="1">
-            <a:schemeClr val="accent1"/>
-          </a:fillRef>
-          <a:effectRef idx="0">
-            <a:schemeClr val="accent1"/>
-          </a:effectRef>
-          <a:fontRef idx="minor">
-            <a:schemeClr val="lt1"/>
-          </a:fontRef>
-        </p:style>
         <p:txBody>
-          <a:bodyPr rtlCol="0" anchor="ctr"/>
+          <a:bodyPr wrap="square" rtlCol="0">
+            <a:spAutoFit/>
+          </a:bodyPr>
           <a:lstStyle/>
           <a:p>
-            <a:pPr algn="ctr"/>
-            <a:endParaRPr lang="en-GB" dirty="0"/>
+            <a:pPr marL="285750" indent="-285750">
+              <a:buFont typeface="Arial" panose="020B0604020202020204" pitchFamily="34" charset="0"/>
+              <a:buChar char="•"/>
+            </a:pPr>
+            <a:r>
+              <a:rPr lang="en-GB" dirty="0"/>
+              <a:t>This page shows the trend of moods over a selected time period</a:t>
+            </a:r>
+          </a:p>
+          <a:p>
+            <a:pPr marL="285750" indent="-285750">
+              <a:buFont typeface="Arial" panose="020B0604020202020204" pitchFamily="34" charset="0"/>
+              <a:buChar char="•"/>
+            </a:pPr>
+            <a:r>
+              <a:rPr lang="en-GB" dirty="0"/>
+              <a:t>The time period is selected using a drop down menu at the top</a:t>
+            </a:r>
+          </a:p>
+          <a:p>
+            <a:pPr marL="285750" indent="-285750">
+              <a:buFont typeface="Arial" panose="020B0604020202020204" pitchFamily="34" charset="0"/>
+              <a:buChar char="•"/>
+            </a:pPr>
+            <a:r>
+              <a:rPr lang="en-GB" dirty="0"/>
+              <a:t>Appropriate data is shown in a line graph and a table for further analysis</a:t>
+            </a:r>
           </a:p>
         </p:txBody>
       </p:sp>
       <p:sp>
         <p:nvSpPr>
-          <p:cNvPr id="108" name="Isosceles Triangle 107">
+          <p:cNvPr id="75" name="TextBox 74">
             <a:extLst>
               <a:ext uri="{FF2B5EF4-FFF2-40B4-BE49-F238E27FC236}">
-                <a16:creationId xmlns:a16="http://schemas.microsoft.com/office/drawing/2014/main" id="{E07B483C-05F3-4624-A7D0-E619E8B114B9}"/>
+                <a16:creationId xmlns:a16="http://schemas.microsoft.com/office/drawing/2014/main" id="{DB67D293-EC75-415C-9D94-49AF9BB38E55}"/>
               </a:ext>
             </a:extLst>
           </p:cNvPr>
-          <p:cNvSpPr/>
+          <p:cNvSpPr txBox="1"/>
           <p:nvPr/>
         </p:nvSpPr>
         <p:spPr>
-          <a:xfrm rot="16200000">
-            <a:off x="8166643" y="1242071"/>
-            <a:ext cx="178755" cy="185336"/>
+          <a:xfrm>
+            <a:off x="8490677" y="1720840"/>
+            <a:ext cx="2441359" cy="3416320"/>
           </a:xfrm>
-          <a:prstGeom prst="triangle">
+          <a:prstGeom prst="rect">
             <a:avLst/>
           </a:prstGeom>
-          <a:solidFill>
-            <a:schemeClr val="tx1"/>
-          </a:solidFill>
-          <a:ln>
-            <a:solidFill>
-              <a:schemeClr val="tx1"/>
-            </a:solidFill>
-          </a:ln>
+          <a:noFill/>
         </p:spPr>
-        <p:style>
-          <a:lnRef idx="2">
-            <a:schemeClr val="accent1">
-              <a:shade val="50000"/>
-            </a:schemeClr>
-          </a:lnRef>
-          <a:fillRef idx="1">
-            <a:schemeClr val="accent1"/>
-          </a:fillRef>
-          <a:effectRef idx="0">
-            <a:schemeClr val="accent1"/>
-          </a:effectRef>
-          <a:fontRef idx="minor">
-            <a:schemeClr val="lt1"/>
-          </a:fontRef>
-        </p:style>
         <p:txBody>
-          <a:bodyPr rtlCol="0" anchor="ctr"/>
+          <a:bodyPr wrap="square" rtlCol="0">
+            <a:spAutoFit/>
+          </a:bodyPr>
           <a:lstStyle/>
           <a:p>
-            <a:pPr algn="ctr"/>
-            <a:endParaRPr lang="en-GB" dirty="0"/>
+            <a:pPr marL="285750" indent="-285750">
+              <a:buFont typeface="Arial" panose="020B0604020202020204" pitchFamily="34" charset="0"/>
+              <a:buChar char="•"/>
+            </a:pPr>
+            <a:r>
+              <a:rPr lang="en-GB" dirty="0"/>
+              <a:t>This page shows the trend of moods over a selected time period</a:t>
+            </a:r>
+          </a:p>
+          <a:p>
+            <a:pPr marL="285750" indent="-285750">
+              <a:buFont typeface="Arial" panose="020B0604020202020204" pitchFamily="34" charset="0"/>
+              <a:buChar char="•"/>
+            </a:pPr>
+            <a:r>
+              <a:rPr lang="en-GB" dirty="0"/>
+              <a:t>The time period is selected using a drop down menu at the top</a:t>
+            </a:r>
+          </a:p>
+          <a:p>
+            <a:pPr marL="285750" indent="-285750">
+              <a:buFont typeface="Arial" panose="020B0604020202020204" pitchFamily="34" charset="0"/>
+              <a:buChar char="•"/>
+            </a:pPr>
+            <a:r>
+              <a:rPr lang="en-GB" dirty="0"/>
+              <a:t>Appropriate data is shown in a bar chart and a table for further analysis</a:t>
+            </a:r>
           </a:p>
         </p:txBody>
       </p:sp>
@@ -10659,7 +11278,7 @@
 </p:sld>
 </file>
 
-<file path=ppt/slides/slide4.xml><?xml version="1.0" encoding="utf-8"?>
+<file path=ppt/slides/slide5.xml><?xml version="1.0" encoding="utf-8"?>
 <p:sld xmlns:a="http://schemas.openxmlformats.org/drawingml/2006/main" xmlns:r="http://schemas.openxmlformats.org/officeDocument/2006/relationships" xmlns:p="http://schemas.openxmlformats.org/presentationml/2006/main">
   <p:cSld>
     <p:spTree>
@@ -10690,7 +11309,7 @@
         </p:nvGrpSpPr>
         <p:grpSpPr>
           <a:xfrm>
-            <a:off x="4033167" y="672267"/>
+            <a:off x="6330775" y="682952"/>
             <a:ext cx="2441359" cy="4571750"/>
             <a:chOff x="4033167" y="672267"/>
             <a:chExt cx="2441359" cy="4571750"/>
@@ -10919,601 +11538,6 @@
       </p:grpSp>
       <p:grpSp>
         <p:nvGrpSpPr>
-          <p:cNvPr id="97" name="Group 96">
-            <a:extLst>
-              <a:ext uri="{FF2B5EF4-FFF2-40B4-BE49-F238E27FC236}">
-                <a16:creationId xmlns:a16="http://schemas.microsoft.com/office/drawing/2014/main" id="{E06A23F2-F052-4588-BC4F-9C2E4E45C46D}"/>
-              </a:ext>
-            </a:extLst>
-          </p:cNvPr>
-          <p:cNvGrpSpPr/>
-          <p:nvPr/>
-        </p:nvGrpSpPr>
-        <p:grpSpPr>
-          <a:xfrm>
-            <a:off x="6895161" y="645419"/>
-            <a:ext cx="2441360" cy="4571750"/>
-            <a:chOff x="6895161" y="645419"/>
-            <a:chExt cx="2441360" cy="4571750"/>
-          </a:xfrm>
-        </p:grpSpPr>
-        <p:grpSp>
-          <p:nvGrpSpPr>
-            <p:cNvPr id="80" name="Group 79">
-              <a:extLst>
-                <a:ext uri="{FF2B5EF4-FFF2-40B4-BE49-F238E27FC236}">
-                  <a16:creationId xmlns:a16="http://schemas.microsoft.com/office/drawing/2014/main" id="{B964418E-E3CA-4EAF-870D-91557A1A0319}"/>
-                </a:ext>
-              </a:extLst>
-            </p:cNvPr>
-            <p:cNvGrpSpPr/>
-            <p:nvPr/>
-          </p:nvGrpSpPr>
-          <p:grpSpPr>
-            <a:xfrm>
-              <a:off x="6895162" y="645419"/>
-              <a:ext cx="2441359" cy="4571750"/>
-              <a:chOff x="4033167" y="672267"/>
-              <a:chExt cx="2441359" cy="4571750"/>
-            </a:xfrm>
-          </p:grpSpPr>
-          <p:sp>
-            <p:nvSpPr>
-              <p:cNvPr id="81" name="Rectangle: Rounded Corners 80">
-                <a:extLst>
-                  <a:ext uri="{FF2B5EF4-FFF2-40B4-BE49-F238E27FC236}">
-                    <a16:creationId xmlns:a16="http://schemas.microsoft.com/office/drawing/2014/main" id="{D9D1E265-51F6-47DD-A902-CA8D43AEEF6A}"/>
-                  </a:ext>
-                </a:extLst>
-              </p:cNvPr>
-              <p:cNvSpPr/>
-              <p:nvPr/>
-            </p:nvSpPr>
-            <p:spPr>
-              <a:xfrm>
-                <a:off x="4033167" y="672267"/>
-                <a:ext cx="2441359" cy="4571750"/>
-              </a:xfrm>
-              <a:prstGeom prst="roundRect">
-                <a:avLst/>
-              </a:prstGeom>
-              <a:solidFill>
-                <a:schemeClr val="bg1"/>
-              </a:solidFill>
-              <a:ln w="57150">
-                <a:solidFill>
-                  <a:schemeClr val="tx1"/>
-                </a:solidFill>
-              </a:ln>
-            </p:spPr>
-            <p:style>
-              <a:lnRef idx="2">
-                <a:schemeClr val="accent1">
-                  <a:shade val="50000"/>
-                </a:schemeClr>
-              </a:lnRef>
-              <a:fillRef idx="1">
-                <a:schemeClr val="accent1"/>
-              </a:fillRef>
-              <a:effectRef idx="0">
-                <a:schemeClr val="accent1"/>
-              </a:effectRef>
-              <a:fontRef idx="minor">
-                <a:schemeClr val="lt1"/>
-              </a:fontRef>
-            </p:style>
-            <p:txBody>
-              <a:bodyPr rtlCol="0" anchor="ctr"/>
-              <a:lstStyle/>
-              <a:p>
-                <a:pPr algn="ctr"/>
-                <a:endParaRPr lang="en-GB" dirty="0"/>
-              </a:p>
-            </p:txBody>
-          </p:sp>
-          <p:sp>
-            <p:nvSpPr>
-              <p:cNvPr id="82" name="TextBox 81">
-                <a:extLst>
-                  <a:ext uri="{FF2B5EF4-FFF2-40B4-BE49-F238E27FC236}">
-                    <a16:creationId xmlns:a16="http://schemas.microsoft.com/office/drawing/2014/main" id="{C7CBFCA6-28CE-4689-B869-037154B9C54D}"/>
-                  </a:ext>
-                </a:extLst>
-              </p:cNvPr>
-              <p:cNvSpPr txBox="1"/>
-              <p:nvPr/>
-            </p:nvSpPr>
-            <p:spPr>
-              <a:xfrm>
-                <a:off x="4832361" y="699115"/>
-                <a:ext cx="1066831" cy="369332"/>
-              </a:xfrm>
-              <a:prstGeom prst="rect">
-                <a:avLst/>
-              </a:prstGeom>
-              <a:noFill/>
-            </p:spPr>
-            <p:txBody>
-              <a:bodyPr wrap="none" rtlCol="0">
-                <a:spAutoFit/>
-              </a:bodyPr>
-              <a:lstStyle/>
-              <a:p>
-                <a:r>
-                  <a:rPr lang="en-GB" dirty="0"/>
-                  <a:t>Past Days</a:t>
-                </a:r>
-              </a:p>
-            </p:txBody>
-          </p:sp>
-          <p:cxnSp>
-            <p:nvCxnSpPr>
-              <p:cNvPr id="83" name="Straight Connector 82">
-                <a:extLst>
-                  <a:ext uri="{FF2B5EF4-FFF2-40B4-BE49-F238E27FC236}">
-                    <a16:creationId xmlns:a16="http://schemas.microsoft.com/office/drawing/2014/main" id="{4BC3D115-4381-4F5B-A125-357ED1DBFCC3}"/>
-                  </a:ext>
-                </a:extLst>
-              </p:cNvPr>
-              <p:cNvCxnSpPr/>
-              <p:nvPr/>
-            </p:nvCxnSpPr>
-            <p:spPr>
-              <a:xfrm>
-                <a:off x="4033167" y="1147417"/>
-                <a:ext cx="2441359" cy="0"/>
-              </a:xfrm>
-              <a:prstGeom prst="line">
-                <a:avLst/>
-              </a:prstGeom>
-            </p:spPr>
-            <p:style>
-              <a:lnRef idx="3">
-                <a:schemeClr val="dk1"/>
-              </a:lnRef>
-              <a:fillRef idx="0">
-                <a:schemeClr val="dk1"/>
-              </a:fillRef>
-              <a:effectRef idx="2">
-                <a:schemeClr val="dk1"/>
-              </a:effectRef>
-              <a:fontRef idx="minor">
-                <a:schemeClr val="tx1"/>
-              </a:fontRef>
-            </p:style>
-          </p:cxnSp>
-          <p:sp>
-            <p:nvSpPr>
-              <p:cNvPr id="85" name="Isosceles Triangle 84">
-                <a:extLst>
-                  <a:ext uri="{FF2B5EF4-FFF2-40B4-BE49-F238E27FC236}">
-                    <a16:creationId xmlns:a16="http://schemas.microsoft.com/office/drawing/2014/main" id="{5BD41254-41FC-4F1E-BCDE-41D52B43561B}"/>
-                  </a:ext>
-                </a:extLst>
-              </p:cNvPr>
-              <p:cNvSpPr/>
-              <p:nvPr/>
-            </p:nvSpPr>
-            <p:spPr>
-              <a:xfrm rot="16200000">
-                <a:off x="4229679" y="800615"/>
-                <a:ext cx="178755" cy="185336"/>
-              </a:xfrm>
-              <a:prstGeom prst="triangle">
-                <a:avLst/>
-              </a:prstGeom>
-              <a:solidFill>
-                <a:schemeClr val="tx1"/>
-              </a:solidFill>
-              <a:ln>
-                <a:solidFill>
-                  <a:schemeClr val="tx1"/>
-                </a:solidFill>
-              </a:ln>
-            </p:spPr>
-            <p:style>
-              <a:lnRef idx="2">
-                <a:schemeClr val="accent1">
-                  <a:shade val="50000"/>
-                </a:schemeClr>
-              </a:lnRef>
-              <a:fillRef idx="1">
-                <a:schemeClr val="accent1"/>
-              </a:fillRef>
-              <a:effectRef idx="0">
-                <a:schemeClr val="accent1"/>
-              </a:effectRef>
-              <a:fontRef idx="minor">
-                <a:schemeClr val="lt1"/>
-              </a:fontRef>
-            </p:style>
-            <p:txBody>
-              <a:bodyPr rtlCol="0" anchor="ctr"/>
-              <a:lstStyle/>
-              <a:p>
-                <a:pPr algn="ctr"/>
-                <a:endParaRPr lang="en-GB" dirty="0"/>
-              </a:p>
-            </p:txBody>
-          </p:sp>
-        </p:grpSp>
-        <p:sp>
-          <p:nvSpPr>
-            <p:cNvPr id="86" name="TextBox 85">
-              <a:extLst>
-                <a:ext uri="{FF2B5EF4-FFF2-40B4-BE49-F238E27FC236}">
-                  <a16:creationId xmlns:a16="http://schemas.microsoft.com/office/drawing/2014/main" id="{2878F2DB-4890-4B99-B81F-0E0CAF449B6D}"/>
-                </a:ext>
-              </a:extLst>
-            </p:cNvPr>
-            <p:cNvSpPr txBox="1"/>
-            <p:nvPr/>
-          </p:nvSpPr>
-          <p:spPr>
-            <a:xfrm>
-              <a:off x="7087825" y="1375690"/>
-              <a:ext cx="1091966" cy="261610"/>
-            </a:xfrm>
-            <a:prstGeom prst="rect">
-              <a:avLst/>
-            </a:prstGeom>
-            <a:noFill/>
-          </p:spPr>
-          <p:txBody>
-            <a:bodyPr wrap="none" rtlCol="0">
-              <a:spAutoFit/>
-            </a:bodyPr>
-            <a:lstStyle/>
-            <a:p>
-              <a:r>
-                <a:rPr lang="en-GB" sz="1100" dirty="0"/>
-                <a:t>This Days Mood</a:t>
-              </a:r>
-            </a:p>
-          </p:txBody>
-        </p:sp>
-        <p:cxnSp>
-          <p:nvCxnSpPr>
-            <p:cNvPr id="87" name="Straight Connector 86">
-              <a:extLst>
-                <a:ext uri="{FF2B5EF4-FFF2-40B4-BE49-F238E27FC236}">
-                  <a16:creationId xmlns:a16="http://schemas.microsoft.com/office/drawing/2014/main" id="{4087F39B-5BD1-41FC-8566-948F0B7451B2}"/>
-                </a:ext>
-              </a:extLst>
-            </p:cNvPr>
-            <p:cNvCxnSpPr/>
-            <p:nvPr/>
-          </p:nvCxnSpPr>
-          <p:spPr>
-            <a:xfrm>
-              <a:off x="6895161" y="1666175"/>
-              <a:ext cx="2441359" cy="0"/>
-            </a:xfrm>
-            <a:prstGeom prst="line">
-              <a:avLst/>
-            </a:prstGeom>
-          </p:spPr>
-          <p:style>
-            <a:lnRef idx="3">
-              <a:schemeClr val="dk1"/>
-            </a:lnRef>
-            <a:fillRef idx="0">
-              <a:schemeClr val="dk1"/>
-            </a:fillRef>
-            <a:effectRef idx="2">
-              <a:schemeClr val="dk1"/>
-            </a:effectRef>
-            <a:fontRef idx="minor">
-              <a:schemeClr val="tx1"/>
-            </a:fontRef>
-          </p:style>
-        </p:cxnSp>
-        <p:pic>
-          <p:nvPicPr>
-            <p:cNvPr id="88" name="Picture 87" descr="Shape, circle&#10;&#10;Description automatically generated">
-              <a:extLst>
-                <a:ext uri="{FF2B5EF4-FFF2-40B4-BE49-F238E27FC236}">
-                  <a16:creationId xmlns:a16="http://schemas.microsoft.com/office/drawing/2014/main" id="{1AADD1EB-37B4-4CBE-A972-48A4761C2AF1}"/>
-                </a:ext>
-              </a:extLst>
-            </p:cNvPr>
-            <p:cNvPicPr>
-              <a:picLocks noChangeAspect="1"/>
-            </p:cNvPicPr>
-            <p:nvPr/>
-          </p:nvPicPr>
-          <p:blipFill rotWithShape="1">
-            <a:blip r:embed="rId2">
-              <a:extLst>
-                <a:ext uri="{28A0092B-C50C-407E-A947-70E740481C1C}">
-                  <a14:useLocalDpi xmlns:a14="http://schemas.microsoft.com/office/drawing/2010/main" val="0"/>
-                </a:ext>
-              </a:extLst>
-            </a:blip>
-            <a:srcRect l="41818" t="25988" r="41255" b="50000"/>
-            <a:stretch/>
-          </p:blipFill>
-          <p:spPr>
-            <a:xfrm>
-              <a:off x="8393600" y="1392705"/>
-              <a:ext cx="206827" cy="243211"/>
-            </a:xfrm>
-            <a:prstGeom prst="rect">
-              <a:avLst/>
-            </a:prstGeom>
-          </p:spPr>
-        </p:pic>
-        <p:cxnSp>
-          <p:nvCxnSpPr>
-            <p:cNvPr id="90" name="Straight Connector 89">
-              <a:extLst>
-                <a:ext uri="{FF2B5EF4-FFF2-40B4-BE49-F238E27FC236}">
-                  <a16:creationId xmlns:a16="http://schemas.microsoft.com/office/drawing/2014/main" id="{31D97AB6-51AB-4311-9ED5-5B0B245B1605}"/>
-                </a:ext>
-              </a:extLst>
-            </p:cNvPr>
-            <p:cNvCxnSpPr/>
-            <p:nvPr/>
-          </p:nvCxnSpPr>
-          <p:spPr>
-            <a:xfrm>
-              <a:off x="6895161" y="1384890"/>
-              <a:ext cx="2441359" cy="0"/>
-            </a:xfrm>
-            <a:prstGeom prst="line">
-              <a:avLst/>
-            </a:prstGeom>
-          </p:spPr>
-          <p:style>
-            <a:lnRef idx="3">
-              <a:schemeClr val="dk1"/>
-            </a:lnRef>
-            <a:fillRef idx="0">
-              <a:schemeClr val="dk1"/>
-            </a:fillRef>
-            <a:effectRef idx="2">
-              <a:schemeClr val="dk1"/>
-            </a:effectRef>
-            <a:fontRef idx="minor">
-              <a:schemeClr val="tx1"/>
-            </a:fontRef>
-          </p:style>
-        </p:cxnSp>
-        <p:sp>
-          <p:nvSpPr>
-            <p:cNvPr id="91" name="Rectangle 90">
-              <a:extLst>
-                <a:ext uri="{FF2B5EF4-FFF2-40B4-BE49-F238E27FC236}">
-                  <a16:creationId xmlns:a16="http://schemas.microsoft.com/office/drawing/2014/main" id="{2B1E79F7-8BB1-446B-9EFC-F4A5DFC8F0F8}"/>
-                </a:ext>
-              </a:extLst>
-            </p:cNvPr>
-            <p:cNvSpPr/>
-            <p:nvPr/>
-          </p:nvSpPr>
-          <p:spPr>
-            <a:xfrm>
-              <a:off x="7087825" y="1153050"/>
-              <a:ext cx="2050043" cy="209396"/>
-            </a:xfrm>
-            <a:prstGeom prst="rect">
-              <a:avLst/>
-            </a:prstGeom>
-            <a:solidFill>
-              <a:schemeClr val="bg1"/>
-            </a:solidFill>
-            <a:ln>
-              <a:solidFill>
-                <a:schemeClr val="tx1"/>
-              </a:solidFill>
-            </a:ln>
-          </p:spPr>
-          <p:style>
-            <a:lnRef idx="2">
-              <a:schemeClr val="accent1">
-                <a:shade val="50000"/>
-              </a:schemeClr>
-            </a:lnRef>
-            <a:fillRef idx="1">
-              <a:schemeClr val="accent1"/>
-            </a:fillRef>
-            <a:effectRef idx="0">
-              <a:schemeClr val="accent1"/>
-            </a:effectRef>
-            <a:fontRef idx="minor">
-              <a:schemeClr val="lt1"/>
-            </a:fontRef>
-          </p:style>
-          <p:txBody>
-            <a:bodyPr rtlCol="0" anchor="ctr"/>
-            <a:lstStyle/>
-            <a:p>
-              <a:pPr algn="ctr"/>
-              <a:endParaRPr lang="en-GB" dirty="0"/>
-            </a:p>
-          </p:txBody>
-        </p:sp>
-        <p:sp>
-          <p:nvSpPr>
-            <p:cNvPr id="92" name="TextBox 91">
-              <a:extLst>
-                <a:ext uri="{FF2B5EF4-FFF2-40B4-BE49-F238E27FC236}">
-                  <a16:creationId xmlns:a16="http://schemas.microsoft.com/office/drawing/2014/main" id="{89FF740A-80F0-4534-ABF7-12BCC9F83A69}"/>
-                </a:ext>
-              </a:extLst>
-            </p:cNvPr>
-            <p:cNvSpPr txBox="1"/>
-            <p:nvPr/>
-          </p:nvSpPr>
-          <p:spPr>
-            <a:xfrm>
-              <a:off x="7087825" y="1125874"/>
-              <a:ext cx="444352" cy="253916"/>
-            </a:xfrm>
-            <a:prstGeom prst="rect">
-              <a:avLst/>
-            </a:prstGeom>
-            <a:noFill/>
-          </p:spPr>
-          <p:txBody>
-            <a:bodyPr wrap="none" rtlCol="0">
-              <a:spAutoFit/>
-            </a:bodyPr>
-            <a:lstStyle/>
-            <a:p>
-              <a:r>
-                <a:rPr lang="en-GB" sz="1050" dirty="0"/>
-                <a:t>Date</a:t>
-              </a:r>
-            </a:p>
-          </p:txBody>
-        </p:sp>
-        <p:cxnSp>
-          <p:nvCxnSpPr>
-            <p:cNvPr id="93" name="Straight Connector 92">
-              <a:extLst>
-                <a:ext uri="{FF2B5EF4-FFF2-40B4-BE49-F238E27FC236}">
-                  <a16:creationId xmlns:a16="http://schemas.microsoft.com/office/drawing/2014/main" id="{318E45EB-4CBA-4CEB-8CEB-CFE143890785}"/>
-                </a:ext>
-              </a:extLst>
-            </p:cNvPr>
-            <p:cNvCxnSpPr/>
-            <p:nvPr/>
-          </p:nvCxnSpPr>
-          <p:spPr>
-            <a:xfrm>
-              <a:off x="8763817" y="1156093"/>
-              <a:ext cx="0" cy="206353"/>
-            </a:xfrm>
-            <a:prstGeom prst="line">
-              <a:avLst/>
-            </a:prstGeom>
-          </p:spPr>
-          <p:style>
-            <a:lnRef idx="3">
-              <a:schemeClr val="dk1"/>
-            </a:lnRef>
-            <a:fillRef idx="0">
-              <a:schemeClr val="dk1"/>
-            </a:fillRef>
-            <a:effectRef idx="2">
-              <a:schemeClr val="dk1"/>
-            </a:effectRef>
-            <a:fontRef idx="minor">
-              <a:schemeClr val="tx1"/>
-            </a:fontRef>
-          </p:style>
-        </p:cxnSp>
-        <p:sp>
-          <p:nvSpPr>
-            <p:cNvPr id="94" name="Isosceles Triangle 93">
-              <a:extLst>
-                <a:ext uri="{FF2B5EF4-FFF2-40B4-BE49-F238E27FC236}">
-                  <a16:creationId xmlns:a16="http://schemas.microsoft.com/office/drawing/2014/main" id="{B4525DF6-B059-4801-A453-7E3DBAC84948}"/>
-                </a:ext>
-              </a:extLst>
-            </p:cNvPr>
-            <p:cNvSpPr/>
-            <p:nvPr/>
-          </p:nvSpPr>
-          <p:spPr>
-            <a:xfrm rot="10800000">
-              <a:off x="8911864" y="1216265"/>
-              <a:ext cx="77958" cy="80828"/>
-            </a:xfrm>
-            <a:prstGeom prst="triangle">
-              <a:avLst/>
-            </a:prstGeom>
-            <a:solidFill>
-              <a:schemeClr val="tx1"/>
-            </a:solidFill>
-            <a:ln>
-              <a:solidFill>
-                <a:schemeClr val="tx1"/>
-              </a:solidFill>
-            </a:ln>
-          </p:spPr>
-          <p:style>
-            <a:lnRef idx="2">
-              <a:schemeClr val="accent1">
-                <a:shade val="50000"/>
-              </a:schemeClr>
-            </a:lnRef>
-            <a:fillRef idx="1">
-              <a:schemeClr val="accent1"/>
-            </a:fillRef>
-            <a:effectRef idx="0">
-              <a:schemeClr val="accent1"/>
-            </a:effectRef>
-            <a:fontRef idx="minor">
-              <a:schemeClr val="lt1"/>
-            </a:fontRef>
-          </p:style>
-          <p:txBody>
-            <a:bodyPr rtlCol="0" anchor="ctr"/>
-            <a:lstStyle/>
-            <a:p>
-              <a:pPr algn="ctr"/>
-              <a:endParaRPr lang="en-GB" dirty="0"/>
-            </a:p>
-          </p:txBody>
-        </p:sp>
-        <p:sp>
-          <p:nvSpPr>
-            <p:cNvPr id="96" name="TextBox 95">
-              <a:extLst>
-                <a:ext uri="{FF2B5EF4-FFF2-40B4-BE49-F238E27FC236}">
-                  <a16:creationId xmlns:a16="http://schemas.microsoft.com/office/drawing/2014/main" id="{BEEB7666-D93D-4566-AE1F-7561D6411F84}"/>
-                </a:ext>
-              </a:extLst>
-            </p:cNvPr>
-            <p:cNvSpPr txBox="1"/>
-            <p:nvPr/>
-          </p:nvSpPr>
-          <p:spPr>
-            <a:xfrm>
-              <a:off x="6948975" y="1696618"/>
-              <a:ext cx="2304439" cy="584775"/>
-            </a:xfrm>
-            <a:prstGeom prst="rect">
-              <a:avLst/>
-            </a:prstGeom>
-            <a:noFill/>
-          </p:spPr>
-          <p:txBody>
-            <a:bodyPr wrap="square" rtlCol="0">
-              <a:spAutoFit/>
-            </a:bodyPr>
-            <a:lstStyle/>
-            <a:p>
-              <a:r>
-                <a:rPr lang="en-GB" sz="1600" dirty="0">
-                  <a:solidFill>
-                    <a:schemeClr val="bg2">
-                      <a:lumMod val="50000"/>
-                    </a:schemeClr>
-                  </a:solidFill>
-                </a:rPr>
-                <a:t>The Days Notes Displayed</a:t>
-              </a:r>
-            </a:p>
-            <a:p>
-              <a:r>
-                <a:rPr lang="en-GB" sz="1600" dirty="0">
-                  <a:solidFill>
-                    <a:schemeClr val="bg2">
-                      <a:lumMod val="50000"/>
-                    </a:schemeClr>
-                  </a:solidFill>
-                </a:rPr>
-                <a:t>Here</a:t>
-              </a:r>
-            </a:p>
-          </p:txBody>
-        </p:sp>
-      </p:grpSp>
-      <p:grpSp>
-        <p:nvGrpSpPr>
           <p:cNvPr id="99" name="Group 98">
             <a:extLst>
               <a:ext uri="{FF2B5EF4-FFF2-40B4-BE49-F238E27FC236}">
@@ -11656,7 +11680,7 @@
               <p:nvPr/>
             </p:nvPicPr>
             <p:blipFill>
-              <a:blip r:embed="rId3"/>
+              <a:blip r:embed="rId2"/>
               <a:stretch>
                 <a:fillRect/>
               </a:stretch>
@@ -11929,15 +11953,827 @@
           </p:xfrm>
           <a:graphic>
             <a:graphicData uri="http://schemas.openxmlformats.org/drawingml/2006/chart">
-              <c:chart xmlns:c="http://schemas.openxmlformats.org/drawingml/2006/chart" xmlns:r="http://schemas.openxmlformats.org/officeDocument/2006/relationships" r:id="rId4"/>
+              <c:chart xmlns:c="http://schemas.openxmlformats.org/drawingml/2006/chart" xmlns:r="http://schemas.openxmlformats.org/officeDocument/2006/relationships" r:id="rId3"/>
             </a:graphicData>
           </a:graphic>
         </p:graphicFrame>
       </p:grpSp>
+      <p:sp>
+        <p:nvSpPr>
+          <p:cNvPr id="34" name="TextBox 33">
+            <a:extLst>
+              <a:ext uri="{FF2B5EF4-FFF2-40B4-BE49-F238E27FC236}">
+                <a16:creationId xmlns:a16="http://schemas.microsoft.com/office/drawing/2014/main" id="{12FDA990-D2D6-46A1-B295-28F3BB575537}"/>
+              </a:ext>
+            </a:extLst>
+          </p:cNvPr>
+          <p:cNvSpPr txBox="1"/>
+          <p:nvPr/>
+        </p:nvSpPr>
+        <p:spPr>
+          <a:xfrm>
+            <a:off x="3472569" y="1147417"/>
+            <a:ext cx="2441359" cy="3416320"/>
+          </a:xfrm>
+          <a:prstGeom prst="rect">
+            <a:avLst/>
+          </a:prstGeom>
+          <a:noFill/>
+        </p:spPr>
+        <p:txBody>
+          <a:bodyPr wrap="square" rtlCol="0">
+            <a:spAutoFit/>
+          </a:bodyPr>
+          <a:lstStyle/>
+          <a:p>
+            <a:pPr marL="285750" indent="-285750">
+              <a:buFont typeface="Arial" panose="020B0604020202020204" pitchFamily="34" charset="0"/>
+              <a:buChar char="•"/>
+            </a:pPr>
+            <a:r>
+              <a:rPr lang="en-GB" dirty="0"/>
+              <a:t>This page shows the trend of moods over a selected time period</a:t>
+            </a:r>
+          </a:p>
+          <a:p>
+            <a:pPr marL="285750" indent="-285750">
+              <a:buFont typeface="Arial" panose="020B0604020202020204" pitchFamily="34" charset="0"/>
+              <a:buChar char="•"/>
+            </a:pPr>
+            <a:r>
+              <a:rPr lang="en-GB" dirty="0"/>
+              <a:t>The time period is selected using a drop down menu at the top</a:t>
+            </a:r>
+          </a:p>
+          <a:p>
+            <a:pPr marL="285750" indent="-285750">
+              <a:buFont typeface="Arial" panose="020B0604020202020204" pitchFamily="34" charset="0"/>
+              <a:buChar char="•"/>
+            </a:pPr>
+            <a:r>
+              <a:rPr lang="en-GB" dirty="0"/>
+              <a:t>Appropriate data is shown in a pie chart and a table for further analysis</a:t>
+            </a:r>
+          </a:p>
+        </p:txBody>
+      </p:sp>
+      <p:sp>
+        <p:nvSpPr>
+          <p:cNvPr id="36" name="TextBox 35">
+            <a:extLst>
+              <a:ext uri="{FF2B5EF4-FFF2-40B4-BE49-F238E27FC236}">
+                <a16:creationId xmlns:a16="http://schemas.microsoft.com/office/drawing/2014/main" id="{ADDA0A20-78E8-49FD-ABDE-EF50B8A801FC}"/>
+              </a:ext>
+            </a:extLst>
+          </p:cNvPr>
+          <p:cNvSpPr txBox="1"/>
+          <p:nvPr/>
+        </p:nvSpPr>
+        <p:spPr>
+          <a:xfrm>
+            <a:off x="8824835" y="1562915"/>
+            <a:ext cx="2441359" cy="2585323"/>
+          </a:xfrm>
+          <a:prstGeom prst="rect">
+            <a:avLst/>
+          </a:prstGeom>
+          <a:noFill/>
+        </p:spPr>
+        <p:txBody>
+          <a:bodyPr wrap="square" rtlCol="0">
+            <a:spAutoFit/>
+          </a:bodyPr>
+          <a:lstStyle/>
+          <a:p>
+            <a:pPr marL="285750" indent="-285750">
+              <a:buFont typeface="Arial" panose="020B0604020202020204" pitchFamily="34" charset="0"/>
+              <a:buChar char="•"/>
+            </a:pPr>
+            <a:r>
+              <a:rPr lang="en-GB" dirty="0"/>
+              <a:t>This page is where the user can add notes to each day</a:t>
+            </a:r>
+          </a:p>
+          <a:p>
+            <a:pPr marL="285750" indent="-285750">
+              <a:buFont typeface="Arial" panose="020B0604020202020204" pitchFamily="34" charset="0"/>
+              <a:buChar char="•"/>
+            </a:pPr>
+            <a:r>
+              <a:rPr lang="en-GB" dirty="0"/>
+              <a:t>Specifically what affected their mood etc.</a:t>
+            </a:r>
+          </a:p>
+          <a:p>
+            <a:pPr marL="285750" indent="-285750">
+              <a:buFont typeface="Arial" panose="020B0604020202020204" pitchFamily="34" charset="0"/>
+              <a:buChar char="•"/>
+            </a:pPr>
+            <a:r>
+              <a:rPr lang="en-GB" dirty="0"/>
+              <a:t>This can be updated at any time during the day of writing</a:t>
+            </a:r>
+          </a:p>
+        </p:txBody>
+      </p:sp>
     </p:spTree>
     <p:extLst>
       <p:ext uri="{BB962C8B-B14F-4D97-AF65-F5344CB8AC3E}">
         <p14:creationId xmlns:p14="http://schemas.microsoft.com/office/powerpoint/2010/main" val="2379701895"/>
+      </p:ext>
+    </p:extLst>
+  </p:cSld>
+  <p:clrMapOvr>
+    <a:masterClrMapping/>
+  </p:clrMapOvr>
+</p:sld>
+</file>
+
+<file path=ppt/slides/slide6.xml><?xml version="1.0" encoding="utf-8"?>
+<p:sld xmlns:a="http://schemas.openxmlformats.org/drawingml/2006/main" xmlns:r="http://schemas.openxmlformats.org/officeDocument/2006/relationships" xmlns:p="http://schemas.openxmlformats.org/presentationml/2006/main">
+  <p:cSld>
+    <p:spTree>
+      <p:nvGrpSpPr>
+        <p:cNvPr id="1" name=""/>
+        <p:cNvGrpSpPr/>
+        <p:nvPr/>
+      </p:nvGrpSpPr>
+      <p:grpSpPr>
+        <a:xfrm>
+          <a:off x="0" y="0"/>
+          <a:ext cx="0" cy="0"/>
+          <a:chOff x="0" y="0"/>
+          <a:chExt cx="0" cy="0"/>
+        </a:xfrm>
+      </p:grpSpPr>
+      <p:grpSp>
+        <p:nvGrpSpPr>
+          <p:cNvPr id="4" name="Group 3">
+            <a:extLst>
+              <a:ext uri="{FF2B5EF4-FFF2-40B4-BE49-F238E27FC236}">
+                <a16:creationId xmlns:a16="http://schemas.microsoft.com/office/drawing/2014/main" id="{C0DBA448-B59D-472E-82B0-728759DCA648}"/>
+              </a:ext>
+            </a:extLst>
+          </p:cNvPr>
+          <p:cNvGrpSpPr/>
+          <p:nvPr/>
+        </p:nvGrpSpPr>
+        <p:grpSpPr>
+          <a:xfrm>
+            <a:off x="746031" y="1009507"/>
+            <a:ext cx="2441360" cy="4571750"/>
+            <a:chOff x="6895161" y="645419"/>
+            <a:chExt cx="2441360" cy="4571750"/>
+          </a:xfrm>
+        </p:grpSpPr>
+        <p:grpSp>
+          <p:nvGrpSpPr>
+            <p:cNvPr id="5" name="Group 4">
+              <a:extLst>
+                <a:ext uri="{FF2B5EF4-FFF2-40B4-BE49-F238E27FC236}">
+                  <a16:creationId xmlns:a16="http://schemas.microsoft.com/office/drawing/2014/main" id="{C4EF7FDC-4BCF-4BFB-BB58-C6FC028F1D4D}"/>
+                </a:ext>
+              </a:extLst>
+            </p:cNvPr>
+            <p:cNvGrpSpPr/>
+            <p:nvPr/>
+          </p:nvGrpSpPr>
+          <p:grpSpPr>
+            <a:xfrm>
+              <a:off x="6895162" y="645419"/>
+              <a:ext cx="2441359" cy="4571750"/>
+              <a:chOff x="4033167" y="672267"/>
+              <a:chExt cx="2441359" cy="4571750"/>
+            </a:xfrm>
+          </p:grpSpPr>
+          <p:sp>
+            <p:nvSpPr>
+              <p:cNvPr id="15" name="Rectangle: Rounded Corners 14">
+                <a:extLst>
+                  <a:ext uri="{FF2B5EF4-FFF2-40B4-BE49-F238E27FC236}">
+                    <a16:creationId xmlns:a16="http://schemas.microsoft.com/office/drawing/2014/main" id="{0F96FCDA-DDB2-474B-A50F-40253753A50A}"/>
+                  </a:ext>
+                </a:extLst>
+              </p:cNvPr>
+              <p:cNvSpPr/>
+              <p:nvPr/>
+            </p:nvSpPr>
+            <p:spPr>
+              <a:xfrm>
+                <a:off x="4033167" y="672267"/>
+                <a:ext cx="2441359" cy="4571750"/>
+              </a:xfrm>
+              <a:prstGeom prst="roundRect">
+                <a:avLst/>
+              </a:prstGeom>
+              <a:solidFill>
+                <a:schemeClr val="bg1"/>
+              </a:solidFill>
+              <a:ln w="57150">
+                <a:solidFill>
+                  <a:schemeClr val="tx1"/>
+                </a:solidFill>
+              </a:ln>
+            </p:spPr>
+            <p:style>
+              <a:lnRef idx="2">
+                <a:schemeClr val="accent1">
+                  <a:shade val="50000"/>
+                </a:schemeClr>
+              </a:lnRef>
+              <a:fillRef idx="1">
+                <a:schemeClr val="accent1"/>
+              </a:fillRef>
+              <a:effectRef idx="0">
+                <a:schemeClr val="accent1"/>
+              </a:effectRef>
+              <a:fontRef idx="minor">
+                <a:schemeClr val="lt1"/>
+              </a:fontRef>
+            </p:style>
+            <p:txBody>
+              <a:bodyPr rtlCol="0" anchor="ctr"/>
+              <a:lstStyle/>
+              <a:p>
+                <a:pPr algn="ctr"/>
+                <a:endParaRPr lang="en-GB" dirty="0"/>
+              </a:p>
+            </p:txBody>
+          </p:sp>
+          <p:sp>
+            <p:nvSpPr>
+              <p:cNvPr id="16" name="TextBox 15">
+                <a:extLst>
+                  <a:ext uri="{FF2B5EF4-FFF2-40B4-BE49-F238E27FC236}">
+                    <a16:creationId xmlns:a16="http://schemas.microsoft.com/office/drawing/2014/main" id="{1AC2F3A2-CD37-4680-B992-92BFCAA271ED}"/>
+                  </a:ext>
+                </a:extLst>
+              </p:cNvPr>
+              <p:cNvSpPr txBox="1"/>
+              <p:nvPr/>
+            </p:nvSpPr>
+            <p:spPr>
+              <a:xfrm>
+                <a:off x="4832361" y="699115"/>
+                <a:ext cx="1066831" cy="369332"/>
+              </a:xfrm>
+              <a:prstGeom prst="rect">
+                <a:avLst/>
+              </a:prstGeom>
+              <a:noFill/>
+            </p:spPr>
+            <p:txBody>
+              <a:bodyPr wrap="none" rtlCol="0">
+                <a:spAutoFit/>
+              </a:bodyPr>
+              <a:lstStyle/>
+              <a:p>
+                <a:r>
+                  <a:rPr lang="en-GB" dirty="0"/>
+                  <a:t>Past Days</a:t>
+                </a:r>
+              </a:p>
+            </p:txBody>
+          </p:sp>
+          <p:cxnSp>
+            <p:nvCxnSpPr>
+              <p:cNvPr id="17" name="Straight Connector 16">
+                <a:extLst>
+                  <a:ext uri="{FF2B5EF4-FFF2-40B4-BE49-F238E27FC236}">
+                    <a16:creationId xmlns:a16="http://schemas.microsoft.com/office/drawing/2014/main" id="{6AF381E6-388F-46B7-84CB-7C487F72F8D1}"/>
+                  </a:ext>
+                </a:extLst>
+              </p:cNvPr>
+              <p:cNvCxnSpPr/>
+              <p:nvPr/>
+            </p:nvCxnSpPr>
+            <p:spPr>
+              <a:xfrm>
+                <a:off x="4033167" y="1147417"/>
+                <a:ext cx="2441359" cy="0"/>
+              </a:xfrm>
+              <a:prstGeom prst="line">
+                <a:avLst/>
+              </a:prstGeom>
+            </p:spPr>
+            <p:style>
+              <a:lnRef idx="3">
+                <a:schemeClr val="dk1"/>
+              </a:lnRef>
+              <a:fillRef idx="0">
+                <a:schemeClr val="dk1"/>
+              </a:fillRef>
+              <a:effectRef idx="2">
+                <a:schemeClr val="dk1"/>
+              </a:effectRef>
+              <a:fontRef idx="minor">
+                <a:schemeClr val="tx1"/>
+              </a:fontRef>
+            </p:style>
+          </p:cxnSp>
+          <p:sp>
+            <p:nvSpPr>
+              <p:cNvPr id="18" name="Isosceles Triangle 17">
+                <a:extLst>
+                  <a:ext uri="{FF2B5EF4-FFF2-40B4-BE49-F238E27FC236}">
+                    <a16:creationId xmlns:a16="http://schemas.microsoft.com/office/drawing/2014/main" id="{78C56C97-E1F8-49EF-A650-F276098AF7AC}"/>
+                  </a:ext>
+                </a:extLst>
+              </p:cNvPr>
+              <p:cNvSpPr/>
+              <p:nvPr/>
+            </p:nvSpPr>
+            <p:spPr>
+              <a:xfrm rot="16200000">
+                <a:off x="4229679" y="800615"/>
+                <a:ext cx="178755" cy="185336"/>
+              </a:xfrm>
+              <a:prstGeom prst="triangle">
+                <a:avLst/>
+              </a:prstGeom>
+              <a:solidFill>
+                <a:schemeClr val="tx1"/>
+              </a:solidFill>
+              <a:ln>
+                <a:solidFill>
+                  <a:schemeClr val="tx1"/>
+                </a:solidFill>
+              </a:ln>
+            </p:spPr>
+            <p:style>
+              <a:lnRef idx="2">
+                <a:schemeClr val="accent1">
+                  <a:shade val="50000"/>
+                </a:schemeClr>
+              </a:lnRef>
+              <a:fillRef idx="1">
+                <a:schemeClr val="accent1"/>
+              </a:fillRef>
+              <a:effectRef idx="0">
+                <a:schemeClr val="accent1"/>
+              </a:effectRef>
+              <a:fontRef idx="minor">
+                <a:schemeClr val="lt1"/>
+              </a:fontRef>
+            </p:style>
+            <p:txBody>
+              <a:bodyPr rtlCol="0" anchor="ctr"/>
+              <a:lstStyle/>
+              <a:p>
+                <a:pPr algn="ctr"/>
+                <a:endParaRPr lang="en-GB" dirty="0"/>
+              </a:p>
+            </p:txBody>
+          </p:sp>
+        </p:grpSp>
+        <p:sp>
+          <p:nvSpPr>
+            <p:cNvPr id="6" name="TextBox 5">
+              <a:extLst>
+                <a:ext uri="{FF2B5EF4-FFF2-40B4-BE49-F238E27FC236}">
+                  <a16:creationId xmlns:a16="http://schemas.microsoft.com/office/drawing/2014/main" id="{4A7447C0-4049-4B99-B00D-9121A150B7A6}"/>
+                </a:ext>
+              </a:extLst>
+            </p:cNvPr>
+            <p:cNvSpPr txBox="1"/>
+            <p:nvPr/>
+          </p:nvSpPr>
+          <p:spPr>
+            <a:xfrm>
+              <a:off x="7087825" y="1375690"/>
+              <a:ext cx="1091966" cy="261610"/>
+            </a:xfrm>
+            <a:prstGeom prst="rect">
+              <a:avLst/>
+            </a:prstGeom>
+            <a:noFill/>
+          </p:spPr>
+          <p:txBody>
+            <a:bodyPr wrap="none" rtlCol="0">
+              <a:spAutoFit/>
+            </a:bodyPr>
+            <a:lstStyle/>
+            <a:p>
+              <a:r>
+                <a:rPr lang="en-GB" sz="1100" dirty="0"/>
+                <a:t>This Days Mood</a:t>
+              </a:r>
+            </a:p>
+          </p:txBody>
+        </p:sp>
+        <p:cxnSp>
+          <p:nvCxnSpPr>
+            <p:cNvPr id="7" name="Straight Connector 6">
+              <a:extLst>
+                <a:ext uri="{FF2B5EF4-FFF2-40B4-BE49-F238E27FC236}">
+                  <a16:creationId xmlns:a16="http://schemas.microsoft.com/office/drawing/2014/main" id="{2E680249-E95E-4635-B9C9-24D38A08B75E}"/>
+                </a:ext>
+              </a:extLst>
+            </p:cNvPr>
+            <p:cNvCxnSpPr/>
+            <p:nvPr/>
+          </p:nvCxnSpPr>
+          <p:spPr>
+            <a:xfrm>
+              <a:off x="6895161" y="1666175"/>
+              <a:ext cx="2441359" cy="0"/>
+            </a:xfrm>
+            <a:prstGeom prst="line">
+              <a:avLst/>
+            </a:prstGeom>
+          </p:spPr>
+          <p:style>
+            <a:lnRef idx="3">
+              <a:schemeClr val="dk1"/>
+            </a:lnRef>
+            <a:fillRef idx="0">
+              <a:schemeClr val="dk1"/>
+            </a:fillRef>
+            <a:effectRef idx="2">
+              <a:schemeClr val="dk1"/>
+            </a:effectRef>
+            <a:fontRef idx="minor">
+              <a:schemeClr val="tx1"/>
+            </a:fontRef>
+          </p:style>
+        </p:cxnSp>
+        <p:pic>
+          <p:nvPicPr>
+            <p:cNvPr id="8" name="Picture 7" descr="Shape, circle&#10;&#10;Description automatically generated">
+              <a:extLst>
+                <a:ext uri="{FF2B5EF4-FFF2-40B4-BE49-F238E27FC236}">
+                  <a16:creationId xmlns:a16="http://schemas.microsoft.com/office/drawing/2014/main" id="{E34C9214-9898-43F7-8704-F5D5ED8B8B38}"/>
+                </a:ext>
+              </a:extLst>
+            </p:cNvPr>
+            <p:cNvPicPr>
+              <a:picLocks noChangeAspect="1"/>
+            </p:cNvPicPr>
+            <p:nvPr/>
+          </p:nvPicPr>
+          <p:blipFill rotWithShape="1">
+            <a:blip r:embed="rId2">
+              <a:extLst>
+                <a:ext uri="{28A0092B-C50C-407E-A947-70E740481C1C}">
+                  <a14:useLocalDpi xmlns:a14="http://schemas.microsoft.com/office/drawing/2010/main" val="0"/>
+                </a:ext>
+              </a:extLst>
+            </a:blip>
+            <a:srcRect l="41818" t="25988" r="41255" b="50000"/>
+            <a:stretch/>
+          </p:blipFill>
+          <p:spPr>
+            <a:xfrm>
+              <a:off x="8393600" y="1392705"/>
+              <a:ext cx="206827" cy="243211"/>
+            </a:xfrm>
+            <a:prstGeom prst="rect">
+              <a:avLst/>
+            </a:prstGeom>
+          </p:spPr>
+        </p:pic>
+        <p:cxnSp>
+          <p:nvCxnSpPr>
+            <p:cNvPr id="9" name="Straight Connector 8">
+              <a:extLst>
+                <a:ext uri="{FF2B5EF4-FFF2-40B4-BE49-F238E27FC236}">
+                  <a16:creationId xmlns:a16="http://schemas.microsoft.com/office/drawing/2014/main" id="{126DF47D-0B7A-4540-934A-FA53548EFC22}"/>
+                </a:ext>
+              </a:extLst>
+            </p:cNvPr>
+            <p:cNvCxnSpPr/>
+            <p:nvPr/>
+          </p:nvCxnSpPr>
+          <p:spPr>
+            <a:xfrm>
+              <a:off x="6895161" y="1384890"/>
+              <a:ext cx="2441359" cy="0"/>
+            </a:xfrm>
+            <a:prstGeom prst="line">
+              <a:avLst/>
+            </a:prstGeom>
+          </p:spPr>
+          <p:style>
+            <a:lnRef idx="3">
+              <a:schemeClr val="dk1"/>
+            </a:lnRef>
+            <a:fillRef idx="0">
+              <a:schemeClr val="dk1"/>
+            </a:fillRef>
+            <a:effectRef idx="2">
+              <a:schemeClr val="dk1"/>
+            </a:effectRef>
+            <a:fontRef idx="minor">
+              <a:schemeClr val="tx1"/>
+            </a:fontRef>
+          </p:style>
+        </p:cxnSp>
+        <p:sp>
+          <p:nvSpPr>
+            <p:cNvPr id="10" name="Rectangle 9">
+              <a:extLst>
+                <a:ext uri="{FF2B5EF4-FFF2-40B4-BE49-F238E27FC236}">
+                  <a16:creationId xmlns:a16="http://schemas.microsoft.com/office/drawing/2014/main" id="{6473BECC-E79D-4AF8-8C2B-1FD6D407792E}"/>
+                </a:ext>
+              </a:extLst>
+            </p:cNvPr>
+            <p:cNvSpPr/>
+            <p:nvPr/>
+          </p:nvSpPr>
+          <p:spPr>
+            <a:xfrm>
+              <a:off x="7087825" y="1153050"/>
+              <a:ext cx="2050043" cy="209396"/>
+            </a:xfrm>
+            <a:prstGeom prst="rect">
+              <a:avLst/>
+            </a:prstGeom>
+            <a:solidFill>
+              <a:schemeClr val="bg1"/>
+            </a:solidFill>
+            <a:ln>
+              <a:solidFill>
+                <a:schemeClr val="tx1"/>
+              </a:solidFill>
+            </a:ln>
+          </p:spPr>
+          <p:style>
+            <a:lnRef idx="2">
+              <a:schemeClr val="accent1">
+                <a:shade val="50000"/>
+              </a:schemeClr>
+            </a:lnRef>
+            <a:fillRef idx="1">
+              <a:schemeClr val="accent1"/>
+            </a:fillRef>
+            <a:effectRef idx="0">
+              <a:schemeClr val="accent1"/>
+            </a:effectRef>
+            <a:fontRef idx="minor">
+              <a:schemeClr val="lt1"/>
+            </a:fontRef>
+          </p:style>
+          <p:txBody>
+            <a:bodyPr rtlCol="0" anchor="ctr"/>
+            <a:lstStyle/>
+            <a:p>
+              <a:pPr algn="ctr"/>
+              <a:endParaRPr lang="en-GB" dirty="0"/>
+            </a:p>
+          </p:txBody>
+        </p:sp>
+        <p:sp>
+          <p:nvSpPr>
+            <p:cNvPr id="11" name="TextBox 10">
+              <a:extLst>
+                <a:ext uri="{FF2B5EF4-FFF2-40B4-BE49-F238E27FC236}">
+                  <a16:creationId xmlns:a16="http://schemas.microsoft.com/office/drawing/2014/main" id="{F8329219-8502-4FA5-BF4A-2A5B642FC17E}"/>
+                </a:ext>
+              </a:extLst>
+            </p:cNvPr>
+            <p:cNvSpPr txBox="1"/>
+            <p:nvPr/>
+          </p:nvSpPr>
+          <p:spPr>
+            <a:xfrm>
+              <a:off x="7087825" y="1125874"/>
+              <a:ext cx="444352" cy="253916"/>
+            </a:xfrm>
+            <a:prstGeom prst="rect">
+              <a:avLst/>
+            </a:prstGeom>
+            <a:noFill/>
+          </p:spPr>
+          <p:txBody>
+            <a:bodyPr wrap="none" rtlCol="0">
+              <a:spAutoFit/>
+            </a:bodyPr>
+            <a:lstStyle/>
+            <a:p>
+              <a:r>
+                <a:rPr lang="en-GB" sz="1050" dirty="0"/>
+                <a:t>Date</a:t>
+              </a:r>
+            </a:p>
+          </p:txBody>
+        </p:sp>
+        <p:cxnSp>
+          <p:nvCxnSpPr>
+            <p:cNvPr id="12" name="Straight Connector 11">
+              <a:extLst>
+                <a:ext uri="{FF2B5EF4-FFF2-40B4-BE49-F238E27FC236}">
+                  <a16:creationId xmlns:a16="http://schemas.microsoft.com/office/drawing/2014/main" id="{A844AE1E-F347-4478-8674-261893A87A00}"/>
+                </a:ext>
+              </a:extLst>
+            </p:cNvPr>
+            <p:cNvCxnSpPr/>
+            <p:nvPr/>
+          </p:nvCxnSpPr>
+          <p:spPr>
+            <a:xfrm>
+              <a:off x="8763817" y="1156093"/>
+              <a:ext cx="0" cy="206353"/>
+            </a:xfrm>
+            <a:prstGeom prst="line">
+              <a:avLst/>
+            </a:prstGeom>
+          </p:spPr>
+          <p:style>
+            <a:lnRef idx="3">
+              <a:schemeClr val="dk1"/>
+            </a:lnRef>
+            <a:fillRef idx="0">
+              <a:schemeClr val="dk1"/>
+            </a:fillRef>
+            <a:effectRef idx="2">
+              <a:schemeClr val="dk1"/>
+            </a:effectRef>
+            <a:fontRef idx="minor">
+              <a:schemeClr val="tx1"/>
+            </a:fontRef>
+          </p:style>
+        </p:cxnSp>
+        <p:sp>
+          <p:nvSpPr>
+            <p:cNvPr id="13" name="Isosceles Triangle 12">
+              <a:extLst>
+                <a:ext uri="{FF2B5EF4-FFF2-40B4-BE49-F238E27FC236}">
+                  <a16:creationId xmlns:a16="http://schemas.microsoft.com/office/drawing/2014/main" id="{32FED81F-B0A7-4614-B548-62E01C4185A7}"/>
+                </a:ext>
+              </a:extLst>
+            </p:cNvPr>
+            <p:cNvSpPr/>
+            <p:nvPr/>
+          </p:nvSpPr>
+          <p:spPr>
+            <a:xfrm rot="10800000">
+              <a:off x="8911864" y="1216265"/>
+              <a:ext cx="77958" cy="80828"/>
+            </a:xfrm>
+            <a:prstGeom prst="triangle">
+              <a:avLst/>
+            </a:prstGeom>
+            <a:solidFill>
+              <a:schemeClr val="tx1"/>
+            </a:solidFill>
+            <a:ln>
+              <a:solidFill>
+                <a:schemeClr val="tx1"/>
+              </a:solidFill>
+            </a:ln>
+          </p:spPr>
+          <p:style>
+            <a:lnRef idx="2">
+              <a:schemeClr val="accent1">
+                <a:shade val="50000"/>
+              </a:schemeClr>
+            </a:lnRef>
+            <a:fillRef idx="1">
+              <a:schemeClr val="accent1"/>
+            </a:fillRef>
+            <a:effectRef idx="0">
+              <a:schemeClr val="accent1"/>
+            </a:effectRef>
+            <a:fontRef idx="minor">
+              <a:schemeClr val="lt1"/>
+            </a:fontRef>
+          </p:style>
+          <p:txBody>
+            <a:bodyPr rtlCol="0" anchor="ctr"/>
+            <a:lstStyle/>
+            <a:p>
+              <a:pPr algn="ctr"/>
+              <a:endParaRPr lang="en-GB" dirty="0"/>
+            </a:p>
+          </p:txBody>
+        </p:sp>
+        <p:sp>
+          <p:nvSpPr>
+            <p:cNvPr id="14" name="TextBox 13">
+              <a:extLst>
+                <a:ext uri="{FF2B5EF4-FFF2-40B4-BE49-F238E27FC236}">
+                  <a16:creationId xmlns:a16="http://schemas.microsoft.com/office/drawing/2014/main" id="{82985052-AAD5-42AF-B24B-92D3EBA2C0B0}"/>
+                </a:ext>
+              </a:extLst>
+            </p:cNvPr>
+            <p:cNvSpPr txBox="1"/>
+            <p:nvPr/>
+          </p:nvSpPr>
+          <p:spPr>
+            <a:xfrm>
+              <a:off x="6948975" y="1696618"/>
+              <a:ext cx="2304439" cy="584775"/>
+            </a:xfrm>
+            <a:prstGeom prst="rect">
+              <a:avLst/>
+            </a:prstGeom>
+            <a:noFill/>
+          </p:spPr>
+          <p:txBody>
+            <a:bodyPr wrap="square" rtlCol="0">
+              <a:spAutoFit/>
+            </a:bodyPr>
+            <a:lstStyle/>
+            <a:p>
+              <a:r>
+                <a:rPr lang="en-GB" sz="1600" dirty="0">
+                  <a:solidFill>
+                    <a:schemeClr val="bg2">
+                      <a:lumMod val="50000"/>
+                    </a:schemeClr>
+                  </a:solidFill>
+                </a:rPr>
+                <a:t>The Days Notes Displayed</a:t>
+              </a:r>
+            </a:p>
+            <a:p>
+              <a:r>
+                <a:rPr lang="en-GB" sz="1600" dirty="0">
+                  <a:solidFill>
+                    <a:schemeClr val="bg2">
+                      <a:lumMod val="50000"/>
+                    </a:schemeClr>
+                  </a:solidFill>
+                </a:rPr>
+                <a:t>Here</a:t>
+              </a:r>
+            </a:p>
+          </p:txBody>
+        </p:sp>
+      </p:grpSp>
+      <p:sp>
+        <p:nvSpPr>
+          <p:cNvPr id="19" name="TextBox 18">
+            <a:extLst>
+              <a:ext uri="{FF2B5EF4-FFF2-40B4-BE49-F238E27FC236}">
+                <a16:creationId xmlns:a16="http://schemas.microsoft.com/office/drawing/2014/main" id="{6FC7CDB2-A321-40CD-B413-338A86D4A1A4}"/>
+              </a:ext>
+            </a:extLst>
+          </p:cNvPr>
+          <p:cNvSpPr txBox="1"/>
+          <p:nvPr/>
+        </p:nvSpPr>
+        <p:spPr>
+          <a:xfrm>
+            <a:off x="3241203" y="1331513"/>
+            <a:ext cx="2441359" cy="3970318"/>
+          </a:xfrm>
+          <a:prstGeom prst="rect">
+            <a:avLst/>
+          </a:prstGeom>
+          <a:noFill/>
+        </p:spPr>
+        <p:txBody>
+          <a:bodyPr wrap="square" rtlCol="0">
+            <a:spAutoFit/>
+          </a:bodyPr>
+          <a:lstStyle/>
+          <a:p>
+            <a:pPr marL="285750" indent="-285750">
+              <a:buFont typeface="Arial" panose="020B0604020202020204" pitchFamily="34" charset="0"/>
+              <a:buChar char="•"/>
+            </a:pPr>
+            <a:r>
+              <a:rPr lang="en-GB" dirty="0"/>
+              <a:t>This page shows the old notes made per day</a:t>
+            </a:r>
+          </a:p>
+          <a:p>
+            <a:pPr marL="285750" indent="-285750">
+              <a:buFont typeface="Arial" panose="020B0604020202020204" pitchFamily="34" charset="0"/>
+              <a:buChar char="•"/>
+            </a:pPr>
+            <a:r>
+              <a:rPr lang="en-GB" dirty="0"/>
+              <a:t>The user can select what day they would like to read upon and see the notes they made</a:t>
+            </a:r>
+          </a:p>
+          <a:p>
+            <a:pPr marL="285750" indent="-285750">
+              <a:buFont typeface="Arial" panose="020B0604020202020204" pitchFamily="34" charset="0"/>
+              <a:buChar char="•"/>
+            </a:pPr>
+            <a:r>
+              <a:rPr lang="en-GB" dirty="0"/>
+              <a:t>This will also display the selected mood of the selected day</a:t>
+            </a:r>
+          </a:p>
+          <a:p>
+            <a:pPr marL="285750" indent="-285750">
+              <a:buFont typeface="Arial" panose="020B0604020202020204" pitchFamily="34" charset="0"/>
+              <a:buChar char="•"/>
+            </a:pPr>
+            <a:r>
+              <a:rPr lang="en-GB" dirty="0"/>
+              <a:t>Notes cannot be changed on this menu</a:t>
+            </a:r>
+          </a:p>
+        </p:txBody>
+      </p:sp>
+    </p:spTree>
+    <p:extLst>
+      <p:ext uri="{BB962C8B-B14F-4D97-AF65-F5344CB8AC3E}">
+        <p14:creationId xmlns:p14="http://schemas.microsoft.com/office/powerpoint/2010/main" val="1465740935"/>
       </p:ext>
     </p:extLst>
   </p:cSld>

--- a/Proposal Sketches/Screen Sketchups.pptx
+++ b/Proposal Sketches/Screen Sketchups.pptx
@@ -11,6 +11,7 @@
     <p:sldId id="258" r:id="rId5"/>
     <p:sldId id="259" r:id="rId6"/>
     <p:sldId id="261" r:id="rId7"/>
+    <p:sldId id="262" r:id="rId8"/>
   </p:sldIdLst>
   <p:sldSz cx="12192000" cy="6858000"/>
   <p:notesSz cx="6858000" cy="9144000"/>
@@ -1870,7 +1871,7 @@
           <a:p>
             <a:fld id="{87FCEB07-5853-4FE3-8E75-65E7B8468CF1}" type="datetimeFigureOut">
               <a:rPr lang="en-GB" smtClean="0"/>
-              <a:t>08/03/2022</a:t>
+              <a:t>20/04/2022</a:t>
             </a:fld>
             <a:endParaRPr lang="en-GB"/>
           </a:p>
@@ -2070,7 +2071,7 @@
           <a:p>
             <a:fld id="{87FCEB07-5853-4FE3-8E75-65E7B8468CF1}" type="datetimeFigureOut">
               <a:rPr lang="en-GB" smtClean="0"/>
-              <a:t>08/03/2022</a:t>
+              <a:t>20/04/2022</a:t>
             </a:fld>
             <a:endParaRPr lang="en-GB"/>
           </a:p>
@@ -2280,7 +2281,7 @@
           <a:p>
             <a:fld id="{87FCEB07-5853-4FE3-8E75-65E7B8468CF1}" type="datetimeFigureOut">
               <a:rPr lang="en-GB" smtClean="0"/>
-              <a:t>08/03/2022</a:t>
+              <a:t>20/04/2022</a:t>
             </a:fld>
             <a:endParaRPr lang="en-GB"/>
           </a:p>
@@ -2480,7 +2481,7 @@
           <a:p>
             <a:fld id="{87FCEB07-5853-4FE3-8E75-65E7B8468CF1}" type="datetimeFigureOut">
               <a:rPr lang="en-GB" smtClean="0"/>
-              <a:t>08/03/2022</a:t>
+              <a:t>20/04/2022</a:t>
             </a:fld>
             <a:endParaRPr lang="en-GB"/>
           </a:p>
@@ -2756,7 +2757,7 @@
           <a:p>
             <a:fld id="{87FCEB07-5853-4FE3-8E75-65E7B8468CF1}" type="datetimeFigureOut">
               <a:rPr lang="en-GB" smtClean="0"/>
-              <a:t>08/03/2022</a:t>
+              <a:t>20/04/2022</a:t>
             </a:fld>
             <a:endParaRPr lang="en-GB"/>
           </a:p>
@@ -3024,7 +3025,7 @@
           <a:p>
             <a:fld id="{87FCEB07-5853-4FE3-8E75-65E7B8468CF1}" type="datetimeFigureOut">
               <a:rPr lang="en-GB" smtClean="0"/>
-              <a:t>08/03/2022</a:t>
+              <a:t>20/04/2022</a:t>
             </a:fld>
             <a:endParaRPr lang="en-GB"/>
           </a:p>
@@ -3439,7 +3440,7 @@
           <a:p>
             <a:fld id="{87FCEB07-5853-4FE3-8E75-65E7B8468CF1}" type="datetimeFigureOut">
               <a:rPr lang="en-GB" smtClean="0"/>
-              <a:t>08/03/2022</a:t>
+              <a:t>20/04/2022</a:t>
             </a:fld>
             <a:endParaRPr lang="en-GB"/>
           </a:p>
@@ -3581,7 +3582,7 @@
           <a:p>
             <a:fld id="{87FCEB07-5853-4FE3-8E75-65E7B8468CF1}" type="datetimeFigureOut">
               <a:rPr lang="en-GB" smtClean="0"/>
-              <a:t>08/03/2022</a:t>
+              <a:t>20/04/2022</a:t>
             </a:fld>
             <a:endParaRPr lang="en-GB"/>
           </a:p>
@@ -3694,7 +3695,7 @@
           <a:p>
             <a:fld id="{87FCEB07-5853-4FE3-8E75-65E7B8468CF1}" type="datetimeFigureOut">
               <a:rPr lang="en-GB" smtClean="0"/>
-              <a:t>08/03/2022</a:t>
+              <a:t>20/04/2022</a:t>
             </a:fld>
             <a:endParaRPr lang="en-GB"/>
           </a:p>
@@ -4007,7 +4008,7 @@
           <a:p>
             <a:fld id="{87FCEB07-5853-4FE3-8E75-65E7B8468CF1}" type="datetimeFigureOut">
               <a:rPr lang="en-GB" smtClean="0"/>
-              <a:t>08/03/2022</a:t>
+              <a:t>20/04/2022</a:t>
             </a:fld>
             <a:endParaRPr lang="en-GB"/>
           </a:p>
@@ -4296,7 +4297,7 @@
           <a:p>
             <a:fld id="{87FCEB07-5853-4FE3-8E75-65E7B8468CF1}" type="datetimeFigureOut">
               <a:rPr lang="en-GB" smtClean="0"/>
-              <a:t>08/03/2022</a:t>
+              <a:t>20/04/2022</a:t>
             </a:fld>
             <a:endParaRPr lang="en-GB"/>
           </a:p>
@@ -4539,7 +4540,7 @@
           <a:p>
             <a:fld id="{87FCEB07-5853-4FE3-8E75-65E7B8468CF1}" type="datetimeFigureOut">
               <a:rPr lang="en-GB" smtClean="0"/>
-              <a:t>08/03/2022</a:t>
+              <a:t>20/04/2022</a:t>
             </a:fld>
             <a:endParaRPr lang="en-GB"/>
           </a:p>
@@ -5919,12 +5920,66 @@
           <a:chExt cx="0" cy="0"/>
         </a:xfrm>
       </p:grpSpPr>
+      <p:sp>
+        <p:nvSpPr>
+          <p:cNvPr id="5" name="Rectangle: Rounded Corners 4">
+            <a:extLst>
+              <a:ext uri="{FF2B5EF4-FFF2-40B4-BE49-F238E27FC236}">
+                <a16:creationId xmlns:a16="http://schemas.microsoft.com/office/drawing/2014/main" id="{B225F021-1C01-46A0-8D54-F8372DE0B72F}"/>
+              </a:ext>
+            </a:extLst>
+          </p:cNvPr>
+          <p:cNvSpPr/>
+          <p:nvPr/>
+        </p:nvSpPr>
+        <p:spPr>
+          <a:xfrm>
+            <a:off x="478657" y="944536"/>
+            <a:ext cx="2441359" cy="4571750"/>
+          </a:xfrm>
+          <a:prstGeom prst="roundRect">
+            <a:avLst/>
+          </a:prstGeom>
+          <a:solidFill>
+            <a:schemeClr val="bg1"/>
+          </a:solidFill>
+          <a:ln w="57150">
+            <a:solidFill>
+              <a:schemeClr val="tx1"/>
+            </a:solidFill>
+          </a:ln>
+        </p:spPr>
+        <p:style>
+          <a:lnRef idx="2">
+            <a:schemeClr val="accent1">
+              <a:shade val="50000"/>
+            </a:schemeClr>
+          </a:lnRef>
+          <a:fillRef idx="1">
+            <a:schemeClr val="accent1"/>
+          </a:fillRef>
+          <a:effectRef idx="0">
+            <a:schemeClr val="accent1"/>
+          </a:effectRef>
+          <a:fontRef idx="minor">
+            <a:schemeClr val="lt1"/>
+          </a:fontRef>
+        </p:style>
+        <p:txBody>
+          <a:bodyPr rtlCol="0" anchor="ctr"/>
+          <a:lstStyle/>
+          <a:p>
+            <a:pPr algn="ctr"/>
+            <a:endParaRPr lang="en-GB" dirty="0"/>
+          </a:p>
+        </p:txBody>
+      </p:sp>
       <p:grpSp>
         <p:nvGrpSpPr>
-          <p:cNvPr id="30" name="Group 29">
+          <p:cNvPr id="3" name="Group 2">
             <a:extLst>
               <a:ext uri="{FF2B5EF4-FFF2-40B4-BE49-F238E27FC236}">
-                <a16:creationId xmlns:a16="http://schemas.microsoft.com/office/drawing/2014/main" id="{40AF6516-1F13-474C-8202-E577E87E57F5}"/>
+                <a16:creationId xmlns:a16="http://schemas.microsoft.com/office/drawing/2014/main" id="{4E3E2D30-FD90-4508-B5DB-E119E2916A57}"/>
               </a:ext>
             </a:extLst>
           </p:cNvPr>
@@ -5933,66 +5988,12 @@
         </p:nvGrpSpPr>
         <p:grpSpPr>
           <a:xfrm>
-            <a:off x="478657" y="944536"/>
-            <a:ext cx="2441359" cy="4571750"/>
-            <a:chOff x="1864311" y="1012055"/>
-            <a:chExt cx="2441359" cy="4571750"/>
+            <a:off x="723760" y="1153956"/>
+            <a:ext cx="1957998" cy="4189862"/>
+            <a:chOff x="723760" y="1153956"/>
+            <a:chExt cx="1957998" cy="4189862"/>
           </a:xfrm>
         </p:grpSpPr>
-        <p:sp>
-          <p:nvSpPr>
-            <p:cNvPr id="5" name="Rectangle: Rounded Corners 4">
-              <a:extLst>
-                <a:ext uri="{FF2B5EF4-FFF2-40B4-BE49-F238E27FC236}">
-                  <a16:creationId xmlns:a16="http://schemas.microsoft.com/office/drawing/2014/main" id="{B225F021-1C01-46A0-8D54-F8372DE0B72F}"/>
-                </a:ext>
-              </a:extLst>
-            </p:cNvPr>
-            <p:cNvSpPr/>
-            <p:nvPr/>
-          </p:nvSpPr>
-          <p:spPr>
-            <a:xfrm>
-              <a:off x="1864311" y="1012055"/>
-              <a:ext cx="2441359" cy="4571750"/>
-            </a:xfrm>
-            <a:prstGeom prst="roundRect">
-              <a:avLst/>
-            </a:prstGeom>
-            <a:solidFill>
-              <a:schemeClr val="bg1"/>
-            </a:solidFill>
-            <a:ln w="57150">
-              <a:solidFill>
-                <a:schemeClr val="tx1"/>
-              </a:solidFill>
-            </a:ln>
-          </p:spPr>
-          <p:style>
-            <a:lnRef idx="2">
-              <a:schemeClr val="accent1">
-                <a:shade val="50000"/>
-              </a:schemeClr>
-            </a:lnRef>
-            <a:fillRef idx="1">
-              <a:schemeClr val="accent1"/>
-            </a:fillRef>
-            <a:effectRef idx="0">
-              <a:schemeClr val="accent1"/>
-            </a:effectRef>
-            <a:fontRef idx="minor">
-              <a:schemeClr val="lt1"/>
-            </a:fontRef>
-          </p:style>
-          <p:txBody>
-            <a:bodyPr rtlCol="0" anchor="ctr"/>
-            <a:lstStyle/>
-            <a:p>
-              <a:pPr algn="ctr"/>
-              <a:endParaRPr lang="en-GB" dirty="0"/>
-            </a:p>
-          </p:txBody>
-        </p:sp>
         <p:grpSp>
           <p:nvGrpSpPr>
             <p:cNvPr id="22" name="Group 21">
@@ -6007,7 +6008,7 @@
           </p:nvGrpSpPr>
           <p:grpSpPr>
             <a:xfrm>
-              <a:off x="2109414" y="1221475"/>
+              <a:off x="723760" y="1153956"/>
               <a:ext cx="1957998" cy="4189862"/>
               <a:chOff x="2109414" y="3125816"/>
               <a:chExt cx="1957998" cy="2223074"/>
@@ -6365,7 +6366,7 @@
           </p:blipFill>
           <p:spPr>
             <a:xfrm>
-              <a:off x="2880118" y="2011715"/>
+              <a:off x="1494464" y="1944196"/>
               <a:ext cx="423437" cy="465458"/>
             </a:xfrm>
             <a:prstGeom prst="rect">
@@ -6400,7 +6401,7 @@
           </p:blipFill>
           <p:spPr>
             <a:xfrm>
-              <a:off x="2857104" y="2746041"/>
+              <a:off x="1471450" y="2678522"/>
               <a:ext cx="469463" cy="431642"/>
             </a:xfrm>
             <a:prstGeom prst="rect">
@@ -6435,7 +6436,7 @@
           </p:blipFill>
           <p:spPr>
             <a:xfrm>
-              <a:off x="2877803" y="3429000"/>
+              <a:off x="1492149" y="3361481"/>
               <a:ext cx="425752" cy="500649"/>
             </a:xfrm>
             <a:prstGeom prst="rect">
@@ -6470,7 +6471,7 @@
           </p:blipFill>
           <p:spPr>
             <a:xfrm>
-              <a:off x="2863593" y="4175819"/>
+              <a:off x="1477939" y="4108300"/>
               <a:ext cx="456484" cy="466859"/>
             </a:xfrm>
             <a:prstGeom prst="rect">
@@ -6505,7 +6506,7 @@
           </p:blipFill>
           <p:spPr>
             <a:xfrm>
-              <a:off x="2837538" y="4901524"/>
+              <a:off x="1451884" y="4834005"/>
               <a:ext cx="489029" cy="447961"/>
             </a:xfrm>
             <a:prstGeom prst="rect">
@@ -6535,7 +6536,7 @@
           </p:blipFill>
           <p:spPr>
             <a:xfrm>
-              <a:off x="2963295" y="1302799"/>
+              <a:off x="1577641" y="1235280"/>
               <a:ext cx="243386" cy="360112"/>
             </a:xfrm>
             <a:prstGeom prst="rect">
@@ -12783,6 +12784,691 @@
 </p:sld>
 </file>
 
+<file path=ppt/slides/slide7.xml><?xml version="1.0" encoding="utf-8"?>
+<p:sld xmlns:a="http://schemas.openxmlformats.org/drawingml/2006/main" xmlns:r="http://schemas.openxmlformats.org/officeDocument/2006/relationships" xmlns:p="http://schemas.openxmlformats.org/presentationml/2006/main">
+  <p:cSld>
+    <p:spTree>
+      <p:nvGrpSpPr>
+        <p:cNvPr id="1" name=""/>
+        <p:cNvGrpSpPr/>
+        <p:nvPr/>
+      </p:nvGrpSpPr>
+      <p:grpSpPr>
+        <a:xfrm>
+          <a:off x="0" y="0"/>
+          <a:ext cx="0" cy="0"/>
+          <a:chOff x="0" y="0"/>
+          <a:chExt cx="0" cy="0"/>
+        </a:xfrm>
+      </p:grpSpPr>
+      <p:grpSp>
+        <p:nvGrpSpPr>
+          <p:cNvPr id="19" name="Group 18">
+            <a:extLst>
+              <a:ext uri="{FF2B5EF4-FFF2-40B4-BE49-F238E27FC236}">
+                <a16:creationId xmlns:a16="http://schemas.microsoft.com/office/drawing/2014/main" id="{BF29A7CE-D4C9-4E21-8948-D1689FF68D92}"/>
+              </a:ext>
+            </a:extLst>
+          </p:cNvPr>
+          <p:cNvGrpSpPr/>
+          <p:nvPr/>
+        </p:nvGrpSpPr>
+        <p:grpSpPr>
+          <a:xfrm>
+            <a:off x="1856275" y="1701579"/>
+            <a:ext cx="1951149" cy="554858"/>
+            <a:chOff x="1856275" y="1701579"/>
+            <a:chExt cx="1951149" cy="554858"/>
+          </a:xfrm>
+        </p:grpSpPr>
+        <p:sp>
+          <p:nvSpPr>
+            <p:cNvPr id="16" name="Rectangle: Rounded Corners 15">
+              <a:extLst>
+                <a:ext uri="{FF2B5EF4-FFF2-40B4-BE49-F238E27FC236}">
+                  <a16:creationId xmlns:a16="http://schemas.microsoft.com/office/drawing/2014/main" id="{AC9A3839-82A2-408D-BA93-E254D08649CB}"/>
+                </a:ext>
+              </a:extLst>
+            </p:cNvPr>
+            <p:cNvSpPr/>
+            <p:nvPr/>
+          </p:nvSpPr>
+          <p:spPr>
+            <a:xfrm>
+              <a:off x="1856275" y="1701579"/>
+              <a:ext cx="1951149" cy="554858"/>
+            </a:xfrm>
+            <a:prstGeom prst="roundRect">
+              <a:avLst/>
+            </a:prstGeom>
+            <a:solidFill>
+              <a:schemeClr val="bg1"/>
+            </a:solidFill>
+            <a:ln w="38100">
+              <a:solidFill>
+                <a:schemeClr val="tx1"/>
+              </a:solidFill>
+            </a:ln>
+          </p:spPr>
+          <p:style>
+            <a:lnRef idx="2">
+              <a:schemeClr val="accent1">
+                <a:shade val="50000"/>
+              </a:schemeClr>
+            </a:lnRef>
+            <a:fillRef idx="1">
+              <a:schemeClr val="accent1"/>
+            </a:fillRef>
+            <a:effectRef idx="0">
+              <a:schemeClr val="accent1"/>
+            </a:effectRef>
+            <a:fontRef idx="minor">
+              <a:schemeClr val="lt1"/>
+            </a:fontRef>
+          </p:style>
+          <p:txBody>
+            <a:bodyPr rtlCol="0" anchor="ctr"/>
+            <a:lstStyle/>
+            <a:p>
+              <a:pPr algn="ctr"/>
+              <a:endParaRPr lang="en-GB" dirty="0"/>
+            </a:p>
+          </p:txBody>
+        </p:sp>
+        <p:pic>
+          <p:nvPicPr>
+            <p:cNvPr id="6" name="Picture 5" descr="Shape, circle&#10;&#10;Description automatically generated">
+              <a:extLst>
+                <a:ext uri="{FF2B5EF4-FFF2-40B4-BE49-F238E27FC236}">
+                  <a16:creationId xmlns:a16="http://schemas.microsoft.com/office/drawing/2014/main" id="{2F638285-1FCB-4F9B-83C6-27DAB215EC8E}"/>
+                </a:ext>
+              </a:extLst>
+            </p:cNvPr>
+            <p:cNvPicPr>
+              <a:picLocks noChangeAspect="1"/>
+            </p:cNvPicPr>
+            <p:nvPr/>
+          </p:nvPicPr>
+          <p:blipFill rotWithShape="1">
+            <a:blip r:embed="rId2">
+              <a:extLst>
+                <a:ext uri="{28A0092B-C50C-407E-A947-70E740481C1C}">
+                  <a14:useLocalDpi xmlns:a14="http://schemas.microsoft.com/office/drawing/2010/main" val="0"/>
+                </a:ext>
+              </a:extLst>
+            </a:blip>
+            <a:srcRect l="5483" t="25988" r="76409" b="50000"/>
+            <a:stretch/>
+          </p:blipFill>
+          <p:spPr>
+            <a:xfrm>
+              <a:off x="2626978" y="1759639"/>
+              <a:ext cx="423437" cy="465458"/>
+            </a:xfrm>
+            <a:prstGeom prst="rect">
+              <a:avLst/>
+            </a:prstGeom>
+          </p:spPr>
+        </p:pic>
+      </p:grpSp>
+      <p:grpSp>
+        <p:nvGrpSpPr>
+          <p:cNvPr id="20" name="Group 19">
+            <a:extLst>
+              <a:ext uri="{FF2B5EF4-FFF2-40B4-BE49-F238E27FC236}">
+                <a16:creationId xmlns:a16="http://schemas.microsoft.com/office/drawing/2014/main" id="{B4A967CE-CFE5-458B-8D93-167FB35647BA}"/>
+              </a:ext>
+            </a:extLst>
+          </p:cNvPr>
+          <p:cNvGrpSpPr/>
+          <p:nvPr/>
+        </p:nvGrpSpPr>
+        <p:grpSpPr>
+          <a:xfrm>
+            <a:off x="1863123" y="2427285"/>
+            <a:ext cx="1951149" cy="554858"/>
+            <a:chOff x="1863123" y="2427285"/>
+            <a:chExt cx="1951149" cy="554858"/>
+          </a:xfrm>
+        </p:grpSpPr>
+        <p:sp>
+          <p:nvSpPr>
+            <p:cNvPr id="15" name="Rectangle: Rounded Corners 14">
+              <a:extLst>
+                <a:ext uri="{FF2B5EF4-FFF2-40B4-BE49-F238E27FC236}">
+                  <a16:creationId xmlns:a16="http://schemas.microsoft.com/office/drawing/2014/main" id="{F66161CA-AFC8-4493-B17F-BAF8D31A79DF}"/>
+                </a:ext>
+              </a:extLst>
+            </p:cNvPr>
+            <p:cNvSpPr/>
+            <p:nvPr/>
+          </p:nvSpPr>
+          <p:spPr>
+            <a:xfrm>
+              <a:off x="1863123" y="2427285"/>
+              <a:ext cx="1951149" cy="554858"/>
+            </a:xfrm>
+            <a:prstGeom prst="roundRect">
+              <a:avLst/>
+            </a:prstGeom>
+            <a:solidFill>
+              <a:schemeClr val="bg1"/>
+            </a:solidFill>
+            <a:ln w="38100">
+              <a:solidFill>
+                <a:schemeClr val="tx1"/>
+              </a:solidFill>
+            </a:ln>
+          </p:spPr>
+          <p:style>
+            <a:lnRef idx="2">
+              <a:schemeClr val="accent1">
+                <a:shade val="50000"/>
+              </a:schemeClr>
+            </a:lnRef>
+            <a:fillRef idx="1">
+              <a:schemeClr val="accent1"/>
+            </a:fillRef>
+            <a:effectRef idx="0">
+              <a:schemeClr val="accent1"/>
+            </a:effectRef>
+            <a:fontRef idx="minor">
+              <a:schemeClr val="lt1"/>
+            </a:fontRef>
+          </p:style>
+          <p:txBody>
+            <a:bodyPr rtlCol="0" anchor="ctr"/>
+            <a:lstStyle/>
+            <a:p>
+              <a:pPr algn="ctr"/>
+              <a:endParaRPr lang="en-GB" dirty="0"/>
+            </a:p>
+          </p:txBody>
+        </p:sp>
+        <p:pic>
+          <p:nvPicPr>
+            <p:cNvPr id="7" name="Picture 6" descr="Shape, circle&#10;&#10;Description automatically generated">
+              <a:extLst>
+                <a:ext uri="{FF2B5EF4-FFF2-40B4-BE49-F238E27FC236}">
+                  <a16:creationId xmlns:a16="http://schemas.microsoft.com/office/drawing/2014/main" id="{C089E74A-1758-4E8E-BDE3-C2780D8843CA}"/>
+                </a:ext>
+              </a:extLst>
+            </p:cNvPr>
+            <p:cNvPicPr>
+              <a:picLocks noChangeAspect="1"/>
+            </p:cNvPicPr>
+            <p:nvPr/>
+          </p:nvPicPr>
+          <p:blipFill rotWithShape="1">
+            <a:blip r:embed="rId2">
+              <a:extLst>
+                <a:ext uri="{28A0092B-C50C-407E-A947-70E740481C1C}">
+                  <a14:useLocalDpi xmlns:a14="http://schemas.microsoft.com/office/drawing/2010/main" val="0"/>
+                </a:ext>
+              </a:extLst>
+            </a:blip>
+            <a:srcRect l="23406" t="28188" r="58486" b="51727"/>
+            <a:stretch/>
+          </p:blipFill>
+          <p:spPr>
+            <a:xfrm>
+              <a:off x="2603964" y="2493965"/>
+              <a:ext cx="469463" cy="431642"/>
+            </a:xfrm>
+            <a:prstGeom prst="rect">
+              <a:avLst/>
+            </a:prstGeom>
+          </p:spPr>
+        </p:pic>
+      </p:grpSp>
+      <p:grpSp>
+        <p:nvGrpSpPr>
+          <p:cNvPr id="21" name="Group 20">
+            <a:extLst>
+              <a:ext uri="{FF2B5EF4-FFF2-40B4-BE49-F238E27FC236}">
+                <a16:creationId xmlns:a16="http://schemas.microsoft.com/office/drawing/2014/main" id="{41B3E53A-2BFD-4405-A125-FE326B0094F3}"/>
+              </a:ext>
+            </a:extLst>
+          </p:cNvPr>
+          <p:cNvGrpSpPr/>
+          <p:nvPr/>
+        </p:nvGrpSpPr>
+        <p:grpSpPr>
+          <a:xfrm>
+            <a:off x="1863123" y="3152991"/>
+            <a:ext cx="1951149" cy="554858"/>
+            <a:chOff x="1863123" y="3152991"/>
+            <a:chExt cx="1951149" cy="554858"/>
+          </a:xfrm>
+        </p:grpSpPr>
+        <p:sp>
+          <p:nvSpPr>
+            <p:cNvPr id="14" name="Rectangle: Rounded Corners 13">
+              <a:extLst>
+                <a:ext uri="{FF2B5EF4-FFF2-40B4-BE49-F238E27FC236}">
+                  <a16:creationId xmlns:a16="http://schemas.microsoft.com/office/drawing/2014/main" id="{8CD05A9B-4EE8-486F-ABE4-91A4A418E3DB}"/>
+                </a:ext>
+              </a:extLst>
+            </p:cNvPr>
+            <p:cNvSpPr/>
+            <p:nvPr/>
+          </p:nvSpPr>
+          <p:spPr>
+            <a:xfrm>
+              <a:off x="1863123" y="3152991"/>
+              <a:ext cx="1951149" cy="554858"/>
+            </a:xfrm>
+            <a:prstGeom prst="roundRect">
+              <a:avLst/>
+            </a:prstGeom>
+            <a:solidFill>
+              <a:schemeClr val="bg1"/>
+            </a:solidFill>
+            <a:ln w="38100">
+              <a:solidFill>
+                <a:schemeClr val="tx1"/>
+              </a:solidFill>
+            </a:ln>
+          </p:spPr>
+          <p:style>
+            <a:lnRef idx="2">
+              <a:schemeClr val="accent1">
+                <a:shade val="50000"/>
+              </a:schemeClr>
+            </a:lnRef>
+            <a:fillRef idx="1">
+              <a:schemeClr val="accent1"/>
+            </a:fillRef>
+            <a:effectRef idx="0">
+              <a:schemeClr val="accent1"/>
+            </a:effectRef>
+            <a:fontRef idx="minor">
+              <a:schemeClr val="lt1"/>
+            </a:fontRef>
+          </p:style>
+          <p:txBody>
+            <a:bodyPr rtlCol="0" anchor="ctr"/>
+            <a:lstStyle/>
+            <a:p>
+              <a:pPr algn="ctr"/>
+              <a:endParaRPr lang="en-GB" dirty="0"/>
+            </a:p>
+          </p:txBody>
+        </p:sp>
+        <p:pic>
+          <p:nvPicPr>
+            <p:cNvPr id="8" name="Picture 7" descr="Shape, circle&#10;&#10;Description automatically generated">
+              <a:extLst>
+                <a:ext uri="{FF2B5EF4-FFF2-40B4-BE49-F238E27FC236}">
+                  <a16:creationId xmlns:a16="http://schemas.microsoft.com/office/drawing/2014/main" id="{ADD0028F-75C5-4C4F-BFA8-49BC2A9AD755}"/>
+                </a:ext>
+              </a:extLst>
+            </p:cNvPr>
+            <p:cNvPicPr>
+              <a:picLocks noChangeAspect="1"/>
+            </p:cNvPicPr>
+            <p:nvPr/>
+          </p:nvPicPr>
+          <p:blipFill rotWithShape="1">
+            <a:blip r:embed="rId2">
+              <a:extLst>
+                <a:ext uri="{28A0092B-C50C-407E-A947-70E740481C1C}">
+                  <a14:useLocalDpi xmlns:a14="http://schemas.microsoft.com/office/drawing/2010/main" val="0"/>
+                </a:ext>
+              </a:extLst>
+            </a:blip>
+            <a:srcRect l="41818" t="25988" r="41255" b="50000"/>
+            <a:stretch/>
+          </p:blipFill>
+          <p:spPr>
+            <a:xfrm>
+              <a:off x="2624663" y="3176924"/>
+              <a:ext cx="425752" cy="500649"/>
+            </a:xfrm>
+            <a:prstGeom prst="rect">
+              <a:avLst/>
+            </a:prstGeom>
+          </p:spPr>
+        </p:pic>
+      </p:grpSp>
+      <p:grpSp>
+        <p:nvGrpSpPr>
+          <p:cNvPr id="22" name="Group 21">
+            <a:extLst>
+              <a:ext uri="{FF2B5EF4-FFF2-40B4-BE49-F238E27FC236}">
+                <a16:creationId xmlns:a16="http://schemas.microsoft.com/office/drawing/2014/main" id="{A287F7D3-438E-4F99-8AD3-CCCCB8E347F5}"/>
+              </a:ext>
+            </a:extLst>
+          </p:cNvPr>
+          <p:cNvGrpSpPr/>
+          <p:nvPr/>
+        </p:nvGrpSpPr>
+        <p:grpSpPr>
+          <a:xfrm>
+            <a:off x="1863123" y="3878697"/>
+            <a:ext cx="1951149" cy="554858"/>
+            <a:chOff x="1863123" y="3878697"/>
+            <a:chExt cx="1951149" cy="554858"/>
+          </a:xfrm>
+        </p:grpSpPr>
+        <p:sp>
+          <p:nvSpPr>
+            <p:cNvPr id="13" name="Rectangle: Rounded Corners 12">
+              <a:extLst>
+                <a:ext uri="{FF2B5EF4-FFF2-40B4-BE49-F238E27FC236}">
+                  <a16:creationId xmlns:a16="http://schemas.microsoft.com/office/drawing/2014/main" id="{E85ECD46-B26E-481E-B4D7-34C2401511B5}"/>
+                </a:ext>
+              </a:extLst>
+            </p:cNvPr>
+            <p:cNvSpPr/>
+            <p:nvPr/>
+          </p:nvSpPr>
+          <p:spPr>
+            <a:xfrm>
+              <a:off x="1863123" y="3878697"/>
+              <a:ext cx="1951149" cy="554858"/>
+            </a:xfrm>
+            <a:prstGeom prst="roundRect">
+              <a:avLst/>
+            </a:prstGeom>
+            <a:solidFill>
+              <a:schemeClr val="bg1"/>
+            </a:solidFill>
+            <a:ln w="38100">
+              <a:solidFill>
+                <a:schemeClr val="tx1"/>
+              </a:solidFill>
+            </a:ln>
+          </p:spPr>
+          <p:style>
+            <a:lnRef idx="2">
+              <a:schemeClr val="accent1">
+                <a:shade val="50000"/>
+              </a:schemeClr>
+            </a:lnRef>
+            <a:fillRef idx="1">
+              <a:schemeClr val="accent1"/>
+            </a:fillRef>
+            <a:effectRef idx="0">
+              <a:schemeClr val="accent1"/>
+            </a:effectRef>
+            <a:fontRef idx="minor">
+              <a:schemeClr val="lt1"/>
+            </a:fontRef>
+          </p:style>
+          <p:txBody>
+            <a:bodyPr rtlCol="0" anchor="ctr"/>
+            <a:lstStyle/>
+            <a:p>
+              <a:pPr algn="ctr"/>
+              <a:endParaRPr lang="en-GB" dirty="0"/>
+            </a:p>
+          </p:txBody>
+        </p:sp>
+        <p:pic>
+          <p:nvPicPr>
+            <p:cNvPr id="9" name="Picture 8" descr="Shape, circle&#10;&#10;Description automatically generated">
+              <a:extLst>
+                <a:ext uri="{FF2B5EF4-FFF2-40B4-BE49-F238E27FC236}">
+                  <a16:creationId xmlns:a16="http://schemas.microsoft.com/office/drawing/2014/main" id="{5867BED5-CFAE-412E-AABC-A94B4148588F}"/>
+                </a:ext>
+              </a:extLst>
+            </p:cNvPr>
+            <p:cNvPicPr>
+              <a:picLocks noChangeAspect="1"/>
+            </p:cNvPicPr>
+            <p:nvPr/>
+          </p:nvPicPr>
+          <p:blipFill rotWithShape="1">
+            <a:blip r:embed="rId2">
+              <a:extLst>
+                <a:ext uri="{28A0092B-C50C-407E-A947-70E740481C1C}">
+                  <a14:useLocalDpi xmlns:a14="http://schemas.microsoft.com/office/drawing/2010/main" val="0"/>
+                </a:ext>
+              </a:extLst>
+            </a:blip>
+            <a:srcRect l="59604" t="27390" r="23469" b="51726"/>
+            <a:stretch/>
+          </p:blipFill>
+          <p:spPr>
+            <a:xfrm>
+              <a:off x="2610453" y="3923743"/>
+              <a:ext cx="456484" cy="466859"/>
+            </a:xfrm>
+            <a:prstGeom prst="rect">
+              <a:avLst/>
+            </a:prstGeom>
+          </p:spPr>
+        </p:pic>
+      </p:grpSp>
+      <p:grpSp>
+        <p:nvGrpSpPr>
+          <p:cNvPr id="23" name="Group 22">
+            <a:extLst>
+              <a:ext uri="{FF2B5EF4-FFF2-40B4-BE49-F238E27FC236}">
+                <a16:creationId xmlns:a16="http://schemas.microsoft.com/office/drawing/2014/main" id="{8D32573B-B302-4497-968F-F4FDC8A2AEF1}"/>
+              </a:ext>
+            </a:extLst>
+          </p:cNvPr>
+          <p:cNvGrpSpPr/>
+          <p:nvPr/>
+        </p:nvGrpSpPr>
+        <p:grpSpPr>
+          <a:xfrm>
+            <a:off x="1863123" y="4604403"/>
+            <a:ext cx="1951149" cy="554858"/>
+            <a:chOff x="1863123" y="4604403"/>
+            <a:chExt cx="1951149" cy="554858"/>
+          </a:xfrm>
+        </p:grpSpPr>
+        <p:sp>
+          <p:nvSpPr>
+            <p:cNvPr id="12" name="Rectangle: Rounded Corners 11">
+              <a:extLst>
+                <a:ext uri="{FF2B5EF4-FFF2-40B4-BE49-F238E27FC236}">
+                  <a16:creationId xmlns:a16="http://schemas.microsoft.com/office/drawing/2014/main" id="{7E8A4A7B-C92E-4A6F-AEB1-0551AEC285BF}"/>
+                </a:ext>
+              </a:extLst>
+            </p:cNvPr>
+            <p:cNvSpPr/>
+            <p:nvPr/>
+          </p:nvSpPr>
+          <p:spPr>
+            <a:xfrm>
+              <a:off x="1863123" y="4604403"/>
+              <a:ext cx="1951149" cy="554858"/>
+            </a:xfrm>
+            <a:prstGeom prst="roundRect">
+              <a:avLst/>
+            </a:prstGeom>
+            <a:solidFill>
+              <a:schemeClr val="bg1"/>
+            </a:solidFill>
+            <a:ln w="38100">
+              <a:solidFill>
+                <a:schemeClr val="tx1"/>
+              </a:solidFill>
+            </a:ln>
+          </p:spPr>
+          <p:style>
+            <a:lnRef idx="2">
+              <a:schemeClr val="accent1">
+                <a:shade val="50000"/>
+              </a:schemeClr>
+            </a:lnRef>
+            <a:fillRef idx="1">
+              <a:schemeClr val="accent1"/>
+            </a:fillRef>
+            <a:effectRef idx="0">
+              <a:schemeClr val="accent1"/>
+            </a:effectRef>
+            <a:fontRef idx="minor">
+              <a:schemeClr val="lt1"/>
+            </a:fontRef>
+          </p:style>
+          <p:txBody>
+            <a:bodyPr rtlCol="0" anchor="ctr"/>
+            <a:lstStyle/>
+            <a:p>
+              <a:pPr algn="ctr"/>
+              <a:endParaRPr lang="en-GB" dirty="0"/>
+            </a:p>
+          </p:txBody>
+        </p:sp>
+        <p:pic>
+          <p:nvPicPr>
+            <p:cNvPr id="10" name="Picture 9" descr="Shape, circle&#10;&#10;Description automatically generated">
+              <a:extLst>
+                <a:ext uri="{FF2B5EF4-FFF2-40B4-BE49-F238E27FC236}">
+                  <a16:creationId xmlns:a16="http://schemas.microsoft.com/office/drawing/2014/main" id="{48470ADD-ACB6-4CC9-AB39-E6C8DD04E75E}"/>
+                </a:ext>
+              </a:extLst>
+            </p:cNvPr>
+            <p:cNvPicPr>
+              <a:picLocks noChangeAspect="1"/>
+            </p:cNvPicPr>
+            <p:nvPr/>
+          </p:nvPicPr>
+          <p:blipFill rotWithShape="1">
+            <a:blip r:embed="rId2">
+              <a:extLst>
+                <a:ext uri="{28A0092B-C50C-407E-A947-70E740481C1C}">
+                  <a14:useLocalDpi xmlns:a14="http://schemas.microsoft.com/office/drawing/2010/main" val="0"/>
+                </a:ext>
+              </a:extLst>
+            </a:blip>
+            <a:srcRect l="76899" t="28975" r="6174" b="52320"/>
+            <a:stretch/>
+          </p:blipFill>
+          <p:spPr>
+            <a:xfrm>
+              <a:off x="2584398" y="4649448"/>
+              <a:ext cx="489029" cy="447961"/>
+            </a:xfrm>
+            <a:prstGeom prst="rect">
+              <a:avLst/>
+            </a:prstGeom>
+          </p:spPr>
+        </p:pic>
+      </p:grpSp>
+      <p:grpSp>
+        <p:nvGrpSpPr>
+          <p:cNvPr id="18" name="Group 17">
+            <a:extLst>
+              <a:ext uri="{FF2B5EF4-FFF2-40B4-BE49-F238E27FC236}">
+                <a16:creationId xmlns:a16="http://schemas.microsoft.com/office/drawing/2014/main" id="{7C19EB8F-F961-4171-8FAF-43C81282B734}"/>
+              </a:ext>
+            </a:extLst>
+          </p:cNvPr>
+          <p:cNvGrpSpPr/>
+          <p:nvPr/>
+        </p:nvGrpSpPr>
+        <p:grpSpPr>
+          <a:xfrm>
+            <a:off x="1856274" y="969399"/>
+            <a:ext cx="1951149" cy="554858"/>
+            <a:chOff x="1856274" y="969399"/>
+            <a:chExt cx="1951149" cy="554858"/>
+          </a:xfrm>
+        </p:grpSpPr>
+        <p:sp>
+          <p:nvSpPr>
+            <p:cNvPr id="17" name="Rectangle: Rounded Corners 16">
+              <a:extLst>
+                <a:ext uri="{FF2B5EF4-FFF2-40B4-BE49-F238E27FC236}">
+                  <a16:creationId xmlns:a16="http://schemas.microsoft.com/office/drawing/2014/main" id="{2B87F8D9-AAC0-4C60-A617-213326DDBB60}"/>
+                </a:ext>
+              </a:extLst>
+            </p:cNvPr>
+            <p:cNvSpPr/>
+            <p:nvPr/>
+          </p:nvSpPr>
+          <p:spPr>
+            <a:xfrm>
+              <a:off x="1856274" y="969399"/>
+              <a:ext cx="1951149" cy="554858"/>
+            </a:xfrm>
+            <a:prstGeom prst="roundRect">
+              <a:avLst/>
+            </a:prstGeom>
+            <a:solidFill>
+              <a:schemeClr val="bg1"/>
+            </a:solidFill>
+            <a:ln w="38100">
+              <a:solidFill>
+                <a:schemeClr val="tx1"/>
+              </a:solidFill>
+            </a:ln>
+          </p:spPr>
+          <p:style>
+            <a:lnRef idx="2">
+              <a:schemeClr val="accent1">
+                <a:shade val="50000"/>
+              </a:schemeClr>
+            </a:lnRef>
+            <a:fillRef idx="1">
+              <a:schemeClr val="accent1"/>
+            </a:fillRef>
+            <a:effectRef idx="0">
+              <a:schemeClr val="accent1"/>
+            </a:effectRef>
+            <a:fontRef idx="minor">
+              <a:schemeClr val="lt1"/>
+            </a:fontRef>
+          </p:style>
+          <p:txBody>
+            <a:bodyPr rtlCol="0" anchor="ctr"/>
+            <a:lstStyle/>
+            <a:p>
+              <a:pPr algn="ctr"/>
+              <a:endParaRPr lang="en-GB" dirty="0"/>
+            </a:p>
+          </p:txBody>
+        </p:sp>
+        <p:pic>
+          <p:nvPicPr>
+            <p:cNvPr id="11" name="Picture 10">
+              <a:extLst>
+                <a:ext uri="{FF2B5EF4-FFF2-40B4-BE49-F238E27FC236}">
+                  <a16:creationId xmlns:a16="http://schemas.microsoft.com/office/drawing/2014/main" id="{53DCD2D2-6465-4A91-90AC-DBF05EFFB5D4}"/>
+                </a:ext>
+              </a:extLst>
+            </p:cNvPr>
+            <p:cNvPicPr>
+              <a:picLocks noChangeAspect="1"/>
+            </p:cNvPicPr>
+            <p:nvPr/>
+          </p:nvPicPr>
+          <p:blipFill>
+            <a:blip r:embed="rId3"/>
+            <a:stretch>
+              <a:fillRect/>
+            </a:stretch>
+          </p:blipFill>
+          <p:spPr>
+            <a:xfrm>
+              <a:off x="2710155" y="1050723"/>
+              <a:ext cx="243386" cy="360112"/>
+            </a:xfrm>
+            <a:prstGeom prst="rect">
+              <a:avLst/>
+            </a:prstGeom>
+          </p:spPr>
+        </p:pic>
+      </p:grpSp>
+    </p:spTree>
+    <p:extLst>
+      <p:ext uri="{BB962C8B-B14F-4D97-AF65-F5344CB8AC3E}">
+        <p14:creationId xmlns:p14="http://schemas.microsoft.com/office/powerpoint/2010/main" val="2245031962"/>
+      </p:ext>
+    </p:extLst>
+  </p:cSld>
+  <p:clrMapOvr>
+    <a:masterClrMapping/>
+  </p:clrMapOvr>
+</p:sld>
+</file>
+
 <file path=ppt/theme/theme1.xml><?xml version="1.0" encoding="utf-8"?>
 <a:theme xmlns:a="http://schemas.openxmlformats.org/drawingml/2006/main" name="Office Theme">
   <a:themeElements>
